--- a/presentation.pptx
+++ b/presentation.pptx
@@ -152,6 +152,14 @@
       </a:defRPr>
     </a:lvl9pPr>
   </p:defaultTextStyle>
+  <p:extLst>
+    <p:ext uri="{EFAFB233-063F-42B5-8137-9DF3F51BA10A}">
+      <p15:sldGuideLst xmlns:p15="http://schemas.microsoft.com/office/powerpoint/2012/main"/>
+    </p:ext>
+    <p:ext uri="{2D200454-40CA-4A62-9FC3-DE9A4176ACB9}">
+      <p15:notesGuideLst xmlns:p15="http://schemas.microsoft.com/office/powerpoint/2012/main"/>
+    </p:ext>
+  </p:extLst>
 </p:presentation>
 </file>
 
@@ -264,7 +272,7 @@
             <a:fld id="{69F4F1FD-8F0D-1040-A0AB-CC2F90490EB8}" type="datetime1">
               <a:rPr lang="en-US" altLang="en-SI"/>
               <a:pPr/>
-              <a:t>6/17/21</a:t>
+              <a:t>6/21/2021</a:t>
             </a:fld>
             <a:endParaRPr lang="en-US" altLang="en-SI"/>
           </a:p>
@@ -361,6 +369,11 @@
         </p:txBody>
       </p:sp>
     </p:spTree>
+    <p:extLst>
+      <p:ext uri="{BB962C8B-B14F-4D97-AF65-F5344CB8AC3E}">
+        <p14:creationId xmlns:p14="http://schemas.microsoft.com/office/powerpoint/2010/main" val="1"/>
+      </p:ext>
+    </p:extLst>
   </p:cSld>
   <p:clrMap bg1="lt1" tx1="dk1" bg2="lt2" tx2="dk2" accent1="accent1" accent2="accent2" accent3="accent3" accent4="accent4" accent5="accent5" accent6="accent6" hlink="hlink" folHlink="folHlink"/>
   <p:hf hdr="0" ftr="0" dt="0"/>
@@ -476,7 +489,7 @@
             <a:fld id="{5D40F46F-BEC3-4E45-A7FB-0856BCC49E2F}" type="datetime1">
               <a:rPr lang="en-US" altLang="en-SI"/>
               <a:pPr/>
-              <a:t>6/17/21</a:t>
+              <a:t>6/21/2021</a:t>
             </a:fld>
             <a:endParaRPr lang="en-US" altLang="en-SI"/>
           </a:p>
@@ -1276,7 +1289,7 @@
             <a:fld id="{DC0C8559-7032-0F45-AC49-BAFB93020AB7}" type="datetime1">
               <a:rPr lang="en-US" altLang="en-SI"/>
               <a:pPr/>
-              <a:t>6/17/21</a:t>
+              <a:t>6/21/2021</a:t>
             </a:fld>
             <a:endParaRPr lang="en-US" altLang="en-SI"/>
           </a:p>
@@ -1481,7 +1494,7 @@
             <a:fld id="{8768AFB7-074D-4D4F-97B8-E00C91F5A884}" type="datetime1">
               <a:rPr lang="en-US" altLang="en-SI"/>
               <a:pPr/>
-              <a:t>6/17/21</a:t>
+              <a:t>6/21/2021</a:t>
             </a:fld>
             <a:endParaRPr lang="en-US" altLang="en-SI"/>
           </a:p>
@@ -1696,7 +1709,7 @@
             <a:fld id="{95FB27C3-FF86-9C40-87AB-FFF3F4CF9DB5}" type="datetime1">
               <a:rPr lang="en-US" altLang="en-SI"/>
               <a:pPr/>
-              <a:t>6/17/21</a:t>
+              <a:t>6/21/2021</a:t>
             </a:fld>
             <a:endParaRPr lang="en-US" altLang="en-SI"/>
           </a:p>
@@ -1901,7 +1914,7 @@
             <a:fld id="{41DECDDD-5EF4-D54B-B384-521743E3E020}" type="datetime1">
               <a:rPr lang="en-US" altLang="en-SI"/>
               <a:pPr/>
-              <a:t>6/17/21</a:t>
+              <a:t>6/21/2021</a:t>
             </a:fld>
             <a:endParaRPr lang="en-US" altLang="en-SI"/>
           </a:p>
@@ -2182,7 +2195,7 @@
             <a:fld id="{DD1D262D-6BA7-3D43-843C-4CF8C4DA3A95}" type="datetime1">
               <a:rPr lang="en-US" altLang="en-SI"/>
               <a:pPr/>
-              <a:t>6/17/21</a:t>
+              <a:t>6/21/2021</a:t>
             </a:fld>
             <a:endParaRPr lang="en-US" altLang="en-SI"/>
           </a:p>
@@ -2505,7 +2518,7 @@
             <a:fld id="{35CDC1FC-1528-7F4A-9B78-2B5479DF92A8}" type="datetime1">
               <a:rPr lang="en-US" altLang="en-SI"/>
               <a:pPr/>
-              <a:t>6/17/21</a:t>
+              <a:t>6/21/2021</a:t>
             </a:fld>
             <a:endParaRPr lang="en-US" altLang="en-SI"/>
           </a:p>
@@ -2962,7 +2975,7 @@
             <a:fld id="{551626F6-CE61-1C40-9206-60F26EB4B48A}" type="datetime1">
               <a:rPr lang="en-US" altLang="en-SI"/>
               <a:pPr/>
-              <a:t>6/17/21</a:t>
+              <a:t>6/21/2021</a:t>
             </a:fld>
             <a:endParaRPr lang="en-US" altLang="en-SI"/>
           </a:p>
@@ -3115,7 +3128,7 @@
             <a:fld id="{C56594D7-FB82-A14A-B237-4E5B5A775647}" type="datetime1">
               <a:rPr lang="en-US" altLang="en-SI"/>
               <a:pPr/>
-              <a:t>6/17/21</a:t>
+              <a:t>6/21/2021</a:t>
             </a:fld>
             <a:endParaRPr lang="en-US" altLang="en-SI"/>
           </a:p>
@@ -3245,7 +3258,7 @@
             <a:fld id="{6BF51A97-C149-B94D-A26A-9F2F9763654A}" type="datetime1">
               <a:rPr lang="en-US" altLang="en-SI"/>
               <a:pPr/>
-              <a:t>6/17/21</a:t>
+              <a:t>6/21/2021</a:t>
             </a:fld>
             <a:endParaRPr lang="en-US" altLang="en-SI"/>
           </a:p>
@@ -3557,7 +3570,7 @@
             <a:fld id="{7D18844B-D8AE-BE41-A0FE-2467F9402983}" type="datetime1">
               <a:rPr lang="en-US" altLang="en-SI"/>
               <a:pPr/>
-              <a:t>6/17/21</a:t>
+              <a:t>6/21/2021</a:t>
             </a:fld>
             <a:endParaRPr lang="en-US" altLang="en-SI"/>
           </a:p>
@@ -3852,7 +3865,7 @@
             <a:fld id="{2223A84B-8749-E949-A6F5-CB4C2BB22987}" type="datetime1">
               <a:rPr lang="en-US" altLang="en-SI"/>
               <a:pPr/>
-              <a:t>6/17/21</a:t>
+              <a:t>6/21/2021</a:t>
             </a:fld>
             <a:endParaRPr lang="en-US" altLang="en-SI"/>
           </a:p>
@@ -4169,7 +4182,7 @@
             <a:fld id="{799E9A81-68FA-944C-8BEC-E23E684D9602}" type="datetime1">
               <a:rPr lang="en-US" altLang="en-SI"/>
               <a:pPr/>
-              <a:t>6/17/21</a:t>
+              <a:t>6/21/2021</a:t>
             </a:fld>
             <a:endParaRPr lang="en-US" altLang="en-SI"/>
           </a:p>
@@ -4983,14 +4996,14 @@
           </a:ln>
           <a:extLst>
             <a:ext uri="{909E8E84-426E-40dd-AFC4-6F175D3DCCD1}">
-              <a14:hiddenFill xmlns:a14="http://schemas.microsoft.com/office/drawing/2010/main" xmlns="">
+              <a14:hiddenFill xmlns="" xmlns:a14="http://schemas.microsoft.com/office/drawing/2010/main">
                 <a:solidFill>
                   <a:srgbClr val="FFFFFF"/>
                 </a:solidFill>
               </a14:hiddenFill>
             </a:ext>
             <a:ext uri="{91240B29-F687-4f45-9708-019B960494DF}">
-              <a14:hiddenLine xmlns:a14="http://schemas.microsoft.com/office/drawing/2010/main" xmlns="" w="9525">
+              <a14:hiddenLine xmlns="" xmlns:a14="http://schemas.microsoft.com/office/drawing/2010/main" w="9525">
                 <a:solidFill>
                   <a:srgbClr val="000000"/>
                 </a:solidFill>
@@ -5304,36 +5317,2097 @@
           </a:p>
         </p:txBody>
       </p:sp>
-      <p:sp>
-        <p:nvSpPr>
-          <p:cNvPr id="72" name="Content Placeholder 2">
+      <p:graphicFrame>
+        <p:nvGraphicFramePr>
+          <p:cNvPr id="2" name="Table 2">
             <a:extLst>
               <a:ext uri="{FF2B5EF4-FFF2-40B4-BE49-F238E27FC236}">
-                <a16:creationId xmlns:a16="http://schemas.microsoft.com/office/drawing/2014/main" id="{3938889B-1B24-4823-A135-C1B73AF074F2}"/>
+                <a16:creationId xmlns:a16="http://schemas.microsoft.com/office/drawing/2014/main" id="{69810402-5702-4329-9EF5-0D775468A835}"/>
               </a:ext>
             </a:extLst>
           </p:cNvPr>
-          <p:cNvSpPr>
-            <a:spLocks noGrp="1"/>
-          </p:cNvSpPr>
+          <p:cNvGraphicFramePr>
+            <a:graphicFrameLocks noGrp="1"/>
+          </p:cNvGraphicFramePr>
           <p:nvPr>
             <p:ph idx="1"/>
+            <p:extLst>
+              <p:ext uri="{D42A27DB-BD31-4B8C-83A1-F6EECF244321}">
+                <p14:modId xmlns:p14="http://schemas.microsoft.com/office/powerpoint/2010/main" val="2020073336"/>
+              </p:ext>
+            </p:extLst>
           </p:nvPr>
-        </p:nvSpPr>
-        <p:spPr>
-          <a:xfrm>
-            <a:off x="457200" y="1341438"/>
-            <a:ext cx="8229600" cy="4784725"/>
-          </a:xfrm>
-        </p:spPr>
-        <p:txBody>
-          <a:bodyPr/>
-          <a:lstStyle/>
-          <a:p>
-            <a:endParaRPr lang="en-US" dirty="0"/>
-          </a:p>
-        </p:txBody>
-      </p:sp>
+        </p:nvGraphicFramePr>
+        <p:xfrm>
+          <a:off x="457200" y="1341438"/>
+          <a:ext cx="8229592" cy="2604770"/>
+        </p:xfrm>
+        <a:graphic>
+          <a:graphicData uri="http://schemas.openxmlformats.org/drawingml/2006/table">
+            <a:tbl>
+              <a:tblPr firstRow="1" bandRow="1">
+                <a:tableStyleId>{5C22544A-7EE6-4342-B048-85BDC9FD1C3A}</a:tableStyleId>
+              </a:tblPr>
+              <a:tblGrid>
+                <a:gridCol w="587828">
+                  <a:extLst>
+                    <a:ext uri="{9D8B030D-6E8A-4147-A177-3AD203B41FA5}">
+                      <a16:colId xmlns:a16="http://schemas.microsoft.com/office/drawing/2014/main" val="265185441"/>
+                    </a:ext>
+                  </a:extLst>
+                </a:gridCol>
+                <a:gridCol w="587828">
+                  <a:extLst>
+                    <a:ext uri="{9D8B030D-6E8A-4147-A177-3AD203B41FA5}">
+                      <a16:colId xmlns:a16="http://schemas.microsoft.com/office/drawing/2014/main" val="1046437130"/>
+                    </a:ext>
+                  </a:extLst>
+                </a:gridCol>
+                <a:gridCol w="587828">
+                  <a:extLst>
+                    <a:ext uri="{9D8B030D-6E8A-4147-A177-3AD203B41FA5}">
+                      <a16:colId xmlns:a16="http://schemas.microsoft.com/office/drawing/2014/main" val="435802231"/>
+                    </a:ext>
+                  </a:extLst>
+                </a:gridCol>
+                <a:gridCol w="587828">
+                  <a:extLst>
+                    <a:ext uri="{9D8B030D-6E8A-4147-A177-3AD203B41FA5}">
+                      <a16:colId xmlns:a16="http://schemas.microsoft.com/office/drawing/2014/main" val="3706046303"/>
+                    </a:ext>
+                  </a:extLst>
+                </a:gridCol>
+                <a:gridCol w="587828">
+                  <a:extLst>
+                    <a:ext uri="{9D8B030D-6E8A-4147-A177-3AD203B41FA5}">
+                      <a16:colId xmlns:a16="http://schemas.microsoft.com/office/drawing/2014/main" val="1844214574"/>
+                    </a:ext>
+                  </a:extLst>
+                </a:gridCol>
+                <a:gridCol w="587828">
+                  <a:extLst>
+                    <a:ext uri="{9D8B030D-6E8A-4147-A177-3AD203B41FA5}">
+                      <a16:colId xmlns:a16="http://schemas.microsoft.com/office/drawing/2014/main" val="3878800328"/>
+                    </a:ext>
+                  </a:extLst>
+                </a:gridCol>
+                <a:gridCol w="587828">
+                  <a:extLst>
+                    <a:ext uri="{9D8B030D-6E8A-4147-A177-3AD203B41FA5}">
+                      <a16:colId xmlns:a16="http://schemas.microsoft.com/office/drawing/2014/main" val="2709109618"/>
+                    </a:ext>
+                  </a:extLst>
+                </a:gridCol>
+                <a:gridCol w="587828">
+                  <a:extLst>
+                    <a:ext uri="{9D8B030D-6E8A-4147-A177-3AD203B41FA5}">
+                      <a16:colId xmlns:a16="http://schemas.microsoft.com/office/drawing/2014/main" val="548046442"/>
+                    </a:ext>
+                  </a:extLst>
+                </a:gridCol>
+                <a:gridCol w="587828">
+                  <a:extLst>
+                    <a:ext uri="{9D8B030D-6E8A-4147-A177-3AD203B41FA5}">
+                      <a16:colId xmlns:a16="http://schemas.microsoft.com/office/drawing/2014/main" val="2066551984"/>
+                    </a:ext>
+                  </a:extLst>
+                </a:gridCol>
+                <a:gridCol w="587828">
+                  <a:extLst>
+                    <a:ext uri="{9D8B030D-6E8A-4147-A177-3AD203B41FA5}">
+                      <a16:colId xmlns:a16="http://schemas.microsoft.com/office/drawing/2014/main" val="2040199804"/>
+                    </a:ext>
+                  </a:extLst>
+                </a:gridCol>
+                <a:gridCol w="587828">
+                  <a:extLst>
+                    <a:ext uri="{9D8B030D-6E8A-4147-A177-3AD203B41FA5}">
+                      <a16:colId xmlns:a16="http://schemas.microsoft.com/office/drawing/2014/main" val="3087483290"/>
+                    </a:ext>
+                  </a:extLst>
+                </a:gridCol>
+                <a:gridCol w="587828">
+                  <a:extLst>
+                    <a:ext uri="{9D8B030D-6E8A-4147-A177-3AD203B41FA5}">
+                      <a16:colId xmlns:a16="http://schemas.microsoft.com/office/drawing/2014/main" val="215343412"/>
+                    </a:ext>
+                  </a:extLst>
+                </a:gridCol>
+                <a:gridCol w="587828">
+                  <a:extLst>
+                    <a:ext uri="{9D8B030D-6E8A-4147-A177-3AD203B41FA5}">
+                      <a16:colId xmlns:a16="http://schemas.microsoft.com/office/drawing/2014/main" val="2513803390"/>
+                    </a:ext>
+                  </a:extLst>
+                </a:gridCol>
+                <a:gridCol w="587828">
+                  <a:extLst>
+                    <a:ext uri="{9D8B030D-6E8A-4147-A177-3AD203B41FA5}">
+                      <a16:colId xmlns:a16="http://schemas.microsoft.com/office/drawing/2014/main" val="1337601247"/>
+                    </a:ext>
+                  </a:extLst>
+                </a:gridCol>
+              </a:tblGrid>
+              <a:tr h="370840">
+                <a:tc gridSpan="2">
+                  <a:txBody>
+                    <a:bodyPr/>
+                    <a:lstStyle/>
+                    <a:p>
+                      <a:pPr algn="l" fontAlgn="b"/>
+                      <a:r>
+                        <a:rPr lang="en-US" sz="1200" b="0" i="0" u="none" strike="noStrike" dirty="0" err="1">
+                          <a:solidFill>
+                            <a:srgbClr val="000000"/>
+                          </a:solidFill>
+                          <a:effectLst/>
+                          <a:latin typeface="Calibri" panose="020F0502020204030204" pitchFamily="34" charset="0"/>
+                        </a:rPr>
+                        <a:t>serijski</a:t>
+                      </a:r>
+                      <a:r>
+                        <a:rPr lang="en-US" sz="1200" b="0" i="0" u="none" strike="noStrike" dirty="0">
+                          <a:solidFill>
+                            <a:srgbClr val="000000"/>
+                          </a:solidFill>
+                          <a:effectLst/>
+                          <a:latin typeface="Calibri" panose="020F0502020204030204" pitchFamily="34" charset="0"/>
+                        </a:rPr>
+                        <a:t> </a:t>
+                      </a:r>
+                      <a:r>
+                        <a:rPr lang="en-US" sz="1200" b="0" i="0" u="none" strike="noStrike" dirty="0" err="1">
+                          <a:solidFill>
+                            <a:srgbClr val="000000"/>
+                          </a:solidFill>
+                          <a:effectLst/>
+                          <a:latin typeface="Calibri" panose="020F0502020204030204" pitchFamily="34" charset="0"/>
+                        </a:rPr>
+                        <a:t>algoritem</a:t>
+                      </a:r>
+                      <a:endParaRPr lang="en-US" sz="1200" b="0" i="0" u="none" strike="noStrike" dirty="0">
+                        <a:solidFill>
+                          <a:srgbClr val="000000"/>
+                        </a:solidFill>
+                        <a:effectLst/>
+                        <a:latin typeface="Calibri" panose="020F0502020204030204" pitchFamily="34" charset="0"/>
+                      </a:endParaRPr>
+                    </a:p>
+                  </a:txBody>
+                  <a:tcPr marL="9525" marR="9525" marT="9525" marB="0" anchor="b"/>
+                </a:tc>
+                <a:tc hMerge="1">
+                  <a:txBody>
+                    <a:bodyPr/>
+                    <a:lstStyle/>
+                    <a:p>
+                      <a:endParaRPr lang="en-SI"/>
+                    </a:p>
+                  </a:txBody>
+                  <a:tcPr/>
+                </a:tc>
+                <a:tc>
+                  <a:txBody>
+                    <a:bodyPr/>
+                    <a:lstStyle/>
+                    <a:p>
+                      <a:pPr algn="l" fontAlgn="b"/>
+                      <a:r>
+                        <a:rPr lang="en-SI" sz="1200" b="0" i="0" u="none" strike="noStrike">
+                          <a:solidFill>
+                            <a:srgbClr val="000000"/>
+                          </a:solidFill>
+                          <a:effectLst/>
+                          <a:latin typeface="Calibri" panose="020F0502020204030204" pitchFamily="34" charset="0"/>
+                        </a:rPr>
+                        <a:t> </a:t>
+                      </a:r>
+                    </a:p>
+                  </a:txBody>
+                  <a:tcPr marL="9525" marR="9525" marT="9525" marB="0" anchor="b"/>
+                </a:tc>
+                <a:tc>
+                  <a:txBody>
+                    <a:bodyPr/>
+                    <a:lstStyle/>
+                    <a:p>
+                      <a:pPr algn="l" fontAlgn="b"/>
+                      <a:r>
+                        <a:rPr lang="en-US" sz="1200" b="0" i="0" u="none" strike="noStrike">
+                          <a:solidFill>
+                            <a:srgbClr val="000000"/>
+                          </a:solidFill>
+                          <a:effectLst/>
+                          <a:latin typeface="Calibri" panose="020F0502020204030204" pitchFamily="34" charset="0"/>
+                        </a:rPr>
+                        <a:t>OpenMP</a:t>
+                      </a:r>
+                    </a:p>
+                  </a:txBody>
+                  <a:tcPr marL="9525" marR="9525" marT="9525" marB="0" anchor="b"/>
+                </a:tc>
+                <a:tc>
+                  <a:txBody>
+                    <a:bodyPr/>
+                    <a:lstStyle/>
+                    <a:p>
+                      <a:pPr algn="l" fontAlgn="b"/>
+                      <a:r>
+                        <a:rPr lang="en-SI" sz="1200" b="0" i="0" u="none" strike="noStrike">
+                          <a:solidFill>
+                            <a:srgbClr val="000000"/>
+                          </a:solidFill>
+                          <a:effectLst/>
+                          <a:latin typeface="Calibri" panose="020F0502020204030204" pitchFamily="34" charset="0"/>
+                        </a:rPr>
+                        <a:t> </a:t>
+                      </a:r>
+                    </a:p>
+                  </a:txBody>
+                  <a:tcPr marL="9525" marR="9525" marT="9525" marB="0" anchor="b"/>
+                </a:tc>
+                <a:tc>
+                  <a:txBody>
+                    <a:bodyPr/>
+                    <a:lstStyle/>
+                    <a:p>
+                      <a:pPr algn="l" fontAlgn="b"/>
+                      <a:r>
+                        <a:rPr lang="en-SI" sz="1200" b="0" i="0" u="none" strike="noStrike">
+                          <a:solidFill>
+                            <a:srgbClr val="000000"/>
+                          </a:solidFill>
+                          <a:effectLst/>
+                          <a:latin typeface="Calibri" panose="020F0502020204030204" pitchFamily="34" charset="0"/>
+                        </a:rPr>
+                        <a:t> </a:t>
+                      </a:r>
+                    </a:p>
+                  </a:txBody>
+                  <a:tcPr marL="9525" marR="9525" marT="9525" marB="0" anchor="b"/>
+                </a:tc>
+                <a:tc>
+                  <a:txBody>
+                    <a:bodyPr/>
+                    <a:lstStyle/>
+                    <a:p>
+                      <a:pPr algn="l" fontAlgn="b"/>
+                      <a:r>
+                        <a:rPr lang="en-US" sz="1200" b="0" i="0" u="none" strike="noStrike">
+                          <a:solidFill>
+                            <a:srgbClr val="000000"/>
+                          </a:solidFill>
+                          <a:effectLst/>
+                          <a:latin typeface="Calibri" panose="020F0502020204030204" pitchFamily="34" charset="0"/>
+                        </a:rPr>
+                        <a:t>MPI</a:t>
+                      </a:r>
+                    </a:p>
+                  </a:txBody>
+                  <a:tcPr marL="9525" marR="9525" marT="9525" marB="0" anchor="b"/>
+                </a:tc>
+                <a:tc>
+                  <a:txBody>
+                    <a:bodyPr/>
+                    <a:lstStyle/>
+                    <a:p>
+                      <a:pPr algn="l" fontAlgn="b"/>
+                      <a:r>
+                        <a:rPr lang="en-SI" sz="1200" b="0" i="0" u="none" strike="noStrike">
+                          <a:solidFill>
+                            <a:srgbClr val="000000"/>
+                          </a:solidFill>
+                          <a:effectLst/>
+                          <a:latin typeface="Calibri" panose="020F0502020204030204" pitchFamily="34" charset="0"/>
+                        </a:rPr>
+                        <a:t> </a:t>
+                      </a:r>
+                    </a:p>
+                  </a:txBody>
+                  <a:tcPr marL="9525" marR="9525" marT="9525" marB="0" anchor="b"/>
+                </a:tc>
+                <a:tc>
+                  <a:txBody>
+                    <a:bodyPr/>
+                    <a:lstStyle/>
+                    <a:p>
+                      <a:pPr algn="l" fontAlgn="b"/>
+                      <a:r>
+                        <a:rPr lang="en-SI" sz="1200" b="0" i="0" u="none" strike="noStrike">
+                          <a:solidFill>
+                            <a:srgbClr val="000000"/>
+                          </a:solidFill>
+                          <a:effectLst/>
+                          <a:latin typeface="Calibri" panose="020F0502020204030204" pitchFamily="34" charset="0"/>
+                        </a:rPr>
+                        <a:t> </a:t>
+                      </a:r>
+                    </a:p>
+                  </a:txBody>
+                  <a:tcPr marL="9525" marR="9525" marT="9525" marB="0" anchor="b"/>
+                </a:tc>
+                <a:tc>
+                  <a:txBody>
+                    <a:bodyPr/>
+                    <a:lstStyle/>
+                    <a:p>
+                      <a:pPr algn="l" fontAlgn="b"/>
+                      <a:r>
+                        <a:rPr lang="en-US" sz="1200" b="0" i="0" u="none" strike="noStrike">
+                          <a:solidFill>
+                            <a:srgbClr val="000000"/>
+                          </a:solidFill>
+                          <a:effectLst/>
+                          <a:latin typeface="Calibri" panose="020F0502020204030204" pitchFamily="34" charset="0"/>
+                        </a:rPr>
+                        <a:t>OpenCL</a:t>
+                      </a:r>
+                    </a:p>
+                  </a:txBody>
+                  <a:tcPr marL="9525" marR="9525" marT="9525" marB="0" anchor="b"/>
+                </a:tc>
+                <a:tc>
+                  <a:txBody>
+                    <a:bodyPr/>
+                    <a:lstStyle/>
+                    <a:p>
+                      <a:pPr algn="l" fontAlgn="b"/>
+                      <a:r>
+                        <a:rPr lang="en-SI" sz="1200" b="0" i="0" u="none" strike="noStrike">
+                          <a:solidFill>
+                            <a:srgbClr val="000000"/>
+                          </a:solidFill>
+                          <a:effectLst/>
+                          <a:latin typeface="Calibri" panose="020F0502020204030204" pitchFamily="34" charset="0"/>
+                        </a:rPr>
+                        <a:t> </a:t>
+                      </a:r>
+                    </a:p>
+                  </a:txBody>
+                  <a:tcPr marL="9525" marR="9525" marT="9525" marB="0" anchor="b"/>
+                </a:tc>
+                <a:tc>
+                  <a:txBody>
+                    <a:bodyPr/>
+                    <a:lstStyle/>
+                    <a:p>
+                      <a:pPr algn="l" fontAlgn="b"/>
+                      <a:r>
+                        <a:rPr lang="en-SI" sz="1200" b="0" i="0" u="none" strike="noStrike">
+                          <a:solidFill>
+                            <a:srgbClr val="000000"/>
+                          </a:solidFill>
+                          <a:effectLst/>
+                          <a:latin typeface="Calibri" panose="020F0502020204030204" pitchFamily="34" charset="0"/>
+                        </a:rPr>
+                        <a:t> </a:t>
+                      </a:r>
+                    </a:p>
+                  </a:txBody>
+                  <a:tcPr marL="9525" marR="9525" marT="9525" marB="0" anchor="b"/>
+                </a:tc>
+                <a:tc gridSpan="2">
+                  <a:txBody>
+                    <a:bodyPr/>
+                    <a:lstStyle/>
+                    <a:p>
+                      <a:pPr algn="l" fontAlgn="b"/>
+                      <a:r>
+                        <a:rPr lang="en-US" sz="1200" b="0" i="0" u="none" strike="noStrike">
+                          <a:solidFill>
+                            <a:srgbClr val="000000"/>
+                          </a:solidFill>
+                          <a:effectLst/>
+                          <a:latin typeface="Calibri" panose="020F0502020204030204" pitchFamily="34" charset="0"/>
+                        </a:rPr>
+                        <a:t>OpenCL z lok. pom.</a:t>
+                      </a:r>
+                    </a:p>
+                  </a:txBody>
+                  <a:tcPr marL="9525" marR="9525" marT="9525" marB="0" anchor="b"/>
+                </a:tc>
+                <a:tc hMerge="1">
+                  <a:txBody>
+                    <a:bodyPr/>
+                    <a:lstStyle/>
+                    <a:p>
+                      <a:endParaRPr lang="en-SI"/>
+                    </a:p>
+                  </a:txBody>
+                  <a:tcPr/>
+                </a:tc>
+                <a:extLst>
+                  <a:ext uri="{0D108BD9-81ED-4DB2-BD59-A6C34878D82A}">
+                    <a16:rowId xmlns:a16="http://schemas.microsoft.com/office/drawing/2014/main" val="3077427601"/>
+                  </a:ext>
+                </a:extLst>
+              </a:tr>
+              <a:tr h="370840">
+                <a:tc>
+                  <a:txBody>
+                    <a:bodyPr/>
+                    <a:lstStyle/>
+                    <a:p>
+                      <a:pPr algn="l" fontAlgn="b"/>
+                      <a:r>
+                        <a:rPr lang="en-US" sz="1200" b="0" i="0" u="none" strike="noStrike">
+                          <a:solidFill>
+                            <a:srgbClr val="000000"/>
+                          </a:solidFill>
+                          <a:effectLst/>
+                          <a:latin typeface="Calibri" panose="020F0502020204030204" pitchFamily="34" charset="0"/>
+                        </a:rPr>
+                        <a:t>velikost</a:t>
+                      </a:r>
+                    </a:p>
+                  </a:txBody>
+                  <a:tcPr marL="9525" marR="9525" marT="9525" marB="0" anchor="b"/>
+                </a:tc>
+                <a:tc>
+                  <a:txBody>
+                    <a:bodyPr/>
+                    <a:lstStyle/>
+                    <a:p>
+                      <a:pPr algn="l" fontAlgn="b"/>
+                      <a:r>
+                        <a:rPr lang="en-US" sz="1200" b="0" i="0" u="none" strike="noStrike">
+                          <a:solidFill>
+                            <a:srgbClr val="000000"/>
+                          </a:solidFill>
+                          <a:effectLst/>
+                          <a:latin typeface="Calibri" panose="020F0502020204030204" pitchFamily="34" charset="0"/>
+                        </a:rPr>
+                        <a:t>čas izvajanja</a:t>
+                      </a:r>
+                    </a:p>
+                  </a:txBody>
+                  <a:tcPr marL="9525" marR="9525" marT="9525" marB="0" anchor="b"/>
+                </a:tc>
+                <a:tc>
+                  <a:txBody>
+                    <a:bodyPr/>
+                    <a:lstStyle/>
+                    <a:p>
+                      <a:pPr algn="l" fontAlgn="b"/>
+                      <a:endParaRPr lang="en-SI" sz="1200" b="0" i="0" u="none" strike="noStrike">
+                        <a:solidFill>
+                          <a:srgbClr val="000000"/>
+                        </a:solidFill>
+                        <a:effectLst/>
+                        <a:latin typeface="Calibri" panose="020F0502020204030204" pitchFamily="34" charset="0"/>
+                      </a:endParaRPr>
+                    </a:p>
+                  </a:txBody>
+                  <a:tcPr marL="9525" marR="9525" marT="9525" marB="0" anchor="b"/>
+                </a:tc>
+                <a:tc>
+                  <a:txBody>
+                    <a:bodyPr/>
+                    <a:lstStyle/>
+                    <a:p>
+                      <a:pPr algn="l" fontAlgn="b"/>
+                      <a:r>
+                        <a:rPr lang="en-US" sz="1200" b="0" i="0" u="none" strike="noStrike">
+                          <a:solidFill>
+                            <a:srgbClr val="000000"/>
+                          </a:solidFill>
+                          <a:effectLst/>
+                          <a:latin typeface="Calibri" panose="020F0502020204030204" pitchFamily="34" charset="0"/>
+                        </a:rPr>
+                        <a:t>velikost</a:t>
+                      </a:r>
+                    </a:p>
+                  </a:txBody>
+                  <a:tcPr marL="9525" marR="9525" marT="9525" marB="0" anchor="b"/>
+                </a:tc>
+                <a:tc>
+                  <a:txBody>
+                    <a:bodyPr/>
+                    <a:lstStyle/>
+                    <a:p>
+                      <a:pPr algn="l" fontAlgn="b"/>
+                      <a:r>
+                        <a:rPr lang="en-US" sz="1200" b="0" i="0" u="none" strike="noStrike">
+                          <a:solidFill>
+                            <a:srgbClr val="000000"/>
+                          </a:solidFill>
+                          <a:effectLst/>
+                          <a:latin typeface="Calibri" panose="020F0502020204030204" pitchFamily="34" charset="0"/>
+                        </a:rPr>
+                        <a:t>čas izvajanja</a:t>
+                      </a:r>
+                    </a:p>
+                  </a:txBody>
+                  <a:tcPr marL="9525" marR="9525" marT="9525" marB="0" anchor="b"/>
+                </a:tc>
+                <a:tc>
+                  <a:txBody>
+                    <a:bodyPr/>
+                    <a:lstStyle/>
+                    <a:p>
+                      <a:pPr algn="l" fontAlgn="b"/>
+                      <a:endParaRPr lang="en-SI" sz="1200" b="0" i="0" u="none" strike="noStrike">
+                        <a:solidFill>
+                          <a:srgbClr val="000000"/>
+                        </a:solidFill>
+                        <a:effectLst/>
+                        <a:latin typeface="Calibri" panose="020F0502020204030204" pitchFamily="34" charset="0"/>
+                      </a:endParaRPr>
+                    </a:p>
+                  </a:txBody>
+                  <a:tcPr marL="9525" marR="9525" marT="9525" marB="0" anchor="b"/>
+                </a:tc>
+                <a:tc>
+                  <a:txBody>
+                    <a:bodyPr/>
+                    <a:lstStyle/>
+                    <a:p>
+                      <a:pPr algn="l" fontAlgn="b"/>
+                      <a:r>
+                        <a:rPr lang="en-US" sz="1200" b="0" i="0" u="none" strike="noStrike">
+                          <a:solidFill>
+                            <a:srgbClr val="000000"/>
+                          </a:solidFill>
+                          <a:effectLst/>
+                          <a:latin typeface="Calibri" panose="020F0502020204030204" pitchFamily="34" charset="0"/>
+                        </a:rPr>
+                        <a:t>velikost</a:t>
+                      </a:r>
+                    </a:p>
+                  </a:txBody>
+                  <a:tcPr marL="9525" marR="9525" marT="9525" marB="0" anchor="b"/>
+                </a:tc>
+                <a:tc>
+                  <a:txBody>
+                    <a:bodyPr/>
+                    <a:lstStyle/>
+                    <a:p>
+                      <a:pPr algn="l" fontAlgn="b"/>
+                      <a:r>
+                        <a:rPr lang="en-US" sz="1200" b="0" i="0" u="none" strike="noStrike">
+                          <a:solidFill>
+                            <a:srgbClr val="000000"/>
+                          </a:solidFill>
+                          <a:effectLst/>
+                          <a:latin typeface="Calibri" panose="020F0502020204030204" pitchFamily="34" charset="0"/>
+                        </a:rPr>
+                        <a:t>čas izvajanja</a:t>
+                      </a:r>
+                    </a:p>
+                  </a:txBody>
+                  <a:tcPr marL="9525" marR="9525" marT="9525" marB="0" anchor="b"/>
+                </a:tc>
+                <a:tc>
+                  <a:txBody>
+                    <a:bodyPr/>
+                    <a:lstStyle/>
+                    <a:p>
+                      <a:pPr algn="l" fontAlgn="b"/>
+                      <a:endParaRPr lang="en-SI" sz="1200" b="0" i="0" u="none" strike="noStrike">
+                        <a:solidFill>
+                          <a:srgbClr val="000000"/>
+                        </a:solidFill>
+                        <a:effectLst/>
+                        <a:latin typeface="Calibri" panose="020F0502020204030204" pitchFamily="34" charset="0"/>
+                      </a:endParaRPr>
+                    </a:p>
+                  </a:txBody>
+                  <a:tcPr marL="9525" marR="9525" marT="9525" marB="0" anchor="b"/>
+                </a:tc>
+                <a:tc>
+                  <a:txBody>
+                    <a:bodyPr/>
+                    <a:lstStyle/>
+                    <a:p>
+                      <a:pPr algn="l" fontAlgn="b"/>
+                      <a:r>
+                        <a:rPr lang="en-US" sz="1200" b="0" i="0" u="none" strike="noStrike">
+                          <a:solidFill>
+                            <a:srgbClr val="000000"/>
+                          </a:solidFill>
+                          <a:effectLst/>
+                          <a:latin typeface="Calibri" panose="020F0502020204030204" pitchFamily="34" charset="0"/>
+                        </a:rPr>
+                        <a:t>velikost</a:t>
+                      </a:r>
+                    </a:p>
+                  </a:txBody>
+                  <a:tcPr marL="9525" marR="9525" marT="9525" marB="0" anchor="b"/>
+                </a:tc>
+                <a:tc>
+                  <a:txBody>
+                    <a:bodyPr/>
+                    <a:lstStyle/>
+                    <a:p>
+                      <a:pPr algn="l" fontAlgn="b"/>
+                      <a:r>
+                        <a:rPr lang="en-US" sz="1200" b="0" i="0" u="none" strike="noStrike">
+                          <a:solidFill>
+                            <a:srgbClr val="000000"/>
+                          </a:solidFill>
+                          <a:effectLst/>
+                          <a:latin typeface="Calibri" panose="020F0502020204030204" pitchFamily="34" charset="0"/>
+                        </a:rPr>
+                        <a:t>čas izvajanja</a:t>
+                      </a:r>
+                    </a:p>
+                  </a:txBody>
+                  <a:tcPr marL="9525" marR="9525" marT="9525" marB="0" anchor="b"/>
+                </a:tc>
+                <a:tc>
+                  <a:txBody>
+                    <a:bodyPr/>
+                    <a:lstStyle/>
+                    <a:p>
+                      <a:pPr algn="l" fontAlgn="b"/>
+                      <a:endParaRPr lang="en-SI" sz="1200" b="0" i="0" u="none" strike="noStrike">
+                        <a:solidFill>
+                          <a:srgbClr val="000000"/>
+                        </a:solidFill>
+                        <a:effectLst/>
+                        <a:latin typeface="Calibri" panose="020F0502020204030204" pitchFamily="34" charset="0"/>
+                      </a:endParaRPr>
+                    </a:p>
+                  </a:txBody>
+                  <a:tcPr marL="9525" marR="9525" marT="9525" marB="0" anchor="b"/>
+                </a:tc>
+                <a:tc>
+                  <a:txBody>
+                    <a:bodyPr/>
+                    <a:lstStyle/>
+                    <a:p>
+                      <a:pPr algn="l" fontAlgn="b"/>
+                      <a:r>
+                        <a:rPr lang="en-US" sz="1200" b="0" i="0" u="none" strike="noStrike">
+                          <a:solidFill>
+                            <a:srgbClr val="000000"/>
+                          </a:solidFill>
+                          <a:effectLst/>
+                          <a:latin typeface="Calibri" panose="020F0502020204030204" pitchFamily="34" charset="0"/>
+                        </a:rPr>
+                        <a:t>velikost</a:t>
+                      </a:r>
+                    </a:p>
+                  </a:txBody>
+                  <a:tcPr marL="9525" marR="9525" marT="9525" marB="0" anchor="b"/>
+                </a:tc>
+                <a:tc>
+                  <a:txBody>
+                    <a:bodyPr/>
+                    <a:lstStyle/>
+                    <a:p>
+                      <a:pPr algn="l" fontAlgn="b"/>
+                      <a:r>
+                        <a:rPr lang="en-US" sz="1200" b="0" i="0" u="none" strike="noStrike">
+                          <a:solidFill>
+                            <a:srgbClr val="000000"/>
+                          </a:solidFill>
+                          <a:effectLst/>
+                          <a:latin typeface="Calibri" panose="020F0502020204030204" pitchFamily="34" charset="0"/>
+                        </a:rPr>
+                        <a:t>čas izvajanja</a:t>
+                      </a:r>
+                    </a:p>
+                  </a:txBody>
+                  <a:tcPr marL="9525" marR="9525" marT="9525" marB="0" anchor="b"/>
+                </a:tc>
+                <a:extLst>
+                  <a:ext uri="{0D108BD9-81ED-4DB2-BD59-A6C34878D82A}">
+                    <a16:rowId xmlns:a16="http://schemas.microsoft.com/office/drawing/2014/main" val="1116480766"/>
+                  </a:ext>
+                </a:extLst>
+              </a:tr>
+              <a:tr h="370840">
+                <a:tc>
+                  <a:txBody>
+                    <a:bodyPr/>
+                    <a:lstStyle/>
+                    <a:p>
+                      <a:pPr algn="r" fontAlgn="b"/>
+                      <a:r>
+                        <a:rPr lang="en-SI" sz="1200" b="0" i="0" u="none" strike="noStrike">
+                          <a:solidFill>
+                            <a:srgbClr val="000000"/>
+                          </a:solidFill>
+                          <a:effectLst/>
+                          <a:latin typeface="Calibri" panose="020F0502020204030204" pitchFamily="34" charset="0"/>
+                        </a:rPr>
+                        <a:t>1.000</a:t>
+                      </a:r>
+                    </a:p>
+                  </a:txBody>
+                  <a:tcPr marL="9525" marR="9525" marT="9525" marB="0" anchor="b"/>
+                </a:tc>
+                <a:tc>
+                  <a:txBody>
+                    <a:bodyPr/>
+                    <a:lstStyle/>
+                    <a:p>
+                      <a:pPr algn="r" fontAlgn="b"/>
+                      <a:r>
+                        <a:rPr lang="en-SI" sz="1200" b="0" i="0" u="none" strike="noStrike">
+                          <a:solidFill>
+                            <a:srgbClr val="000000"/>
+                          </a:solidFill>
+                          <a:effectLst/>
+                          <a:latin typeface="Calibri" panose="020F0502020204030204" pitchFamily="34" charset="0"/>
+                        </a:rPr>
+                        <a:t>263,11</a:t>
+                      </a:r>
+                    </a:p>
+                  </a:txBody>
+                  <a:tcPr marL="9525" marR="9525" marT="9525" marB="0" anchor="b"/>
+                </a:tc>
+                <a:tc>
+                  <a:txBody>
+                    <a:bodyPr/>
+                    <a:lstStyle/>
+                    <a:p>
+                      <a:pPr algn="l" fontAlgn="b"/>
+                      <a:endParaRPr lang="en-SI" sz="1200" b="0" i="0" u="none" strike="noStrike">
+                        <a:solidFill>
+                          <a:srgbClr val="000000"/>
+                        </a:solidFill>
+                        <a:effectLst/>
+                        <a:latin typeface="Calibri" panose="020F0502020204030204" pitchFamily="34" charset="0"/>
+                      </a:endParaRPr>
+                    </a:p>
+                  </a:txBody>
+                  <a:tcPr marL="9525" marR="9525" marT="9525" marB="0" anchor="b"/>
+                </a:tc>
+                <a:tc>
+                  <a:txBody>
+                    <a:bodyPr/>
+                    <a:lstStyle/>
+                    <a:p>
+                      <a:pPr algn="r" fontAlgn="b"/>
+                      <a:r>
+                        <a:rPr lang="en-SI" sz="1200" b="0" i="0" u="none" strike="noStrike">
+                          <a:solidFill>
+                            <a:srgbClr val="000000"/>
+                          </a:solidFill>
+                          <a:effectLst/>
+                          <a:latin typeface="Calibri" panose="020F0502020204030204" pitchFamily="34" charset="0"/>
+                        </a:rPr>
+                        <a:t>1.000</a:t>
+                      </a:r>
+                    </a:p>
+                  </a:txBody>
+                  <a:tcPr marL="9525" marR="9525" marT="9525" marB="0" anchor="b"/>
+                </a:tc>
+                <a:tc>
+                  <a:txBody>
+                    <a:bodyPr/>
+                    <a:lstStyle/>
+                    <a:p>
+                      <a:pPr algn="r" fontAlgn="b"/>
+                      <a:r>
+                        <a:rPr lang="en-SI" sz="1200" b="0" i="0" u="none" strike="noStrike">
+                          <a:solidFill>
+                            <a:srgbClr val="000000"/>
+                          </a:solidFill>
+                          <a:effectLst/>
+                          <a:latin typeface="Calibri" panose="020F0502020204030204" pitchFamily="34" charset="0"/>
+                        </a:rPr>
+                        <a:t>10,7</a:t>
+                      </a:r>
+                    </a:p>
+                  </a:txBody>
+                  <a:tcPr marL="9525" marR="9525" marT="9525" marB="0" anchor="b"/>
+                </a:tc>
+                <a:tc>
+                  <a:txBody>
+                    <a:bodyPr/>
+                    <a:lstStyle/>
+                    <a:p>
+                      <a:pPr algn="l" fontAlgn="b"/>
+                      <a:endParaRPr lang="en-SI" sz="1200" b="0" i="0" u="none" strike="noStrike">
+                        <a:solidFill>
+                          <a:srgbClr val="000000"/>
+                        </a:solidFill>
+                        <a:effectLst/>
+                        <a:latin typeface="Calibri" panose="020F0502020204030204" pitchFamily="34" charset="0"/>
+                      </a:endParaRPr>
+                    </a:p>
+                  </a:txBody>
+                  <a:tcPr marL="9525" marR="9525" marT="9525" marB="0" anchor="b"/>
+                </a:tc>
+                <a:tc>
+                  <a:txBody>
+                    <a:bodyPr/>
+                    <a:lstStyle/>
+                    <a:p>
+                      <a:pPr algn="r" fontAlgn="b"/>
+                      <a:r>
+                        <a:rPr lang="en-SI" sz="1200" b="0" i="0" u="none" strike="noStrike">
+                          <a:solidFill>
+                            <a:srgbClr val="000000"/>
+                          </a:solidFill>
+                          <a:effectLst/>
+                          <a:latin typeface="Calibri" panose="020F0502020204030204" pitchFamily="34" charset="0"/>
+                        </a:rPr>
+                        <a:t>1.000</a:t>
+                      </a:r>
+                    </a:p>
+                  </a:txBody>
+                  <a:tcPr marL="9525" marR="9525" marT="9525" marB="0" anchor="b"/>
+                </a:tc>
+                <a:tc>
+                  <a:txBody>
+                    <a:bodyPr/>
+                    <a:lstStyle/>
+                    <a:p>
+                      <a:pPr algn="r" fontAlgn="b"/>
+                      <a:r>
+                        <a:rPr lang="en-SI" sz="1200" b="0" i="0" u="none" strike="noStrike">
+                          <a:solidFill>
+                            <a:srgbClr val="000000"/>
+                          </a:solidFill>
+                          <a:effectLst/>
+                          <a:latin typeface="Calibri" panose="020F0502020204030204" pitchFamily="34" charset="0"/>
+                        </a:rPr>
+                        <a:t>8,1</a:t>
+                      </a:r>
+                    </a:p>
+                  </a:txBody>
+                  <a:tcPr marL="9525" marR="9525" marT="9525" marB="0" anchor="b"/>
+                </a:tc>
+                <a:tc>
+                  <a:txBody>
+                    <a:bodyPr/>
+                    <a:lstStyle/>
+                    <a:p>
+                      <a:pPr algn="l" fontAlgn="b"/>
+                      <a:endParaRPr lang="en-SI" sz="1200" b="0" i="0" u="none" strike="noStrike">
+                        <a:solidFill>
+                          <a:srgbClr val="000000"/>
+                        </a:solidFill>
+                        <a:effectLst/>
+                        <a:latin typeface="Calibri" panose="020F0502020204030204" pitchFamily="34" charset="0"/>
+                      </a:endParaRPr>
+                    </a:p>
+                  </a:txBody>
+                  <a:tcPr marL="9525" marR="9525" marT="9525" marB="0" anchor="b"/>
+                </a:tc>
+                <a:tc>
+                  <a:txBody>
+                    <a:bodyPr/>
+                    <a:lstStyle/>
+                    <a:p>
+                      <a:pPr algn="r" fontAlgn="b"/>
+                      <a:r>
+                        <a:rPr lang="en-SI" sz="1200" b="0" i="0" u="none" strike="noStrike">
+                          <a:solidFill>
+                            <a:srgbClr val="000000"/>
+                          </a:solidFill>
+                          <a:effectLst/>
+                          <a:latin typeface="Calibri" panose="020F0502020204030204" pitchFamily="34" charset="0"/>
+                        </a:rPr>
+                        <a:t>1.000</a:t>
+                      </a:r>
+                    </a:p>
+                  </a:txBody>
+                  <a:tcPr marL="9525" marR="9525" marT="9525" marB="0" anchor="b"/>
+                </a:tc>
+                <a:tc>
+                  <a:txBody>
+                    <a:bodyPr/>
+                    <a:lstStyle/>
+                    <a:p>
+                      <a:pPr algn="r" fontAlgn="b"/>
+                      <a:r>
+                        <a:rPr lang="en-SI" sz="1200" b="0" i="0" u="none" strike="noStrike">
+                          <a:solidFill>
+                            <a:srgbClr val="000000"/>
+                          </a:solidFill>
+                          <a:effectLst/>
+                          <a:latin typeface="Calibri" panose="020F0502020204030204" pitchFamily="34" charset="0"/>
+                        </a:rPr>
+                        <a:t>4,55</a:t>
+                      </a:r>
+                    </a:p>
+                  </a:txBody>
+                  <a:tcPr marL="9525" marR="9525" marT="9525" marB="0" anchor="b"/>
+                </a:tc>
+                <a:tc>
+                  <a:txBody>
+                    <a:bodyPr/>
+                    <a:lstStyle/>
+                    <a:p>
+                      <a:pPr algn="l" fontAlgn="b"/>
+                      <a:endParaRPr lang="en-SI" sz="1200" b="0" i="0" u="none" strike="noStrike">
+                        <a:solidFill>
+                          <a:srgbClr val="000000"/>
+                        </a:solidFill>
+                        <a:effectLst/>
+                        <a:latin typeface="Calibri" panose="020F0502020204030204" pitchFamily="34" charset="0"/>
+                      </a:endParaRPr>
+                    </a:p>
+                  </a:txBody>
+                  <a:tcPr marL="9525" marR="9525" marT="9525" marB="0" anchor="b"/>
+                </a:tc>
+                <a:tc>
+                  <a:txBody>
+                    <a:bodyPr/>
+                    <a:lstStyle/>
+                    <a:p>
+                      <a:pPr algn="r" fontAlgn="b"/>
+                      <a:r>
+                        <a:rPr lang="en-SI" sz="1200" b="0" i="0" u="none" strike="noStrike">
+                          <a:solidFill>
+                            <a:srgbClr val="000000"/>
+                          </a:solidFill>
+                          <a:effectLst/>
+                          <a:latin typeface="Calibri" panose="020F0502020204030204" pitchFamily="34" charset="0"/>
+                        </a:rPr>
+                        <a:t>1.000</a:t>
+                      </a:r>
+                    </a:p>
+                  </a:txBody>
+                  <a:tcPr marL="9525" marR="9525" marT="9525" marB="0" anchor="b"/>
+                </a:tc>
+                <a:tc>
+                  <a:txBody>
+                    <a:bodyPr/>
+                    <a:lstStyle/>
+                    <a:p>
+                      <a:pPr algn="r" fontAlgn="b"/>
+                      <a:r>
+                        <a:rPr lang="en-SI" sz="1200" b="0" i="0" u="none" strike="noStrike">
+                          <a:solidFill>
+                            <a:srgbClr val="000000"/>
+                          </a:solidFill>
+                          <a:effectLst/>
+                          <a:latin typeface="Calibri" panose="020F0502020204030204" pitchFamily="34" charset="0"/>
+                        </a:rPr>
+                        <a:t>2,58</a:t>
+                      </a:r>
+                    </a:p>
+                  </a:txBody>
+                  <a:tcPr marL="9525" marR="9525" marT="9525" marB="0" anchor="b"/>
+                </a:tc>
+                <a:extLst>
+                  <a:ext uri="{0D108BD9-81ED-4DB2-BD59-A6C34878D82A}">
+                    <a16:rowId xmlns:a16="http://schemas.microsoft.com/office/drawing/2014/main" val="175555271"/>
+                  </a:ext>
+                </a:extLst>
+              </a:tr>
+              <a:tr h="370840">
+                <a:tc>
+                  <a:txBody>
+                    <a:bodyPr/>
+                    <a:lstStyle/>
+                    <a:p>
+                      <a:pPr algn="r" fontAlgn="b"/>
+                      <a:r>
+                        <a:rPr lang="en-SI" sz="1200" b="0" i="0" u="none" strike="noStrike">
+                          <a:solidFill>
+                            <a:srgbClr val="000000"/>
+                          </a:solidFill>
+                          <a:effectLst/>
+                          <a:latin typeface="Calibri" panose="020F0502020204030204" pitchFamily="34" charset="0"/>
+                        </a:rPr>
+                        <a:t>750</a:t>
+                      </a:r>
+                    </a:p>
+                  </a:txBody>
+                  <a:tcPr marL="9525" marR="9525" marT="9525" marB="0" anchor="b"/>
+                </a:tc>
+                <a:tc>
+                  <a:txBody>
+                    <a:bodyPr/>
+                    <a:lstStyle/>
+                    <a:p>
+                      <a:pPr algn="r" fontAlgn="b"/>
+                      <a:r>
+                        <a:rPr lang="en-SI" sz="1200" b="0" i="0" u="none" strike="noStrike">
+                          <a:solidFill>
+                            <a:srgbClr val="000000"/>
+                          </a:solidFill>
+                          <a:effectLst/>
+                          <a:latin typeface="Calibri" panose="020F0502020204030204" pitchFamily="34" charset="0"/>
+                        </a:rPr>
+                        <a:t>128,5</a:t>
+                      </a:r>
+                    </a:p>
+                  </a:txBody>
+                  <a:tcPr marL="9525" marR="9525" marT="9525" marB="0" anchor="b"/>
+                </a:tc>
+                <a:tc>
+                  <a:txBody>
+                    <a:bodyPr/>
+                    <a:lstStyle/>
+                    <a:p>
+                      <a:pPr algn="l" fontAlgn="b"/>
+                      <a:endParaRPr lang="en-SI" sz="1200" b="0" i="0" u="none" strike="noStrike">
+                        <a:solidFill>
+                          <a:srgbClr val="000000"/>
+                        </a:solidFill>
+                        <a:effectLst/>
+                        <a:latin typeface="Calibri" panose="020F0502020204030204" pitchFamily="34" charset="0"/>
+                      </a:endParaRPr>
+                    </a:p>
+                  </a:txBody>
+                  <a:tcPr marL="9525" marR="9525" marT="9525" marB="0" anchor="b"/>
+                </a:tc>
+                <a:tc>
+                  <a:txBody>
+                    <a:bodyPr/>
+                    <a:lstStyle/>
+                    <a:p>
+                      <a:pPr algn="r" fontAlgn="b"/>
+                      <a:r>
+                        <a:rPr lang="en-SI" sz="1200" b="0" i="0" u="none" strike="noStrike">
+                          <a:solidFill>
+                            <a:srgbClr val="000000"/>
+                          </a:solidFill>
+                          <a:effectLst/>
+                          <a:latin typeface="Calibri" panose="020F0502020204030204" pitchFamily="34" charset="0"/>
+                        </a:rPr>
+                        <a:t>750</a:t>
+                      </a:r>
+                    </a:p>
+                  </a:txBody>
+                  <a:tcPr marL="9525" marR="9525" marT="9525" marB="0" anchor="b"/>
+                </a:tc>
+                <a:tc>
+                  <a:txBody>
+                    <a:bodyPr/>
+                    <a:lstStyle/>
+                    <a:p>
+                      <a:pPr algn="r" fontAlgn="b"/>
+                      <a:r>
+                        <a:rPr lang="en-SI" sz="1200" b="0" i="0" u="none" strike="noStrike">
+                          <a:solidFill>
+                            <a:srgbClr val="000000"/>
+                          </a:solidFill>
+                          <a:effectLst/>
+                          <a:latin typeface="Calibri" panose="020F0502020204030204" pitchFamily="34" charset="0"/>
+                        </a:rPr>
+                        <a:t>6,2</a:t>
+                      </a:r>
+                    </a:p>
+                  </a:txBody>
+                  <a:tcPr marL="9525" marR="9525" marT="9525" marB="0" anchor="b"/>
+                </a:tc>
+                <a:tc>
+                  <a:txBody>
+                    <a:bodyPr/>
+                    <a:lstStyle/>
+                    <a:p>
+                      <a:pPr algn="l" fontAlgn="b"/>
+                      <a:endParaRPr lang="en-SI" sz="1200" b="0" i="0" u="none" strike="noStrike">
+                        <a:solidFill>
+                          <a:srgbClr val="000000"/>
+                        </a:solidFill>
+                        <a:effectLst/>
+                        <a:latin typeface="Calibri" panose="020F0502020204030204" pitchFamily="34" charset="0"/>
+                      </a:endParaRPr>
+                    </a:p>
+                  </a:txBody>
+                  <a:tcPr marL="9525" marR="9525" marT="9525" marB="0" anchor="b"/>
+                </a:tc>
+                <a:tc>
+                  <a:txBody>
+                    <a:bodyPr/>
+                    <a:lstStyle/>
+                    <a:p>
+                      <a:pPr algn="r" fontAlgn="b"/>
+                      <a:r>
+                        <a:rPr lang="en-SI" sz="1200" b="0" i="0" u="none" strike="noStrike">
+                          <a:solidFill>
+                            <a:srgbClr val="000000"/>
+                          </a:solidFill>
+                          <a:effectLst/>
+                          <a:latin typeface="Calibri" panose="020F0502020204030204" pitchFamily="34" charset="0"/>
+                        </a:rPr>
+                        <a:t>750</a:t>
+                      </a:r>
+                    </a:p>
+                  </a:txBody>
+                  <a:tcPr marL="9525" marR="9525" marT="9525" marB="0" anchor="b"/>
+                </a:tc>
+                <a:tc>
+                  <a:txBody>
+                    <a:bodyPr/>
+                    <a:lstStyle/>
+                    <a:p>
+                      <a:pPr algn="r" fontAlgn="b"/>
+                      <a:r>
+                        <a:rPr lang="en-SI" sz="1200" b="0" i="0" u="none" strike="noStrike">
+                          <a:solidFill>
+                            <a:srgbClr val="000000"/>
+                          </a:solidFill>
+                          <a:effectLst/>
+                          <a:latin typeface="Calibri" panose="020F0502020204030204" pitchFamily="34" charset="0"/>
+                        </a:rPr>
+                        <a:t>4,1</a:t>
+                      </a:r>
+                    </a:p>
+                  </a:txBody>
+                  <a:tcPr marL="9525" marR="9525" marT="9525" marB="0" anchor="b"/>
+                </a:tc>
+                <a:tc>
+                  <a:txBody>
+                    <a:bodyPr/>
+                    <a:lstStyle/>
+                    <a:p>
+                      <a:pPr algn="l" fontAlgn="b"/>
+                      <a:endParaRPr lang="en-SI" sz="1200" b="0" i="0" u="none" strike="noStrike">
+                        <a:solidFill>
+                          <a:srgbClr val="000000"/>
+                        </a:solidFill>
+                        <a:effectLst/>
+                        <a:latin typeface="Calibri" panose="020F0502020204030204" pitchFamily="34" charset="0"/>
+                      </a:endParaRPr>
+                    </a:p>
+                  </a:txBody>
+                  <a:tcPr marL="9525" marR="9525" marT="9525" marB="0" anchor="b"/>
+                </a:tc>
+                <a:tc>
+                  <a:txBody>
+                    <a:bodyPr/>
+                    <a:lstStyle/>
+                    <a:p>
+                      <a:pPr algn="r" fontAlgn="b"/>
+                      <a:r>
+                        <a:rPr lang="en-SI" sz="1200" b="0" i="0" u="none" strike="noStrike">
+                          <a:solidFill>
+                            <a:srgbClr val="000000"/>
+                          </a:solidFill>
+                          <a:effectLst/>
+                          <a:latin typeface="Calibri" panose="020F0502020204030204" pitchFamily="34" charset="0"/>
+                        </a:rPr>
+                        <a:t>750</a:t>
+                      </a:r>
+                    </a:p>
+                  </a:txBody>
+                  <a:tcPr marL="9525" marR="9525" marT="9525" marB="0" anchor="b"/>
+                </a:tc>
+                <a:tc>
+                  <a:txBody>
+                    <a:bodyPr/>
+                    <a:lstStyle/>
+                    <a:p>
+                      <a:pPr algn="r" fontAlgn="b"/>
+                      <a:r>
+                        <a:rPr lang="en-SI" sz="1200" b="0" i="0" u="none" strike="noStrike">
+                          <a:solidFill>
+                            <a:srgbClr val="000000"/>
+                          </a:solidFill>
+                          <a:effectLst/>
+                          <a:latin typeface="Calibri" panose="020F0502020204030204" pitchFamily="34" charset="0"/>
+                        </a:rPr>
+                        <a:t>2,6</a:t>
+                      </a:r>
+                    </a:p>
+                  </a:txBody>
+                  <a:tcPr marL="9525" marR="9525" marT="9525" marB="0" anchor="b"/>
+                </a:tc>
+                <a:tc>
+                  <a:txBody>
+                    <a:bodyPr/>
+                    <a:lstStyle/>
+                    <a:p>
+                      <a:pPr algn="l" fontAlgn="b"/>
+                      <a:endParaRPr lang="en-SI" sz="1200" b="0" i="0" u="none" strike="noStrike">
+                        <a:solidFill>
+                          <a:srgbClr val="000000"/>
+                        </a:solidFill>
+                        <a:effectLst/>
+                        <a:latin typeface="Calibri" panose="020F0502020204030204" pitchFamily="34" charset="0"/>
+                      </a:endParaRPr>
+                    </a:p>
+                  </a:txBody>
+                  <a:tcPr marL="9525" marR="9525" marT="9525" marB="0" anchor="b"/>
+                </a:tc>
+                <a:tc>
+                  <a:txBody>
+                    <a:bodyPr/>
+                    <a:lstStyle/>
+                    <a:p>
+                      <a:pPr algn="r" fontAlgn="b"/>
+                      <a:r>
+                        <a:rPr lang="en-SI" sz="1200" b="0" i="0" u="none" strike="noStrike">
+                          <a:solidFill>
+                            <a:srgbClr val="000000"/>
+                          </a:solidFill>
+                          <a:effectLst/>
+                          <a:latin typeface="Calibri" panose="020F0502020204030204" pitchFamily="34" charset="0"/>
+                        </a:rPr>
+                        <a:t>750</a:t>
+                      </a:r>
+                    </a:p>
+                  </a:txBody>
+                  <a:tcPr marL="9525" marR="9525" marT="9525" marB="0" anchor="b"/>
+                </a:tc>
+                <a:tc>
+                  <a:txBody>
+                    <a:bodyPr/>
+                    <a:lstStyle/>
+                    <a:p>
+                      <a:pPr algn="r" fontAlgn="b"/>
+                      <a:r>
+                        <a:rPr lang="en-SI" sz="1200" b="0" i="0" u="none" strike="noStrike">
+                          <a:solidFill>
+                            <a:srgbClr val="000000"/>
+                          </a:solidFill>
+                          <a:effectLst/>
+                          <a:latin typeface="Calibri" panose="020F0502020204030204" pitchFamily="34" charset="0"/>
+                        </a:rPr>
+                        <a:t>1,5</a:t>
+                      </a:r>
+                    </a:p>
+                  </a:txBody>
+                  <a:tcPr marL="9525" marR="9525" marT="9525" marB="0" anchor="b"/>
+                </a:tc>
+                <a:extLst>
+                  <a:ext uri="{0D108BD9-81ED-4DB2-BD59-A6C34878D82A}">
+                    <a16:rowId xmlns:a16="http://schemas.microsoft.com/office/drawing/2014/main" val="2365918277"/>
+                  </a:ext>
+                </a:extLst>
+              </a:tr>
+              <a:tr h="370840">
+                <a:tc>
+                  <a:txBody>
+                    <a:bodyPr/>
+                    <a:lstStyle/>
+                    <a:p>
+                      <a:pPr algn="r" fontAlgn="b"/>
+                      <a:r>
+                        <a:rPr lang="en-SI" sz="1200" b="0" i="0" u="none" strike="noStrike">
+                          <a:solidFill>
+                            <a:srgbClr val="000000"/>
+                          </a:solidFill>
+                          <a:effectLst/>
+                          <a:latin typeface="Calibri" panose="020F0502020204030204" pitchFamily="34" charset="0"/>
+                        </a:rPr>
+                        <a:t>500</a:t>
+                      </a:r>
+                    </a:p>
+                  </a:txBody>
+                  <a:tcPr marL="9525" marR="9525" marT="9525" marB="0" anchor="b"/>
+                </a:tc>
+                <a:tc>
+                  <a:txBody>
+                    <a:bodyPr/>
+                    <a:lstStyle/>
+                    <a:p>
+                      <a:pPr algn="r" fontAlgn="b"/>
+                      <a:r>
+                        <a:rPr lang="en-SI" sz="1200" b="0" i="0" u="none" strike="noStrike">
+                          <a:solidFill>
+                            <a:srgbClr val="000000"/>
+                          </a:solidFill>
+                          <a:effectLst/>
+                          <a:latin typeface="Calibri" panose="020F0502020204030204" pitchFamily="34" charset="0"/>
+                        </a:rPr>
+                        <a:t>50,68</a:t>
+                      </a:r>
+                    </a:p>
+                  </a:txBody>
+                  <a:tcPr marL="9525" marR="9525" marT="9525" marB="0" anchor="b"/>
+                </a:tc>
+                <a:tc>
+                  <a:txBody>
+                    <a:bodyPr/>
+                    <a:lstStyle/>
+                    <a:p>
+                      <a:pPr algn="l" fontAlgn="b"/>
+                      <a:endParaRPr lang="en-SI" sz="1200" b="0" i="0" u="none" strike="noStrike">
+                        <a:solidFill>
+                          <a:srgbClr val="000000"/>
+                        </a:solidFill>
+                        <a:effectLst/>
+                        <a:latin typeface="Calibri" panose="020F0502020204030204" pitchFamily="34" charset="0"/>
+                      </a:endParaRPr>
+                    </a:p>
+                  </a:txBody>
+                  <a:tcPr marL="9525" marR="9525" marT="9525" marB="0" anchor="b"/>
+                </a:tc>
+                <a:tc>
+                  <a:txBody>
+                    <a:bodyPr/>
+                    <a:lstStyle/>
+                    <a:p>
+                      <a:pPr algn="r" fontAlgn="b"/>
+                      <a:r>
+                        <a:rPr lang="en-SI" sz="1200" b="0" i="0" u="none" strike="noStrike">
+                          <a:solidFill>
+                            <a:srgbClr val="000000"/>
+                          </a:solidFill>
+                          <a:effectLst/>
+                          <a:latin typeface="Calibri" panose="020F0502020204030204" pitchFamily="34" charset="0"/>
+                        </a:rPr>
+                        <a:t>500</a:t>
+                      </a:r>
+                    </a:p>
+                  </a:txBody>
+                  <a:tcPr marL="9525" marR="9525" marT="9525" marB="0" anchor="b"/>
+                </a:tc>
+                <a:tc>
+                  <a:txBody>
+                    <a:bodyPr/>
+                    <a:lstStyle/>
+                    <a:p>
+                      <a:pPr algn="r" fontAlgn="b"/>
+                      <a:r>
+                        <a:rPr lang="en-SI" sz="1200" b="0" i="0" u="none" strike="noStrike">
+                          <a:solidFill>
+                            <a:srgbClr val="000000"/>
+                          </a:solidFill>
+                          <a:effectLst/>
+                          <a:latin typeface="Calibri" panose="020F0502020204030204" pitchFamily="34" charset="0"/>
+                        </a:rPr>
+                        <a:t>2,8</a:t>
+                      </a:r>
+                    </a:p>
+                  </a:txBody>
+                  <a:tcPr marL="9525" marR="9525" marT="9525" marB="0" anchor="b"/>
+                </a:tc>
+                <a:tc>
+                  <a:txBody>
+                    <a:bodyPr/>
+                    <a:lstStyle/>
+                    <a:p>
+                      <a:pPr algn="l" fontAlgn="b"/>
+                      <a:endParaRPr lang="en-SI" sz="1200" b="0" i="0" u="none" strike="noStrike">
+                        <a:solidFill>
+                          <a:srgbClr val="000000"/>
+                        </a:solidFill>
+                        <a:effectLst/>
+                        <a:latin typeface="Calibri" panose="020F0502020204030204" pitchFamily="34" charset="0"/>
+                      </a:endParaRPr>
+                    </a:p>
+                  </a:txBody>
+                  <a:tcPr marL="9525" marR="9525" marT="9525" marB="0" anchor="b"/>
+                </a:tc>
+                <a:tc>
+                  <a:txBody>
+                    <a:bodyPr/>
+                    <a:lstStyle/>
+                    <a:p>
+                      <a:pPr algn="r" fontAlgn="b"/>
+                      <a:r>
+                        <a:rPr lang="en-SI" sz="1200" b="0" i="0" u="none" strike="noStrike">
+                          <a:solidFill>
+                            <a:srgbClr val="000000"/>
+                          </a:solidFill>
+                          <a:effectLst/>
+                          <a:latin typeface="Calibri" panose="020F0502020204030204" pitchFamily="34" charset="0"/>
+                        </a:rPr>
+                        <a:t>500</a:t>
+                      </a:r>
+                    </a:p>
+                  </a:txBody>
+                  <a:tcPr marL="9525" marR="9525" marT="9525" marB="0" anchor="b"/>
+                </a:tc>
+                <a:tc>
+                  <a:txBody>
+                    <a:bodyPr/>
+                    <a:lstStyle/>
+                    <a:p>
+                      <a:pPr algn="r" fontAlgn="b"/>
+                      <a:r>
+                        <a:rPr lang="en-SI" sz="1200" b="0" i="0" u="none" strike="noStrike">
+                          <a:solidFill>
+                            <a:srgbClr val="000000"/>
+                          </a:solidFill>
+                          <a:effectLst/>
+                          <a:latin typeface="Calibri" panose="020F0502020204030204" pitchFamily="34" charset="0"/>
+                        </a:rPr>
+                        <a:t>3,9</a:t>
+                      </a:r>
+                    </a:p>
+                  </a:txBody>
+                  <a:tcPr marL="9525" marR="9525" marT="9525" marB="0" anchor="b"/>
+                </a:tc>
+                <a:tc>
+                  <a:txBody>
+                    <a:bodyPr/>
+                    <a:lstStyle/>
+                    <a:p>
+                      <a:pPr algn="l" fontAlgn="b"/>
+                      <a:endParaRPr lang="en-SI" sz="1200" b="0" i="0" u="none" strike="noStrike">
+                        <a:solidFill>
+                          <a:srgbClr val="000000"/>
+                        </a:solidFill>
+                        <a:effectLst/>
+                        <a:latin typeface="Calibri" panose="020F0502020204030204" pitchFamily="34" charset="0"/>
+                      </a:endParaRPr>
+                    </a:p>
+                  </a:txBody>
+                  <a:tcPr marL="9525" marR="9525" marT="9525" marB="0" anchor="b"/>
+                </a:tc>
+                <a:tc>
+                  <a:txBody>
+                    <a:bodyPr/>
+                    <a:lstStyle/>
+                    <a:p>
+                      <a:pPr algn="r" fontAlgn="b"/>
+                      <a:r>
+                        <a:rPr lang="en-SI" sz="1200" b="0" i="0" u="none" strike="noStrike">
+                          <a:solidFill>
+                            <a:srgbClr val="000000"/>
+                          </a:solidFill>
+                          <a:effectLst/>
+                          <a:latin typeface="Calibri" panose="020F0502020204030204" pitchFamily="34" charset="0"/>
+                        </a:rPr>
+                        <a:t>500</a:t>
+                      </a:r>
+                    </a:p>
+                  </a:txBody>
+                  <a:tcPr marL="9525" marR="9525" marT="9525" marB="0" anchor="b"/>
+                </a:tc>
+                <a:tc>
+                  <a:txBody>
+                    <a:bodyPr/>
+                    <a:lstStyle/>
+                    <a:p>
+                      <a:pPr algn="r" fontAlgn="b"/>
+                      <a:r>
+                        <a:rPr lang="en-SI" sz="1200" b="0" i="0" u="none" strike="noStrike">
+                          <a:solidFill>
+                            <a:srgbClr val="000000"/>
+                          </a:solidFill>
+                          <a:effectLst/>
+                          <a:latin typeface="Calibri" panose="020F0502020204030204" pitchFamily="34" charset="0"/>
+                        </a:rPr>
+                        <a:t>1,22</a:t>
+                      </a:r>
+                    </a:p>
+                  </a:txBody>
+                  <a:tcPr marL="9525" marR="9525" marT="9525" marB="0" anchor="b"/>
+                </a:tc>
+                <a:tc>
+                  <a:txBody>
+                    <a:bodyPr/>
+                    <a:lstStyle/>
+                    <a:p>
+                      <a:pPr algn="l" fontAlgn="b"/>
+                      <a:endParaRPr lang="en-SI" sz="1200" b="0" i="0" u="none" strike="noStrike">
+                        <a:solidFill>
+                          <a:srgbClr val="000000"/>
+                        </a:solidFill>
+                        <a:effectLst/>
+                        <a:latin typeface="Calibri" panose="020F0502020204030204" pitchFamily="34" charset="0"/>
+                      </a:endParaRPr>
+                    </a:p>
+                  </a:txBody>
+                  <a:tcPr marL="9525" marR="9525" marT="9525" marB="0" anchor="b"/>
+                </a:tc>
+                <a:tc>
+                  <a:txBody>
+                    <a:bodyPr/>
+                    <a:lstStyle/>
+                    <a:p>
+                      <a:pPr algn="r" fontAlgn="b"/>
+                      <a:r>
+                        <a:rPr lang="en-SI" sz="1200" b="0" i="0" u="none" strike="noStrike">
+                          <a:solidFill>
+                            <a:srgbClr val="000000"/>
+                          </a:solidFill>
+                          <a:effectLst/>
+                          <a:latin typeface="Calibri" panose="020F0502020204030204" pitchFamily="34" charset="0"/>
+                        </a:rPr>
+                        <a:t>500</a:t>
+                      </a:r>
+                    </a:p>
+                  </a:txBody>
+                  <a:tcPr marL="9525" marR="9525" marT="9525" marB="0" anchor="b"/>
+                </a:tc>
+                <a:tc>
+                  <a:txBody>
+                    <a:bodyPr/>
+                    <a:lstStyle/>
+                    <a:p>
+                      <a:pPr algn="r" fontAlgn="b"/>
+                      <a:r>
+                        <a:rPr lang="en-SI" sz="1200" b="0" i="0" u="none" strike="noStrike">
+                          <a:solidFill>
+                            <a:srgbClr val="000000"/>
+                          </a:solidFill>
+                          <a:effectLst/>
+                          <a:latin typeface="Calibri" panose="020F0502020204030204" pitchFamily="34" charset="0"/>
+                        </a:rPr>
+                        <a:t>0,73</a:t>
+                      </a:r>
+                    </a:p>
+                  </a:txBody>
+                  <a:tcPr marL="9525" marR="9525" marT="9525" marB="0" anchor="b"/>
+                </a:tc>
+                <a:extLst>
+                  <a:ext uri="{0D108BD9-81ED-4DB2-BD59-A6C34878D82A}">
+                    <a16:rowId xmlns:a16="http://schemas.microsoft.com/office/drawing/2014/main" val="494107839"/>
+                  </a:ext>
+                </a:extLst>
+              </a:tr>
+              <a:tr h="370840">
+                <a:tc>
+                  <a:txBody>
+                    <a:bodyPr/>
+                    <a:lstStyle/>
+                    <a:p>
+                      <a:pPr algn="r" fontAlgn="b"/>
+                      <a:r>
+                        <a:rPr lang="en-SI" sz="1200" b="0" i="0" u="none" strike="noStrike">
+                          <a:solidFill>
+                            <a:srgbClr val="000000"/>
+                          </a:solidFill>
+                          <a:effectLst/>
+                          <a:latin typeface="Calibri" panose="020F0502020204030204" pitchFamily="34" charset="0"/>
+                        </a:rPr>
+                        <a:t>250</a:t>
+                      </a:r>
+                    </a:p>
+                  </a:txBody>
+                  <a:tcPr marL="9525" marR="9525" marT="9525" marB="0" anchor="b"/>
+                </a:tc>
+                <a:tc>
+                  <a:txBody>
+                    <a:bodyPr/>
+                    <a:lstStyle/>
+                    <a:p>
+                      <a:pPr algn="r" fontAlgn="b"/>
+                      <a:r>
+                        <a:rPr lang="en-SI" sz="1200" b="0" i="0" u="none" strike="noStrike">
+                          <a:solidFill>
+                            <a:srgbClr val="000000"/>
+                          </a:solidFill>
+                          <a:effectLst/>
+                          <a:latin typeface="Calibri" panose="020F0502020204030204" pitchFamily="34" charset="0"/>
+                        </a:rPr>
+                        <a:t>11,57</a:t>
+                      </a:r>
+                    </a:p>
+                  </a:txBody>
+                  <a:tcPr marL="9525" marR="9525" marT="9525" marB="0" anchor="b"/>
+                </a:tc>
+                <a:tc>
+                  <a:txBody>
+                    <a:bodyPr/>
+                    <a:lstStyle/>
+                    <a:p>
+                      <a:pPr algn="l" fontAlgn="b"/>
+                      <a:endParaRPr lang="en-SI" sz="1200" b="0" i="0" u="none" strike="noStrike">
+                        <a:solidFill>
+                          <a:srgbClr val="000000"/>
+                        </a:solidFill>
+                        <a:effectLst/>
+                        <a:latin typeface="Calibri" panose="020F0502020204030204" pitchFamily="34" charset="0"/>
+                      </a:endParaRPr>
+                    </a:p>
+                  </a:txBody>
+                  <a:tcPr marL="9525" marR="9525" marT="9525" marB="0" anchor="b"/>
+                </a:tc>
+                <a:tc>
+                  <a:txBody>
+                    <a:bodyPr/>
+                    <a:lstStyle/>
+                    <a:p>
+                      <a:pPr algn="r" fontAlgn="b"/>
+                      <a:r>
+                        <a:rPr lang="en-SI" sz="1200" b="0" i="0" u="none" strike="noStrike">
+                          <a:solidFill>
+                            <a:srgbClr val="000000"/>
+                          </a:solidFill>
+                          <a:effectLst/>
+                          <a:latin typeface="Calibri" panose="020F0502020204030204" pitchFamily="34" charset="0"/>
+                        </a:rPr>
+                        <a:t>250</a:t>
+                      </a:r>
+                    </a:p>
+                  </a:txBody>
+                  <a:tcPr marL="9525" marR="9525" marT="9525" marB="0" anchor="b"/>
+                </a:tc>
+                <a:tc>
+                  <a:txBody>
+                    <a:bodyPr/>
+                    <a:lstStyle/>
+                    <a:p>
+                      <a:pPr algn="r" fontAlgn="b"/>
+                      <a:r>
+                        <a:rPr lang="en-SI" sz="1200" b="0" i="0" u="none" strike="noStrike">
+                          <a:solidFill>
+                            <a:srgbClr val="000000"/>
+                          </a:solidFill>
+                          <a:effectLst/>
+                          <a:latin typeface="Calibri" panose="020F0502020204030204" pitchFamily="34" charset="0"/>
+                        </a:rPr>
+                        <a:t>0,83</a:t>
+                      </a:r>
+                    </a:p>
+                  </a:txBody>
+                  <a:tcPr marL="9525" marR="9525" marT="9525" marB="0" anchor="b"/>
+                </a:tc>
+                <a:tc>
+                  <a:txBody>
+                    <a:bodyPr/>
+                    <a:lstStyle/>
+                    <a:p>
+                      <a:pPr algn="l" fontAlgn="b"/>
+                      <a:endParaRPr lang="en-SI" sz="1200" b="0" i="0" u="none" strike="noStrike">
+                        <a:solidFill>
+                          <a:srgbClr val="000000"/>
+                        </a:solidFill>
+                        <a:effectLst/>
+                        <a:latin typeface="Calibri" panose="020F0502020204030204" pitchFamily="34" charset="0"/>
+                      </a:endParaRPr>
+                    </a:p>
+                  </a:txBody>
+                  <a:tcPr marL="9525" marR="9525" marT="9525" marB="0" anchor="b"/>
+                </a:tc>
+                <a:tc>
+                  <a:txBody>
+                    <a:bodyPr/>
+                    <a:lstStyle/>
+                    <a:p>
+                      <a:pPr algn="r" fontAlgn="b"/>
+                      <a:r>
+                        <a:rPr lang="en-SI" sz="1200" b="0" i="0" u="none" strike="noStrike">
+                          <a:solidFill>
+                            <a:srgbClr val="000000"/>
+                          </a:solidFill>
+                          <a:effectLst/>
+                          <a:latin typeface="Calibri" panose="020F0502020204030204" pitchFamily="34" charset="0"/>
+                        </a:rPr>
+                        <a:t>250</a:t>
+                      </a:r>
+                    </a:p>
+                  </a:txBody>
+                  <a:tcPr marL="9525" marR="9525" marT="9525" marB="0" anchor="b"/>
+                </a:tc>
+                <a:tc>
+                  <a:txBody>
+                    <a:bodyPr/>
+                    <a:lstStyle/>
+                    <a:p>
+                      <a:pPr algn="r" fontAlgn="b"/>
+                      <a:r>
+                        <a:rPr lang="en-SI" sz="1200" b="0" i="0" u="none" strike="noStrike">
+                          <a:solidFill>
+                            <a:srgbClr val="000000"/>
+                          </a:solidFill>
+                          <a:effectLst/>
+                          <a:latin typeface="Calibri" panose="020F0502020204030204" pitchFamily="34" charset="0"/>
+                        </a:rPr>
+                        <a:t>2,75</a:t>
+                      </a:r>
+                    </a:p>
+                  </a:txBody>
+                  <a:tcPr marL="9525" marR="9525" marT="9525" marB="0" anchor="b"/>
+                </a:tc>
+                <a:tc>
+                  <a:txBody>
+                    <a:bodyPr/>
+                    <a:lstStyle/>
+                    <a:p>
+                      <a:pPr algn="l" fontAlgn="b"/>
+                      <a:endParaRPr lang="en-SI" sz="1200" b="0" i="0" u="none" strike="noStrike">
+                        <a:solidFill>
+                          <a:srgbClr val="000000"/>
+                        </a:solidFill>
+                        <a:effectLst/>
+                        <a:latin typeface="Calibri" panose="020F0502020204030204" pitchFamily="34" charset="0"/>
+                      </a:endParaRPr>
+                    </a:p>
+                  </a:txBody>
+                  <a:tcPr marL="9525" marR="9525" marT="9525" marB="0" anchor="b"/>
+                </a:tc>
+                <a:tc>
+                  <a:txBody>
+                    <a:bodyPr/>
+                    <a:lstStyle/>
+                    <a:p>
+                      <a:pPr algn="r" fontAlgn="b"/>
+                      <a:r>
+                        <a:rPr lang="en-SI" sz="1200" b="0" i="0" u="none" strike="noStrike">
+                          <a:solidFill>
+                            <a:srgbClr val="000000"/>
+                          </a:solidFill>
+                          <a:effectLst/>
+                          <a:latin typeface="Calibri" panose="020F0502020204030204" pitchFamily="34" charset="0"/>
+                        </a:rPr>
+                        <a:t>250</a:t>
+                      </a:r>
+                    </a:p>
+                  </a:txBody>
+                  <a:tcPr marL="9525" marR="9525" marT="9525" marB="0" anchor="b"/>
+                </a:tc>
+                <a:tc>
+                  <a:txBody>
+                    <a:bodyPr/>
+                    <a:lstStyle/>
+                    <a:p>
+                      <a:pPr algn="r" fontAlgn="b"/>
+                      <a:r>
+                        <a:rPr lang="en-SI" sz="1200" b="0" i="0" u="none" strike="noStrike">
+                          <a:solidFill>
+                            <a:srgbClr val="000000"/>
+                          </a:solidFill>
+                          <a:effectLst/>
+                          <a:latin typeface="Calibri" panose="020F0502020204030204" pitchFamily="34" charset="0"/>
+                        </a:rPr>
+                        <a:t>0,37</a:t>
+                      </a:r>
+                    </a:p>
+                  </a:txBody>
+                  <a:tcPr marL="9525" marR="9525" marT="9525" marB="0" anchor="b"/>
+                </a:tc>
+                <a:tc>
+                  <a:txBody>
+                    <a:bodyPr/>
+                    <a:lstStyle/>
+                    <a:p>
+                      <a:pPr algn="l" fontAlgn="b"/>
+                      <a:endParaRPr lang="en-SI" sz="1200" b="0" i="0" u="none" strike="noStrike">
+                        <a:solidFill>
+                          <a:srgbClr val="000000"/>
+                        </a:solidFill>
+                        <a:effectLst/>
+                        <a:latin typeface="Calibri" panose="020F0502020204030204" pitchFamily="34" charset="0"/>
+                      </a:endParaRPr>
+                    </a:p>
+                  </a:txBody>
+                  <a:tcPr marL="9525" marR="9525" marT="9525" marB="0" anchor="b"/>
+                </a:tc>
+                <a:tc>
+                  <a:txBody>
+                    <a:bodyPr/>
+                    <a:lstStyle/>
+                    <a:p>
+                      <a:pPr algn="r" fontAlgn="b"/>
+                      <a:r>
+                        <a:rPr lang="en-SI" sz="1200" b="0" i="0" u="none" strike="noStrike">
+                          <a:solidFill>
+                            <a:srgbClr val="000000"/>
+                          </a:solidFill>
+                          <a:effectLst/>
+                          <a:latin typeface="Calibri" panose="020F0502020204030204" pitchFamily="34" charset="0"/>
+                        </a:rPr>
+                        <a:t>250</a:t>
+                      </a:r>
+                    </a:p>
+                  </a:txBody>
+                  <a:tcPr marL="9525" marR="9525" marT="9525" marB="0" anchor="b"/>
+                </a:tc>
+                <a:tc>
+                  <a:txBody>
+                    <a:bodyPr/>
+                    <a:lstStyle/>
+                    <a:p>
+                      <a:pPr algn="r" fontAlgn="b"/>
+                      <a:r>
+                        <a:rPr lang="en-SI" sz="1200" b="0" i="0" u="none" strike="noStrike">
+                          <a:solidFill>
+                            <a:srgbClr val="000000"/>
+                          </a:solidFill>
+                          <a:effectLst/>
+                          <a:latin typeface="Calibri" panose="020F0502020204030204" pitchFamily="34" charset="0"/>
+                        </a:rPr>
+                        <a:t>0,25</a:t>
+                      </a:r>
+                    </a:p>
+                  </a:txBody>
+                  <a:tcPr marL="9525" marR="9525" marT="9525" marB="0" anchor="b"/>
+                </a:tc>
+                <a:extLst>
+                  <a:ext uri="{0D108BD9-81ED-4DB2-BD59-A6C34878D82A}">
+                    <a16:rowId xmlns:a16="http://schemas.microsoft.com/office/drawing/2014/main" val="100950400"/>
+                  </a:ext>
+                </a:extLst>
+              </a:tr>
+              <a:tr h="370840">
+                <a:tc>
+                  <a:txBody>
+                    <a:bodyPr/>
+                    <a:lstStyle/>
+                    <a:p>
+                      <a:pPr algn="r" fontAlgn="b"/>
+                      <a:r>
+                        <a:rPr lang="en-SI" sz="1200" b="0" i="0" u="none" strike="noStrike">
+                          <a:solidFill>
+                            <a:srgbClr val="000000"/>
+                          </a:solidFill>
+                          <a:effectLst/>
+                          <a:latin typeface="Calibri" panose="020F0502020204030204" pitchFamily="34" charset="0"/>
+                        </a:rPr>
+                        <a:t>100</a:t>
+                      </a:r>
+                    </a:p>
+                  </a:txBody>
+                  <a:tcPr marL="9525" marR="9525" marT="9525" marB="0" anchor="b"/>
+                </a:tc>
+                <a:tc>
+                  <a:txBody>
+                    <a:bodyPr/>
+                    <a:lstStyle/>
+                    <a:p>
+                      <a:pPr algn="r" fontAlgn="b"/>
+                      <a:r>
+                        <a:rPr lang="en-SI" sz="1200" b="0" i="0" u="none" strike="noStrike">
+                          <a:solidFill>
+                            <a:srgbClr val="000000"/>
+                          </a:solidFill>
+                          <a:effectLst/>
+                          <a:latin typeface="Calibri" panose="020F0502020204030204" pitchFamily="34" charset="0"/>
+                        </a:rPr>
+                        <a:t>1,7</a:t>
+                      </a:r>
+                    </a:p>
+                  </a:txBody>
+                  <a:tcPr marL="9525" marR="9525" marT="9525" marB="0" anchor="b"/>
+                </a:tc>
+                <a:tc>
+                  <a:txBody>
+                    <a:bodyPr/>
+                    <a:lstStyle/>
+                    <a:p>
+                      <a:pPr algn="l" fontAlgn="b"/>
+                      <a:r>
+                        <a:rPr lang="en-SI" sz="1200" b="0" i="0" u="none" strike="noStrike">
+                          <a:solidFill>
+                            <a:srgbClr val="000000"/>
+                          </a:solidFill>
+                          <a:effectLst/>
+                          <a:latin typeface="Calibri" panose="020F0502020204030204" pitchFamily="34" charset="0"/>
+                        </a:rPr>
+                        <a:t> </a:t>
+                      </a:r>
+                    </a:p>
+                  </a:txBody>
+                  <a:tcPr marL="9525" marR="9525" marT="9525" marB="0" anchor="b"/>
+                </a:tc>
+                <a:tc>
+                  <a:txBody>
+                    <a:bodyPr/>
+                    <a:lstStyle/>
+                    <a:p>
+                      <a:pPr algn="r" fontAlgn="b"/>
+                      <a:r>
+                        <a:rPr lang="en-SI" sz="1200" b="0" i="0" u="none" strike="noStrike">
+                          <a:solidFill>
+                            <a:srgbClr val="000000"/>
+                          </a:solidFill>
+                          <a:effectLst/>
+                          <a:latin typeface="Calibri" panose="020F0502020204030204" pitchFamily="34" charset="0"/>
+                        </a:rPr>
+                        <a:t>100</a:t>
+                      </a:r>
+                    </a:p>
+                  </a:txBody>
+                  <a:tcPr marL="9525" marR="9525" marT="9525" marB="0" anchor="b"/>
+                </a:tc>
+                <a:tc>
+                  <a:txBody>
+                    <a:bodyPr/>
+                    <a:lstStyle/>
+                    <a:p>
+                      <a:pPr algn="r" fontAlgn="b"/>
+                      <a:r>
+                        <a:rPr lang="en-SI" sz="1200" b="0" i="0" u="none" strike="noStrike">
+                          <a:solidFill>
+                            <a:srgbClr val="000000"/>
+                          </a:solidFill>
+                          <a:effectLst/>
+                          <a:latin typeface="Calibri" panose="020F0502020204030204" pitchFamily="34" charset="0"/>
+                        </a:rPr>
+                        <a:t>0,34</a:t>
+                      </a:r>
+                    </a:p>
+                  </a:txBody>
+                  <a:tcPr marL="9525" marR="9525" marT="9525" marB="0" anchor="b"/>
+                </a:tc>
+                <a:tc>
+                  <a:txBody>
+                    <a:bodyPr/>
+                    <a:lstStyle/>
+                    <a:p>
+                      <a:pPr algn="l" fontAlgn="b"/>
+                      <a:r>
+                        <a:rPr lang="en-SI" sz="1200" b="0" i="0" u="none" strike="noStrike">
+                          <a:solidFill>
+                            <a:srgbClr val="000000"/>
+                          </a:solidFill>
+                          <a:effectLst/>
+                          <a:latin typeface="Calibri" panose="020F0502020204030204" pitchFamily="34" charset="0"/>
+                        </a:rPr>
+                        <a:t> </a:t>
+                      </a:r>
+                    </a:p>
+                  </a:txBody>
+                  <a:tcPr marL="9525" marR="9525" marT="9525" marB="0" anchor="b"/>
+                </a:tc>
+                <a:tc>
+                  <a:txBody>
+                    <a:bodyPr/>
+                    <a:lstStyle/>
+                    <a:p>
+                      <a:pPr algn="r" fontAlgn="b"/>
+                      <a:r>
+                        <a:rPr lang="en-SI" sz="1200" b="0" i="0" u="none" strike="noStrike">
+                          <a:solidFill>
+                            <a:srgbClr val="000000"/>
+                          </a:solidFill>
+                          <a:effectLst/>
+                          <a:latin typeface="Calibri" panose="020F0502020204030204" pitchFamily="34" charset="0"/>
+                        </a:rPr>
+                        <a:t>100</a:t>
+                      </a:r>
+                    </a:p>
+                  </a:txBody>
+                  <a:tcPr marL="9525" marR="9525" marT="9525" marB="0" anchor="b"/>
+                </a:tc>
+                <a:tc>
+                  <a:txBody>
+                    <a:bodyPr/>
+                    <a:lstStyle/>
+                    <a:p>
+                      <a:pPr algn="r" fontAlgn="b"/>
+                      <a:r>
+                        <a:rPr lang="en-SI" sz="1200" b="0" i="0" u="none" strike="noStrike">
+                          <a:solidFill>
+                            <a:srgbClr val="000000"/>
+                          </a:solidFill>
+                          <a:effectLst/>
+                          <a:latin typeface="Calibri" panose="020F0502020204030204" pitchFamily="34" charset="0"/>
+                        </a:rPr>
+                        <a:t>1,6</a:t>
+                      </a:r>
+                    </a:p>
+                  </a:txBody>
+                  <a:tcPr marL="9525" marR="9525" marT="9525" marB="0" anchor="b"/>
+                </a:tc>
+                <a:tc>
+                  <a:txBody>
+                    <a:bodyPr/>
+                    <a:lstStyle/>
+                    <a:p>
+                      <a:pPr algn="l" fontAlgn="b"/>
+                      <a:r>
+                        <a:rPr lang="en-SI" sz="1200" b="0" i="0" u="none" strike="noStrike">
+                          <a:solidFill>
+                            <a:srgbClr val="000000"/>
+                          </a:solidFill>
+                          <a:effectLst/>
+                          <a:latin typeface="Calibri" panose="020F0502020204030204" pitchFamily="34" charset="0"/>
+                        </a:rPr>
+                        <a:t> </a:t>
+                      </a:r>
+                    </a:p>
+                  </a:txBody>
+                  <a:tcPr marL="9525" marR="9525" marT="9525" marB="0" anchor="b"/>
+                </a:tc>
+                <a:tc>
+                  <a:txBody>
+                    <a:bodyPr/>
+                    <a:lstStyle/>
+                    <a:p>
+                      <a:pPr algn="r" fontAlgn="b"/>
+                      <a:r>
+                        <a:rPr lang="en-SI" sz="1200" b="0" i="0" u="none" strike="noStrike">
+                          <a:solidFill>
+                            <a:srgbClr val="000000"/>
+                          </a:solidFill>
+                          <a:effectLst/>
+                          <a:latin typeface="Calibri" panose="020F0502020204030204" pitchFamily="34" charset="0"/>
+                        </a:rPr>
+                        <a:t>100</a:t>
+                      </a:r>
+                    </a:p>
+                  </a:txBody>
+                  <a:tcPr marL="9525" marR="9525" marT="9525" marB="0" anchor="b"/>
+                </a:tc>
+                <a:tc>
+                  <a:txBody>
+                    <a:bodyPr/>
+                    <a:lstStyle/>
+                    <a:p>
+                      <a:pPr algn="r" fontAlgn="b"/>
+                      <a:r>
+                        <a:rPr lang="en-SI" sz="1200" b="0" i="0" u="none" strike="noStrike">
+                          <a:solidFill>
+                            <a:srgbClr val="000000"/>
+                          </a:solidFill>
+                          <a:effectLst/>
+                          <a:latin typeface="Calibri" panose="020F0502020204030204" pitchFamily="34" charset="0"/>
+                        </a:rPr>
+                        <a:t>0,14</a:t>
+                      </a:r>
+                    </a:p>
+                  </a:txBody>
+                  <a:tcPr marL="9525" marR="9525" marT="9525" marB="0" anchor="b"/>
+                </a:tc>
+                <a:tc>
+                  <a:txBody>
+                    <a:bodyPr/>
+                    <a:lstStyle/>
+                    <a:p>
+                      <a:pPr algn="l" fontAlgn="b"/>
+                      <a:r>
+                        <a:rPr lang="en-SI" sz="1200" b="0" i="0" u="none" strike="noStrike">
+                          <a:solidFill>
+                            <a:srgbClr val="000000"/>
+                          </a:solidFill>
+                          <a:effectLst/>
+                          <a:latin typeface="Calibri" panose="020F0502020204030204" pitchFamily="34" charset="0"/>
+                        </a:rPr>
+                        <a:t> </a:t>
+                      </a:r>
+                    </a:p>
+                  </a:txBody>
+                  <a:tcPr marL="9525" marR="9525" marT="9525" marB="0" anchor="b"/>
+                </a:tc>
+                <a:tc>
+                  <a:txBody>
+                    <a:bodyPr/>
+                    <a:lstStyle/>
+                    <a:p>
+                      <a:pPr algn="r" fontAlgn="b"/>
+                      <a:r>
+                        <a:rPr lang="en-SI" sz="1200" b="0" i="0" u="none" strike="noStrike">
+                          <a:solidFill>
+                            <a:srgbClr val="000000"/>
+                          </a:solidFill>
+                          <a:effectLst/>
+                          <a:latin typeface="Calibri" panose="020F0502020204030204" pitchFamily="34" charset="0"/>
+                        </a:rPr>
+                        <a:t>100</a:t>
+                      </a:r>
+                    </a:p>
+                  </a:txBody>
+                  <a:tcPr marL="9525" marR="9525" marT="9525" marB="0" anchor="b"/>
+                </a:tc>
+                <a:tc>
+                  <a:txBody>
+                    <a:bodyPr/>
+                    <a:lstStyle/>
+                    <a:p>
+                      <a:pPr algn="r" fontAlgn="b"/>
+                      <a:r>
+                        <a:rPr lang="en-SI" sz="1200" b="0" i="0" u="none" strike="noStrike" dirty="0">
+                          <a:solidFill>
+                            <a:srgbClr val="000000"/>
+                          </a:solidFill>
+                          <a:effectLst/>
+                          <a:latin typeface="Calibri" panose="020F0502020204030204" pitchFamily="34" charset="0"/>
+                        </a:rPr>
+                        <a:t>0,12</a:t>
+                      </a:r>
+                    </a:p>
+                  </a:txBody>
+                  <a:tcPr marL="9525" marR="9525" marT="9525" marB="0" anchor="b"/>
+                </a:tc>
+                <a:extLst>
+                  <a:ext uri="{0D108BD9-81ED-4DB2-BD59-A6C34878D82A}">
+                    <a16:rowId xmlns:a16="http://schemas.microsoft.com/office/drawing/2014/main" val="1043099939"/>
+                  </a:ext>
+                </a:extLst>
+              </a:tr>
+            </a:tbl>
+          </a:graphicData>
+        </a:graphic>
+      </p:graphicFrame>
       <p:sp>
         <p:nvSpPr>
           <p:cNvPr id="4" name="Slide Number Placeholder 3">
@@ -5592,36 +7666,1889 @@
           </a:p>
         </p:txBody>
       </p:sp>
-      <p:sp>
-        <p:nvSpPr>
-          <p:cNvPr id="72" name="Content Placeholder 2">
+      <p:graphicFrame>
+        <p:nvGraphicFramePr>
+          <p:cNvPr id="2" name="Table 2">
             <a:extLst>
               <a:ext uri="{FF2B5EF4-FFF2-40B4-BE49-F238E27FC236}">
-                <a16:creationId xmlns:a16="http://schemas.microsoft.com/office/drawing/2014/main" id="{3938889B-1B24-4823-A135-C1B73AF074F2}"/>
+                <a16:creationId xmlns:a16="http://schemas.microsoft.com/office/drawing/2014/main" id="{9A74F693-0A77-4AC9-8C12-0AD13F887141}"/>
               </a:ext>
             </a:extLst>
           </p:cNvPr>
-          <p:cNvSpPr>
-            <a:spLocks noGrp="1"/>
-          </p:cNvSpPr>
+          <p:cNvGraphicFramePr>
+            <a:graphicFrameLocks noGrp="1"/>
+          </p:cNvGraphicFramePr>
           <p:nvPr>
             <p:ph idx="1"/>
+            <p:extLst>
+              <p:ext uri="{D42A27DB-BD31-4B8C-83A1-F6EECF244321}">
+                <p14:modId xmlns:p14="http://schemas.microsoft.com/office/powerpoint/2010/main" val="463172269"/>
+              </p:ext>
+            </p:extLst>
           </p:nvPr>
-        </p:nvSpPr>
-        <p:spPr>
-          <a:xfrm>
-            <a:off x="457200" y="1341438"/>
-            <a:ext cx="8229600" cy="4784725"/>
-          </a:xfrm>
-        </p:spPr>
-        <p:txBody>
-          <a:bodyPr/>
-          <a:lstStyle/>
-          <a:p>
-            <a:endParaRPr lang="en-US" dirty="0"/>
-          </a:p>
-        </p:txBody>
-      </p:sp>
+        </p:nvGraphicFramePr>
+        <p:xfrm>
+          <a:off x="457200" y="1341438"/>
+          <a:ext cx="8229595" cy="2971165"/>
+        </p:xfrm>
+        <a:graphic>
+          <a:graphicData uri="http://schemas.openxmlformats.org/drawingml/2006/table">
+            <a:tbl>
+              <a:tblPr firstRow="1" bandRow="1">
+                <a:tableStyleId>{5C22544A-7EE6-4342-B048-85BDC9FD1C3A}</a:tableStyleId>
+              </a:tblPr>
+              <a:tblGrid>
+                <a:gridCol w="748145">
+                  <a:extLst>
+                    <a:ext uri="{9D8B030D-6E8A-4147-A177-3AD203B41FA5}">
+                      <a16:colId xmlns:a16="http://schemas.microsoft.com/office/drawing/2014/main" val="550706332"/>
+                    </a:ext>
+                  </a:extLst>
+                </a:gridCol>
+                <a:gridCol w="748145">
+                  <a:extLst>
+                    <a:ext uri="{9D8B030D-6E8A-4147-A177-3AD203B41FA5}">
+                      <a16:colId xmlns:a16="http://schemas.microsoft.com/office/drawing/2014/main" val="3684581345"/>
+                    </a:ext>
+                  </a:extLst>
+                </a:gridCol>
+                <a:gridCol w="748145">
+                  <a:extLst>
+                    <a:ext uri="{9D8B030D-6E8A-4147-A177-3AD203B41FA5}">
+                      <a16:colId xmlns:a16="http://schemas.microsoft.com/office/drawing/2014/main" val="2337835401"/>
+                    </a:ext>
+                  </a:extLst>
+                </a:gridCol>
+                <a:gridCol w="748145">
+                  <a:extLst>
+                    <a:ext uri="{9D8B030D-6E8A-4147-A177-3AD203B41FA5}">
+                      <a16:colId xmlns:a16="http://schemas.microsoft.com/office/drawing/2014/main" val="2741474888"/>
+                    </a:ext>
+                  </a:extLst>
+                </a:gridCol>
+                <a:gridCol w="748145">
+                  <a:extLst>
+                    <a:ext uri="{9D8B030D-6E8A-4147-A177-3AD203B41FA5}">
+                      <a16:colId xmlns:a16="http://schemas.microsoft.com/office/drawing/2014/main" val="3091447838"/>
+                    </a:ext>
+                  </a:extLst>
+                </a:gridCol>
+                <a:gridCol w="748145">
+                  <a:extLst>
+                    <a:ext uri="{9D8B030D-6E8A-4147-A177-3AD203B41FA5}">
+                      <a16:colId xmlns:a16="http://schemas.microsoft.com/office/drawing/2014/main" val="3065886425"/>
+                    </a:ext>
+                  </a:extLst>
+                </a:gridCol>
+                <a:gridCol w="748145">
+                  <a:extLst>
+                    <a:ext uri="{9D8B030D-6E8A-4147-A177-3AD203B41FA5}">
+                      <a16:colId xmlns:a16="http://schemas.microsoft.com/office/drawing/2014/main" val="427040741"/>
+                    </a:ext>
+                  </a:extLst>
+                </a:gridCol>
+                <a:gridCol w="748145">
+                  <a:extLst>
+                    <a:ext uri="{9D8B030D-6E8A-4147-A177-3AD203B41FA5}">
+                      <a16:colId xmlns:a16="http://schemas.microsoft.com/office/drawing/2014/main" val="1014459851"/>
+                    </a:ext>
+                  </a:extLst>
+                </a:gridCol>
+                <a:gridCol w="748145">
+                  <a:extLst>
+                    <a:ext uri="{9D8B030D-6E8A-4147-A177-3AD203B41FA5}">
+                      <a16:colId xmlns:a16="http://schemas.microsoft.com/office/drawing/2014/main" val="706830014"/>
+                    </a:ext>
+                  </a:extLst>
+                </a:gridCol>
+                <a:gridCol w="748145">
+                  <a:extLst>
+                    <a:ext uri="{9D8B030D-6E8A-4147-A177-3AD203B41FA5}">
+                      <a16:colId xmlns:a16="http://schemas.microsoft.com/office/drawing/2014/main" val="1136925856"/>
+                    </a:ext>
+                  </a:extLst>
+                </a:gridCol>
+                <a:gridCol w="748145">
+                  <a:extLst>
+                    <a:ext uri="{9D8B030D-6E8A-4147-A177-3AD203B41FA5}">
+                      <a16:colId xmlns:a16="http://schemas.microsoft.com/office/drawing/2014/main" val="3570325395"/>
+                    </a:ext>
+                  </a:extLst>
+                </a:gridCol>
+              </a:tblGrid>
+              <a:tr h="370840">
+                <a:tc gridSpan="2">
+                  <a:txBody>
+                    <a:bodyPr/>
+                    <a:lstStyle/>
+                    <a:p>
+                      <a:pPr algn="l" fontAlgn="b"/>
+                      <a:r>
+                        <a:rPr lang="en-US" sz="1200" b="0" i="0" u="none" strike="noStrike" dirty="0" err="1">
+                          <a:solidFill>
+                            <a:srgbClr val="000000"/>
+                          </a:solidFill>
+                          <a:effectLst/>
+                          <a:latin typeface="Calibri" panose="020F0502020204030204" pitchFamily="34" charset="0"/>
+                        </a:rPr>
+                        <a:t>serijski</a:t>
+                      </a:r>
+                      <a:r>
+                        <a:rPr lang="en-US" sz="1200" b="0" i="0" u="none" strike="noStrike" dirty="0">
+                          <a:solidFill>
+                            <a:srgbClr val="000000"/>
+                          </a:solidFill>
+                          <a:effectLst/>
+                          <a:latin typeface="Calibri" panose="020F0502020204030204" pitchFamily="34" charset="0"/>
+                        </a:rPr>
+                        <a:t> </a:t>
+                      </a:r>
+                      <a:r>
+                        <a:rPr lang="en-US" sz="1200" b="0" i="0" u="none" strike="noStrike" dirty="0" err="1">
+                          <a:solidFill>
+                            <a:srgbClr val="000000"/>
+                          </a:solidFill>
+                          <a:effectLst/>
+                          <a:latin typeface="Calibri" panose="020F0502020204030204" pitchFamily="34" charset="0"/>
+                        </a:rPr>
+                        <a:t>algoritem</a:t>
+                      </a:r>
+                      <a:endParaRPr lang="en-US" sz="1200" b="0" i="0" u="none" strike="noStrike" dirty="0">
+                        <a:solidFill>
+                          <a:srgbClr val="000000"/>
+                        </a:solidFill>
+                        <a:effectLst/>
+                        <a:latin typeface="Calibri" panose="020F0502020204030204" pitchFamily="34" charset="0"/>
+                      </a:endParaRPr>
+                    </a:p>
+                  </a:txBody>
+                  <a:tcPr marL="9525" marR="9525" marT="9525" marB="0" anchor="b"/>
+                </a:tc>
+                <a:tc hMerge="1">
+                  <a:txBody>
+                    <a:bodyPr/>
+                    <a:lstStyle/>
+                    <a:p>
+                      <a:endParaRPr lang="en-SI"/>
+                    </a:p>
+                  </a:txBody>
+                  <a:tcPr/>
+                </a:tc>
+                <a:tc>
+                  <a:txBody>
+                    <a:bodyPr/>
+                    <a:lstStyle/>
+                    <a:p>
+                      <a:pPr algn="l" fontAlgn="b"/>
+                      <a:r>
+                        <a:rPr lang="en-SI" sz="1200" b="0" i="0" u="none" strike="noStrike">
+                          <a:solidFill>
+                            <a:srgbClr val="000000"/>
+                          </a:solidFill>
+                          <a:effectLst/>
+                          <a:latin typeface="Calibri" panose="020F0502020204030204" pitchFamily="34" charset="0"/>
+                        </a:rPr>
+                        <a:t> </a:t>
+                      </a:r>
+                    </a:p>
+                  </a:txBody>
+                  <a:tcPr marL="9525" marR="9525" marT="9525" marB="0" anchor="b"/>
+                </a:tc>
+                <a:tc>
+                  <a:txBody>
+                    <a:bodyPr/>
+                    <a:lstStyle/>
+                    <a:p>
+                      <a:pPr algn="l" fontAlgn="b"/>
+                      <a:r>
+                        <a:rPr lang="en-US" sz="1200" b="0" i="0" u="none" strike="noStrike">
+                          <a:solidFill>
+                            <a:srgbClr val="000000"/>
+                          </a:solidFill>
+                          <a:effectLst/>
+                          <a:latin typeface="Calibri" panose="020F0502020204030204" pitchFamily="34" charset="0"/>
+                        </a:rPr>
+                        <a:t>OpenMP</a:t>
+                      </a:r>
+                    </a:p>
+                  </a:txBody>
+                  <a:tcPr marL="9525" marR="9525" marT="9525" marB="0" anchor="b"/>
+                </a:tc>
+                <a:tc>
+                  <a:txBody>
+                    <a:bodyPr/>
+                    <a:lstStyle/>
+                    <a:p>
+                      <a:pPr algn="l" fontAlgn="b"/>
+                      <a:r>
+                        <a:rPr lang="en-SI" sz="1200" b="0" i="0" u="none" strike="noStrike">
+                          <a:solidFill>
+                            <a:srgbClr val="000000"/>
+                          </a:solidFill>
+                          <a:effectLst/>
+                          <a:latin typeface="Calibri" panose="020F0502020204030204" pitchFamily="34" charset="0"/>
+                        </a:rPr>
+                        <a:t> </a:t>
+                      </a:r>
+                    </a:p>
+                  </a:txBody>
+                  <a:tcPr marL="9525" marR="9525" marT="9525" marB="0" anchor="b"/>
+                </a:tc>
+                <a:tc>
+                  <a:txBody>
+                    <a:bodyPr/>
+                    <a:lstStyle/>
+                    <a:p>
+                      <a:pPr algn="l" fontAlgn="b"/>
+                      <a:r>
+                        <a:rPr lang="en-SI" sz="1200" b="0" i="0" u="none" strike="noStrike">
+                          <a:solidFill>
+                            <a:srgbClr val="000000"/>
+                          </a:solidFill>
+                          <a:effectLst/>
+                          <a:latin typeface="Calibri" panose="020F0502020204030204" pitchFamily="34" charset="0"/>
+                        </a:rPr>
+                        <a:t> </a:t>
+                      </a:r>
+                    </a:p>
+                  </a:txBody>
+                  <a:tcPr marL="9525" marR="9525" marT="9525" marB="0" anchor="b"/>
+                </a:tc>
+                <a:tc>
+                  <a:txBody>
+                    <a:bodyPr/>
+                    <a:lstStyle/>
+                    <a:p>
+                      <a:pPr algn="l" fontAlgn="b"/>
+                      <a:r>
+                        <a:rPr lang="en-US" sz="1200" b="0" i="0" u="none" strike="noStrike">
+                          <a:solidFill>
+                            <a:srgbClr val="000000"/>
+                          </a:solidFill>
+                          <a:effectLst/>
+                          <a:latin typeface="Calibri" panose="020F0502020204030204" pitchFamily="34" charset="0"/>
+                        </a:rPr>
+                        <a:t>OpenCL</a:t>
+                      </a:r>
+                    </a:p>
+                  </a:txBody>
+                  <a:tcPr marL="9525" marR="9525" marT="9525" marB="0" anchor="b"/>
+                </a:tc>
+                <a:tc>
+                  <a:txBody>
+                    <a:bodyPr/>
+                    <a:lstStyle/>
+                    <a:p>
+                      <a:pPr algn="l" fontAlgn="b"/>
+                      <a:r>
+                        <a:rPr lang="en-SI" sz="1200" b="0" i="0" u="none" strike="noStrike">
+                          <a:solidFill>
+                            <a:srgbClr val="000000"/>
+                          </a:solidFill>
+                          <a:effectLst/>
+                          <a:latin typeface="Calibri" panose="020F0502020204030204" pitchFamily="34" charset="0"/>
+                        </a:rPr>
+                        <a:t> </a:t>
+                      </a:r>
+                    </a:p>
+                  </a:txBody>
+                  <a:tcPr marL="9525" marR="9525" marT="9525" marB="0" anchor="b"/>
+                </a:tc>
+                <a:tc>
+                  <a:txBody>
+                    <a:bodyPr/>
+                    <a:lstStyle/>
+                    <a:p>
+                      <a:pPr algn="l" fontAlgn="b"/>
+                      <a:r>
+                        <a:rPr lang="en-SI" sz="1200" b="0" i="0" u="none" strike="noStrike">
+                          <a:solidFill>
+                            <a:srgbClr val="000000"/>
+                          </a:solidFill>
+                          <a:effectLst/>
+                          <a:latin typeface="Calibri" panose="020F0502020204030204" pitchFamily="34" charset="0"/>
+                        </a:rPr>
+                        <a:t> </a:t>
+                      </a:r>
+                    </a:p>
+                  </a:txBody>
+                  <a:tcPr marL="9525" marR="9525" marT="9525" marB="0" anchor="b"/>
+                </a:tc>
+                <a:tc gridSpan="2">
+                  <a:txBody>
+                    <a:bodyPr/>
+                    <a:lstStyle/>
+                    <a:p>
+                      <a:pPr algn="l" fontAlgn="b"/>
+                      <a:r>
+                        <a:rPr lang="en-US" sz="1200" b="0" i="0" u="none" strike="noStrike">
+                          <a:solidFill>
+                            <a:srgbClr val="000000"/>
+                          </a:solidFill>
+                          <a:effectLst/>
+                          <a:latin typeface="Calibri" panose="020F0502020204030204" pitchFamily="34" charset="0"/>
+                        </a:rPr>
+                        <a:t>OpenCL z lok. pom.</a:t>
+                      </a:r>
+                    </a:p>
+                  </a:txBody>
+                  <a:tcPr marL="9525" marR="9525" marT="9525" marB="0" anchor="b"/>
+                </a:tc>
+                <a:tc hMerge="1">
+                  <a:txBody>
+                    <a:bodyPr/>
+                    <a:lstStyle/>
+                    <a:p>
+                      <a:endParaRPr lang="en-SI"/>
+                    </a:p>
+                  </a:txBody>
+                  <a:tcPr/>
+                </a:tc>
+                <a:extLst>
+                  <a:ext uri="{0D108BD9-81ED-4DB2-BD59-A6C34878D82A}">
+                    <a16:rowId xmlns:a16="http://schemas.microsoft.com/office/drawing/2014/main" val="3773674787"/>
+                  </a:ext>
+                </a:extLst>
+              </a:tr>
+              <a:tr h="370840">
+                <a:tc>
+                  <a:txBody>
+                    <a:bodyPr/>
+                    <a:lstStyle/>
+                    <a:p>
+                      <a:pPr algn="l" fontAlgn="b"/>
+                      <a:r>
+                        <a:rPr lang="en-US" sz="1200" b="0" i="0" u="none" strike="noStrike">
+                          <a:solidFill>
+                            <a:srgbClr val="000000"/>
+                          </a:solidFill>
+                          <a:effectLst/>
+                          <a:latin typeface="Calibri" panose="020F0502020204030204" pitchFamily="34" charset="0"/>
+                        </a:rPr>
+                        <a:t>velikost (ŠxV)</a:t>
+                      </a:r>
+                    </a:p>
+                  </a:txBody>
+                  <a:tcPr marL="9525" marR="9525" marT="9525" marB="0" anchor="b"/>
+                </a:tc>
+                <a:tc>
+                  <a:txBody>
+                    <a:bodyPr/>
+                    <a:lstStyle/>
+                    <a:p>
+                      <a:pPr algn="l" fontAlgn="b"/>
+                      <a:r>
+                        <a:rPr lang="en-US" sz="1200" b="0" i="0" u="none" strike="noStrike">
+                          <a:solidFill>
+                            <a:srgbClr val="000000"/>
+                          </a:solidFill>
+                          <a:effectLst/>
+                          <a:latin typeface="Calibri" panose="020F0502020204030204" pitchFamily="34" charset="0"/>
+                        </a:rPr>
+                        <a:t>čas izvajanja</a:t>
+                      </a:r>
+                    </a:p>
+                  </a:txBody>
+                  <a:tcPr marL="9525" marR="9525" marT="9525" marB="0" anchor="b"/>
+                </a:tc>
+                <a:tc>
+                  <a:txBody>
+                    <a:bodyPr/>
+                    <a:lstStyle/>
+                    <a:p>
+                      <a:pPr algn="l" fontAlgn="b"/>
+                      <a:endParaRPr lang="en-SI" sz="1200" b="0" i="0" u="none" strike="noStrike">
+                        <a:solidFill>
+                          <a:srgbClr val="000000"/>
+                        </a:solidFill>
+                        <a:effectLst/>
+                        <a:latin typeface="Calibri" panose="020F0502020204030204" pitchFamily="34" charset="0"/>
+                      </a:endParaRPr>
+                    </a:p>
+                  </a:txBody>
+                  <a:tcPr marL="9525" marR="9525" marT="9525" marB="0" anchor="b"/>
+                </a:tc>
+                <a:tc>
+                  <a:txBody>
+                    <a:bodyPr/>
+                    <a:lstStyle/>
+                    <a:p>
+                      <a:pPr algn="l" fontAlgn="b"/>
+                      <a:r>
+                        <a:rPr lang="en-US" sz="1200" b="0" i="0" u="none" strike="noStrike">
+                          <a:solidFill>
+                            <a:srgbClr val="000000"/>
+                          </a:solidFill>
+                          <a:effectLst/>
+                          <a:latin typeface="Calibri" panose="020F0502020204030204" pitchFamily="34" charset="0"/>
+                        </a:rPr>
+                        <a:t>velikost (ŠxV)</a:t>
+                      </a:r>
+                    </a:p>
+                  </a:txBody>
+                  <a:tcPr marL="9525" marR="9525" marT="9525" marB="0" anchor="b"/>
+                </a:tc>
+                <a:tc>
+                  <a:txBody>
+                    <a:bodyPr/>
+                    <a:lstStyle/>
+                    <a:p>
+                      <a:pPr algn="l" fontAlgn="b"/>
+                      <a:r>
+                        <a:rPr lang="en-US" sz="1200" b="0" i="0" u="none" strike="noStrike">
+                          <a:solidFill>
+                            <a:srgbClr val="000000"/>
+                          </a:solidFill>
+                          <a:effectLst/>
+                          <a:latin typeface="Calibri" panose="020F0502020204030204" pitchFamily="34" charset="0"/>
+                        </a:rPr>
+                        <a:t>čas izvajanja</a:t>
+                      </a:r>
+                    </a:p>
+                  </a:txBody>
+                  <a:tcPr marL="9525" marR="9525" marT="9525" marB="0" anchor="b"/>
+                </a:tc>
+                <a:tc>
+                  <a:txBody>
+                    <a:bodyPr/>
+                    <a:lstStyle/>
+                    <a:p>
+                      <a:pPr algn="l" fontAlgn="b"/>
+                      <a:endParaRPr lang="en-SI" sz="1200" b="0" i="0" u="none" strike="noStrike">
+                        <a:solidFill>
+                          <a:srgbClr val="000000"/>
+                        </a:solidFill>
+                        <a:effectLst/>
+                        <a:latin typeface="Calibri" panose="020F0502020204030204" pitchFamily="34" charset="0"/>
+                      </a:endParaRPr>
+                    </a:p>
+                  </a:txBody>
+                  <a:tcPr marL="9525" marR="9525" marT="9525" marB="0" anchor="b"/>
+                </a:tc>
+                <a:tc>
+                  <a:txBody>
+                    <a:bodyPr/>
+                    <a:lstStyle/>
+                    <a:p>
+                      <a:pPr algn="l" fontAlgn="b"/>
+                      <a:r>
+                        <a:rPr lang="en-US" sz="1200" b="0" i="0" u="none" strike="noStrike">
+                          <a:solidFill>
+                            <a:srgbClr val="000000"/>
+                          </a:solidFill>
+                          <a:effectLst/>
+                          <a:latin typeface="Calibri" panose="020F0502020204030204" pitchFamily="34" charset="0"/>
+                        </a:rPr>
+                        <a:t>velikost (ŠxV)</a:t>
+                      </a:r>
+                    </a:p>
+                  </a:txBody>
+                  <a:tcPr marL="9525" marR="9525" marT="9525" marB="0" anchor="b"/>
+                </a:tc>
+                <a:tc>
+                  <a:txBody>
+                    <a:bodyPr/>
+                    <a:lstStyle/>
+                    <a:p>
+                      <a:pPr algn="l" fontAlgn="b"/>
+                      <a:r>
+                        <a:rPr lang="en-US" sz="1200" b="0" i="0" u="none" strike="noStrike">
+                          <a:solidFill>
+                            <a:srgbClr val="000000"/>
+                          </a:solidFill>
+                          <a:effectLst/>
+                          <a:latin typeface="Calibri" panose="020F0502020204030204" pitchFamily="34" charset="0"/>
+                        </a:rPr>
+                        <a:t>čas izvajanja</a:t>
+                      </a:r>
+                    </a:p>
+                  </a:txBody>
+                  <a:tcPr marL="9525" marR="9525" marT="9525" marB="0" anchor="b"/>
+                </a:tc>
+                <a:tc>
+                  <a:txBody>
+                    <a:bodyPr/>
+                    <a:lstStyle/>
+                    <a:p>
+                      <a:pPr algn="l" fontAlgn="b"/>
+                      <a:endParaRPr lang="en-SI" sz="1200" b="0" i="0" u="none" strike="noStrike">
+                        <a:solidFill>
+                          <a:srgbClr val="000000"/>
+                        </a:solidFill>
+                        <a:effectLst/>
+                        <a:latin typeface="Calibri" panose="020F0502020204030204" pitchFamily="34" charset="0"/>
+                      </a:endParaRPr>
+                    </a:p>
+                  </a:txBody>
+                  <a:tcPr marL="9525" marR="9525" marT="9525" marB="0" anchor="b"/>
+                </a:tc>
+                <a:tc>
+                  <a:txBody>
+                    <a:bodyPr/>
+                    <a:lstStyle/>
+                    <a:p>
+                      <a:pPr algn="l" fontAlgn="b"/>
+                      <a:r>
+                        <a:rPr lang="en-US" sz="1200" b="0" i="0" u="none" strike="noStrike">
+                          <a:solidFill>
+                            <a:srgbClr val="000000"/>
+                          </a:solidFill>
+                          <a:effectLst/>
+                          <a:latin typeface="Calibri" panose="020F0502020204030204" pitchFamily="34" charset="0"/>
+                        </a:rPr>
+                        <a:t>velikost (ŠxV)</a:t>
+                      </a:r>
+                    </a:p>
+                  </a:txBody>
+                  <a:tcPr marL="9525" marR="9525" marT="9525" marB="0" anchor="b"/>
+                </a:tc>
+                <a:tc>
+                  <a:txBody>
+                    <a:bodyPr/>
+                    <a:lstStyle/>
+                    <a:p>
+                      <a:pPr algn="l" fontAlgn="b"/>
+                      <a:r>
+                        <a:rPr lang="en-US" sz="1200" b="0" i="0" u="none" strike="noStrike">
+                          <a:solidFill>
+                            <a:srgbClr val="000000"/>
+                          </a:solidFill>
+                          <a:effectLst/>
+                          <a:latin typeface="Calibri" panose="020F0502020204030204" pitchFamily="34" charset="0"/>
+                        </a:rPr>
+                        <a:t>čas izvajanja</a:t>
+                      </a:r>
+                    </a:p>
+                  </a:txBody>
+                  <a:tcPr marL="9525" marR="9525" marT="9525" marB="0" anchor="b"/>
+                </a:tc>
+                <a:extLst>
+                  <a:ext uri="{0D108BD9-81ED-4DB2-BD59-A6C34878D82A}">
+                    <a16:rowId xmlns:a16="http://schemas.microsoft.com/office/drawing/2014/main" val="2715265426"/>
+                  </a:ext>
+                </a:extLst>
+              </a:tr>
+              <a:tr h="370840">
+                <a:tc>
+                  <a:txBody>
+                    <a:bodyPr/>
+                    <a:lstStyle/>
+                    <a:p>
+                      <a:pPr algn="l" fontAlgn="b"/>
+                      <a:r>
+                        <a:rPr lang="en-US" sz="1200" b="0" i="0" u="none" strike="noStrike">
+                          <a:solidFill>
+                            <a:srgbClr val="000000"/>
+                          </a:solidFill>
+                          <a:effectLst/>
+                          <a:latin typeface="Calibri" panose="020F0502020204030204" pitchFamily="34" charset="0"/>
+                        </a:rPr>
+                        <a:t>1000x1000</a:t>
+                      </a:r>
+                    </a:p>
+                  </a:txBody>
+                  <a:tcPr marL="9525" marR="9525" marT="9525" marB="0" anchor="b"/>
+                </a:tc>
+                <a:tc>
+                  <a:txBody>
+                    <a:bodyPr/>
+                    <a:lstStyle/>
+                    <a:p>
+                      <a:pPr algn="r" fontAlgn="b"/>
+                      <a:r>
+                        <a:rPr lang="en-SI" sz="1200" b="0" i="0" u="none" strike="noStrike">
+                          <a:solidFill>
+                            <a:srgbClr val="000000"/>
+                          </a:solidFill>
+                          <a:effectLst/>
+                          <a:latin typeface="Calibri" panose="020F0502020204030204" pitchFamily="34" charset="0"/>
+                        </a:rPr>
+                        <a:t>263,11</a:t>
+                      </a:r>
+                    </a:p>
+                  </a:txBody>
+                  <a:tcPr marL="9525" marR="9525" marT="9525" marB="0" anchor="b"/>
+                </a:tc>
+                <a:tc>
+                  <a:txBody>
+                    <a:bodyPr/>
+                    <a:lstStyle/>
+                    <a:p>
+                      <a:pPr algn="l" fontAlgn="b"/>
+                      <a:endParaRPr lang="en-SI" sz="1200" b="0" i="0" u="none" strike="noStrike">
+                        <a:solidFill>
+                          <a:srgbClr val="000000"/>
+                        </a:solidFill>
+                        <a:effectLst/>
+                        <a:latin typeface="Calibri" panose="020F0502020204030204" pitchFamily="34" charset="0"/>
+                      </a:endParaRPr>
+                    </a:p>
+                  </a:txBody>
+                  <a:tcPr marL="9525" marR="9525" marT="9525" marB="0" anchor="b"/>
+                </a:tc>
+                <a:tc>
+                  <a:txBody>
+                    <a:bodyPr/>
+                    <a:lstStyle/>
+                    <a:p>
+                      <a:pPr algn="l" fontAlgn="b"/>
+                      <a:r>
+                        <a:rPr lang="en-US" sz="1200" b="0" i="0" u="none" strike="noStrike">
+                          <a:solidFill>
+                            <a:srgbClr val="000000"/>
+                          </a:solidFill>
+                          <a:effectLst/>
+                          <a:latin typeface="Calibri" panose="020F0502020204030204" pitchFamily="34" charset="0"/>
+                        </a:rPr>
+                        <a:t>1000x1000</a:t>
+                      </a:r>
+                    </a:p>
+                  </a:txBody>
+                  <a:tcPr marL="9525" marR="9525" marT="9525" marB="0" anchor="b"/>
+                </a:tc>
+                <a:tc>
+                  <a:txBody>
+                    <a:bodyPr/>
+                    <a:lstStyle/>
+                    <a:p>
+                      <a:pPr algn="r" fontAlgn="b"/>
+                      <a:r>
+                        <a:rPr lang="en-SI" sz="1200" b="0" i="0" u="none" strike="noStrike">
+                          <a:solidFill>
+                            <a:srgbClr val="000000"/>
+                          </a:solidFill>
+                          <a:effectLst/>
+                          <a:latin typeface="Calibri" panose="020F0502020204030204" pitchFamily="34" charset="0"/>
+                        </a:rPr>
+                        <a:t>10,7</a:t>
+                      </a:r>
+                    </a:p>
+                  </a:txBody>
+                  <a:tcPr marL="9525" marR="9525" marT="9525" marB="0" anchor="b"/>
+                </a:tc>
+                <a:tc>
+                  <a:txBody>
+                    <a:bodyPr/>
+                    <a:lstStyle/>
+                    <a:p>
+                      <a:pPr algn="l" fontAlgn="b"/>
+                      <a:endParaRPr lang="en-SI" sz="1200" b="0" i="0" u="none" strike="noStrike">
+                        <a:solidFill>
+                          <a:srgbClr val="000000"/>
+                        </a:solidFill>
+                        <a:effectLst/>
+                        <a:latin typeface="Calibri" panose="020F0502020204030204" pitchFamily="34" charset="0"/>
+                      </a:endParaRPr>
+                    </a:p>
+                  </a:txBody>
+                  <a:tcPr marL="9525" marR="9525" marT="9525" marB="0" anchor="b"/>
+                </a:tc>
+                <a:tc>
+                  <a:txBody>
+                    <a:bodyPr/>
+                    <a:lstStyle/>
+                    <a:p>
+                      <a:pPr algn="l" fontAlgn="b"/>
+                      <a:r>
+                        <a:rPr lang="en-US" sz="1200" b="0" i="0" u="none" strike="noStrike">
+                          <a:solidFill>
+                            <a:srgbClr val="000000"/>
+                          </a:solidFill>
+                          <a:effectLst/>
+                          <a:latin typeface="Calibri" panose="020F0502020204030204" pitchFamily="34" charset="0"/>
+                        </a:rPr>
+                        <a:t>1000x1000</a:t>
+                      </a:r>
+                    </a:p>
+                  </a:txBody>
+                  <a:tcPr marL="9525" marR="9525" marT="9525" marB="0" anchor="b"/>
+                </a:tc>
+                <a:tc>
+                  <a:txBody>
+                    <a:bodyPr/>
+                    <a:lstStyle/>
+                    <a:p>
+                      <a:pPr algn="r" fontAlgn="b"/>
+                      <a:r>
+                        <a:rPr lang="en-SI" sz="1200" b="0" i="0" u="none" strike="noStrike">
+                          <a:solidFill>
+                            <a:srgbClr val="000000"/>
+                          </a:solidFill>
+                          <a:effectLst/>
+                          <a:latin typeface="Calibri" panose="020F0502020204030204" pitchFamily="34" charset="0"/>
+                        </a:rPr>
+                        <a:t>4,55</a:t>
+                      </a:r>
+                    </a:p>
+                  </a:txBody>
+                  <a:tcPr marL="9525" marR="9525" marT="9525" marB="0" anchor="b"/>
+                </a:tc>
+                <a:tc>
+                  <a:txBody>
+                    <a:bodyPr/>
+                    <a:lstStyle/>
+                    <a:p>
+                      <a:pPr algn="l" fontAlgn="b"/>
+                      <a:endParaRPr lang="en-SI" sz="1200" b="0" i="0" u="none" strike="noStrike">
+                        <a:solidFill>
+                          <a:srgbClr val="000000"/>
+                        </a:solidFill>
+                        <a:effectLst/>
+                        <a:latin typeface="Calibri" panose="020F0502020204030204" pitchFamily="34" charset="0"/>
+                      </a:endParaRPr>
+                    </a:p>
+                  </a:txBody>
+                  <a:tcPr marL="9525" marR="9525" marT="9525" marB="0" anchor="b"/>
+                </a:tc>
+                <a:tc>
+                  <a:txBody>
+                    <a:bodyPr/>
+                    <a:lstStyle/>
+                    <a:p>
+                      <a:pPr algn="l" fontAlgn="b"/>
+                      <a:r>
+                        <a:rPr lang="en-US" sz="1200" b="0" i="0" u="none" strike="noStrike">
+                          <a:solidFill>
+                            <a:srgbClr val="000000"/>
+                          </a:solidFill>
+                          <a:effectLst/>
+                          <a:latin typeface="Calibri" panose="020F0502020204030204" pitchFamily="34" charset="0"/>
+                        </a:rPr>
+                        <a:t>1000x1000</a:t>
+                      </a:r>
+                    </a:p>
+                  </a:txBody>
+                  <a:tcPr marL="9525" marR="9525" marT="9525" marB="0" anchor="b"/>
+                </a:tc>
+                <a:tc>
+                  <a:txBody>
+                    <a:bodyPr/>
+                    <a:lstStyle/>
+                    <a:p>
+                      <a:pPr algn="r" fontAlgn="b"/>
+                      <a:r>
+                        <a:rPr lang="en-SI" sz="1200" b="0" i="0" u="none" strike="noStrike">
+                          <a:solidFill>
+                            <a:srgbClr val="000000"/>
+                          </a:solidFill>
+                          <a:effectLst/>
+                          <a:latin typeface="Calibri" panose="020F0502020204030204" pitchFamily="34" charset="0"/>
+                        </a:rPr>
+                        <a:t>2,58</a:t>
+                      </a:r>
+                    </a:p>
+                  </a:txBody>
+                  <a:tcPr marL="9525" marR="9525" marT="9525" marB="0" anchor="b"/>
+                </a:tc>
+                <a:extLst>
+                  <a:ext uri="{0D108BD9-81ED-4DB2-BD59-A6C34878D82A}">
+                    <a16:rowId xmlns:a16="http://schemas.microsoft.com/office/drawing/2014/main" val="3406553389"/>
+                  </a:ext>
+                </a:extLst>
+              </a:tr>
+              <a:tr h="370840">
+                <a:tc>
+                  <a:txBody>
+                    <a:bodyPr/>
+                    <a:lstStyle/>
+                    <a:p>
+                      <a:pPr algn="l" fontAlgn="b"/>
+                      <a:r>
+                        <a:rPr lang="en-US" sz="1200" b="0" i="0" u="none" strike="noStrike">
+                          <a:solidFill>
+                            <a:srgbClr val="000000"/>
+                          </a:solidFill>
+                          <a:effectLst/>
+                          <a:latin typeface="Calibri" panose="020F0502020204030204" pitchFamily="34" charset="0"/>
+                        </a:rPr>
+                        <a:t>500x2000</a:t>
+                      </a:r>
+                    </a:p>
+                  </a:txBody>
+                  <a:tcPr marL="9525" marR="9525" marT="9525" marB="0" anchor="b"/>
+                </a:tc>
+                <a:tc>
+                  <a:txBody>
+                    <a:bodyPr/>
+                    <a:lstStyle/>
+                    <a:p>
+                      <a:pPr algn="r" fontAlgn="b"/>
+                      <a:r>
+                        <a:rPr lang="en-SI" sz="1200" b="0" i="0" u="none" strike="noStrike">
+                          <a:solidFill>
+                            <a:srgbClr val="000000"/>
+                          </a:solidFill>
+                          <a:effectLst/>
+                          <a:latin typeface="Calibri" panose="020F0502020204030204" pitchFamily="34" charset="0"/>
+                        </a:rPr>
+                        <a:t>227,45</a:t>
+                      </a:r>
+                    </a:p>
+                  </a:txBody>
+                  <a:tcPr marL="9525" marR="9525" marT="9525" marB="0" anchor="b"/>
+                </a:tc>
+                <a:tc>
+                  <a:txBody>
+                    <a:bodyPr/>
+                    <a:lstStyle/>
+                    <a:p>
+                      <a:pPr algn="l" fontAlgn="b"/>
+                      <a:endParaRPr lang="en-SI" sz="1200" b="0" i="0" u="none" strike="noStrike">
+                        <a:solidFill>
+                          <a:srgbClr val="000000"/>
+                        </a:solidFill>
+                        <a:effectLst/>
+                        <a:latin typeface="Calibri" panose="020F0502020204030204" pitchFamily="34" charset="0"/>
+                      </a:endParaRPr>
+                    </a:p>
+                  </a:txBody>
+                  <a:tcPr marL="9525" marR="9525" marT="9525" marB="0" anchor="b"/>
+                </a:tc>
+                <a:tc>
+                  <a:txBody>
+                    <a:bodyPr/>
+                    <a:lstStyle/>
+                    <a:p>
+                      <a:pPr algn="l" fontAlgn="b"/>
+                      <a:r>
+                        <a:rPr lang="en-US" sz="1200" b="0" i="0" u="none" strike="noStrike">
+                          <a:solidFill>
+                            <a:srgbClr val="000000"/>
+                          </a:solidFill>
+                          <a:effectLst/>
+                          <a:latin typeface="Calibri" panose="020F0502020204030204" pitchFamily="34" charset="0"/>
+                        </a:rPr>
+                        <a:t>500x2000</a:t>
+                      </a:r>
+                    </a:p>
+                  </a:txBody>
+                  <a:tcPr marL="9525" marR="9525" marT="9525" marB="0" anchor="b"/>
+                </a:tc>
+                <a:tc>
+                  <a:txBody>
+                    <a:bodyPr/>
+                    <a:lstStyle/>
+                    <a:p>
+                      <a:pPr algn="r" fontAlgn="b"/>
+                      <a:r>
+                        <a:rPr lang="en-SI" sz="1200" b="0" i="0" u="none" strike="noStrike">
+                          <a:solidFill>
+                            <a:srgbClr val="000000"/>
+                          </a:solidFill>
+                          <a:effectLst/>
+                          <a:latin typeface="Calibri" panose="020F0502020204030204" pitchFamily="34" charset="0"/>
+                        </a:rPr>
+                        <a:t>10,9</a:t>
+                      </a:r>
+                    </a:p>
+                  </a:txBody>
+                  <a:tcPr marL="9525" marR="9525" marT="9525" marB="0" anchor="b"/>
+                </a:tc>
+                <a:tc>
+                  <a:txBody>
+                    <a:bodyPr/>
+                    <a:lstStyle/>
+                    <a:p>
+                      <a:pPr algn="l" fontAlgn="b"/>
+                      <a:endParaRPr lang="en-SI" sz="1200" b="0" i="0" u="none" strike="noStrike">
+                        <a:solidFill>
+                          <a:srgbClr val="000000"/>
+                        </a:solidFill>
+                        <a:effectLst/>
+                        <a:latin typeface="Calibri" panose="020F0502020204030204" pitchFamily="34" charset="0"/>
+                      </a:endParaRPr>
+                    </a:p>
+                  </a:txBody>
+                  <a:tcPr marL="9525" marR="9525" marT="9525" marB="0" anchor="b"/>
+                </a:tc>
+                <a:tc>
+                  <a:txBody>
+                    <a:bodyPr/>
+                    <a:lstStyle/>
+                    <a:p>
+                      <a:pPr algn="l" fontAlgn="b"/>
+                      <a:r>
+                        <a:rPr lang="en-US" sz="1200" b="0" i="0" u="none" strike="noStrike">
+                          <a:solidFill>
+                            <a:srgbClr val="000000"/>
+                          </a:solidFill>
+                          <a:effectLst/>
+                          <a:latin typeface="Calibri" panose="020F0502020204030204" pitchFamily="34" charset="0"/>
+                        </a:rPr>
+                        <a:t>500x2000</a:t>
+                      </a:r>
+                    </a:p>
+                  </a:txBody>
+                  <a:tcPr marL="9525" marR="9525" marT="9525" marB="0" anchor="b"/>
+                </a:tc>
+                <a:tc>
+                  <a:txBody>
+                    <a:bodyPr/>
+                    <a:lstStyle/>
+                    <a:p>
+                      <a:pPr algn="r" fontAlgn="b"/>
+                      <a:r>
+                        <a:rPr lang="en-SI" sz="1200" b="0" i="0" u="none" strike="noStrike">
+                          <a:solidFill>
+                            <a:srgbClr val="000000"/>
+                          </a:solidFill>
+                          <a:effectLst/>
+                          <a:latin typeface="Calibri" panose="020F0502020204030204" pitchFamily="34" charset="0"/>
+                        </a:rPr>
+                        <a:t>4,55</a:t>
+                      </a:r>
+                    </a:p>
+                  </a:txBody>
+                  <a:tcPr marL="9525" marR="9525" marT="9525" marB="0" anchor="b"/>
+                </a:tc>
+                <a:tc>
+                  <a:txBody>
+                    <a:bodyPr/>
+                    <a:lstStyle/>
+                    <a:p>
+                      <a:pPr algn="l" fontAlgn="b"/>
+                      <a:endParaRPr lang="en-SI" sz="1200" b="0" i="0" u="none" strike="noStrike">
+                        <a:solidFill>
+                          <a:srgbClr val="000000"/>
+                        </a:solidFill>
+                        <a:effectLst/>
+                        <a:latin typeface="Calibri" panose="020F0502020204030204" pitchFamily="34" charset="0"/>
+                      </a:endParaRPr>
+                    </a:p>
+                  </a:txBody>
+                  <a:tcPr marL="9525" marR="9525" marT="9525" marB="0" anchor="b"/>
+                </a:tc>
+                <a:tc>
+                  <a:txBody>
+                    <a:bodyPr/>
+                    <a:lstStyle/>
+                    <a:p>
+                      <a:pPr algn="l" fontAlgn="b"/>
+                      <a:r>
+                        <a:rPr lang="en-US" sz="1200" b="0" i="0" u="none" strike="noStrike">
+                          <a:solidFill>
+                            <a:srgbClr val="000000"/>
+                          </a:solidFill>
+                          <a:effectLst/>
+                          <a:latin typeface="Calibri" panose="020F0502020204030204" pitchFamily="34" charset="0"/>
+                        </a:rPr>
+                        <a:t>500x2000</a:t>
+                      </a:r>
+                    </a:p>
+                  </a:txBody>
+                  <a:tcPr marL="9525" marR="9525" marT="9525" marB="0" anchor="b"/>
+                </a:tc>
+                <a:tc>
+                  <a:txBody>
+                    <a:bodyPr/>
+                    <a:lstStyle/>
+                    <a:p>
+                      <a:pPr algn="r" fontAlgn="b"/>
+                      <a:r>
+                        <a:rPr lang="en-SI" sz="1200" b="0" i="0" u="none" strike="noStrike">
+                          <a:solidFill>
+                            <a:srgbClr val="000000"/>
+                          </a:solidFill>
+                          <a:effectLst/>
+                          <a:latin typeface="Calibri" panose="020F0502020204030204" pitchFamily="34" charset="0"/>
+                        </a:rPr>
+                        <a:t>2,59</a:t>
+                      </a:r>
+                    </a:p>
+                  </a:txBody>
+                  <a:tcPr marL="9525" marR="9525" marT="9525" marB="0" anchor="b"/>
+                </a:tc>
+                <a:extLst>
+                  <a:ext uri="{0D108BD9-81ED-4DB2-BD59-A6C34878D82A}">
+                    <a16:rowId xmlns:a16="http://schemas.microsoft.com/office/drawing/2014/main" val="1371561859"/>
+                  </a:ext>
+                </a:extLst>
+              </a:tr>
+              <a:tr h="370840">
+                <a:tc>
+                  <a:txBody>
+                    <a:bodyPr/>
+                    <a:lstStyle/>
+                    <a:p>
+                      <a:pPr algn="l" fontAlgn="b"/>
+                      <a:r>
+                        <a:rPr lang="en-US" sz="1200" b="0" i="0" u="none" strike="noStrike">
+                          <a:solidFill>
+                            <a:srgbClr val="000000"/>
+                          </a:solidFill>
+                          <a:effectLst/>
+                          <a:latin typeface="Calibri" panose="020F0502020204030204" pitchFamily="34" charset="0"/>
+                        </a:rPr>
+                        <a:t>250x4000</a:t>
+                      </a:r>
+                    </a:p>
+                  </a:txBody>
+                  <a:tcPr marL="9525" marR="9525" marT="9525" marB="0" anchor="b"/>
+                </a:tc>
+                <a:tc>
+                  <a:txBody>
+                    <a:bodyPr/>
+                    <a:lstStyle/>
+                    <a:p>
+                      <a:pPr algn="r" fontAlgn="b"/>
+                      <a:r>
+                        <a:rPr lang="en-SI" sz="1200" b="0" i="0" u="none" strike="noStrike">
+                          <a:solidFill>
+                            <a:srgbClr val="000000"/>
+                          </a:solidFill>
+                          <a:effectLst/>
+                          <a:latin typeface="Calibri" panose="020F0502020204030204" pitchFamily="34" charset="0"/>
+                        </a:rPr>
+                        <a:t>220,34</a:t>
+                      </a:r>
+                    </a:p>
+                  </a:txBody>
+                  <a:tcPr marL="9525" marR="9525" marT="9525" marB="0" anchor="b"/>
+                </a:tc>
+                <a:tc>
+                  <a:txBody>
+                    <a:bodyPr/>
+                    <a:lstStyle/>
+                    <a:p>
+                      <a:pPr algn="l" fontAlgn="b"/>
+                      <a:endParaRPr lang="en-SI" sz="1200" b="0" i="0" u="none" strike="noStrike">
+                        <a:solidFill>
+                          <a:srgbClr val="000000"/>
+                        </a:solidFill>
+                        <a:effectLst/>
+                        <a:latin typeface="Calibri" panose="020F0502020204030204" pitchFamily="34" charset="0"/>
+                      </a:endParaRPr>
+                    </a:p>
+                  </a:txBody>
+                  <a:tcPr marL="9525" marR="9525" marT="9525" marB="0" anchor="b"/>
+                </a:tc>
+                <a:tc>
+                  <a:txBody>
+                    <a:bodyPr/>
+                    <a:lstStyle/>
+                    <a:p>
+                      <a:pPr algn="l" fontAlgn="b"/>
+                      <a:r>
+                        <a:rPr lang="en-US" sz="1200" b="0" i="0" u="none" strike="noStrike">
+                          <a:solidFill>
+                            <a:srgbClr val="000000"/>
+                          </a:solidFill>
+                          <a:effectLst/>
+                          <a:latin typeface="Calibri" panose="020F0502020204030204" pitchFamily="34" charset="0"/>
+                        </a:rPr>
+                        <a:t>250x4000</a:t>
+                      </a:r>
+                    </a:p>
+                  </a:txBody>
+                  <a:tcPr marL="9525" marR="9525" marT="9525" marB="0" anchor="b"/>
+                </a:tc>
+                <a:tc>
+                  <a:txBody>
+                    <a:bodyPr/>
+                    <a:lstStyle/>
+                    <a:p>
+                      <a:pPr algn="r" fontAlgn="b"/>
+                      <a:r>
+                        <a:rPr lang="en-SI" sz="1200" b="0" i="0" u="none" strike="noStrike">
+                          <a:solidFill>
+                            <a:srgbClr val="000000"/>
+                          </a:solidFill>
+                          <a:effectLst/>
+                          <a:latin typeface="Calibri" panose="020F0502020204030204" pitchFamily="34" charset="0"/>
+                        </a:rPr>
+                        <a:t>11</a:t>
+                      </a:r>
+                    </a:p>
+                  </a:txBody>
+                  <a:tcPr marL="9525" marR="9525" marT="9525" marB="0" anchor="b"/>
+                </a:tc>
+                <a:tc>
+                  <a:txBody>
+                    <a:bodyPr/>
+                    <a:lstStyle/>
+                    <a:p>
+                      <a:pPr algn="l" fontAlgn="b"/>
+                      <a:endParaRPr lang="en-SI" sz="1200" b="0" i="0" u="none" strike="noStrike">
+                        <a:solidFill>
+                          <a:srgbClr val="000000"/>
+                        </a:solidFill>
+                        <a:effectLst/>
+                        <a:latin typeface="Calibri" panose="020F0502020204030204" pitchFamily="34" charset="0"/>
+                      </a:endParaRPr>
+                    </a:p>
+                  </a:txBody>
+                  <a:tcPr marL="9525" marR="9525" marT="9525" marB="0" anchor="b"/>
+                </a:tc>
+                <a:tc>
+                  <a:txBody>
+                    <a:bodyPr/>
+                    <a:lstStyle/>
+                    <a:p>
+                      <a:pPr algn="l" fontAlgn="b"/>
+                      <a:r>
+                        <a:rPr lang="en-US" sz="1200" b="0" i="0" u="none" strike="noStrike">
+                          <a:solidFill>
+                            <a:srgbClr val="000000"/>
+                          </a:solidFill>
+                          <a:effectLst/>
+                          <a:latin typeface="Calibri" panose="020F0502020204030204" pitchFamily="34" charset="0"/>
+                        </a:rPr>
+                        <a:t>250x4000</a:t>
+                      </a:r>
+                    </a:p>
+                  </a:txBody>
+                  <a:tcPr marL="9525" marR="9525" marT="9525" marB="0" anchor="b"/>
+                </a:tc>
+                <a:tc>
+                  <a:txBody>
+                    <a:bodyPr/>
+                    <a:lstStyle/>
+                    <a:p>
+                      <a:pPr algn="r" fontAlgn="b"/>
+                      <a:r>
+                        <a:rPr lang="en-SI" sz="1200" b="0" i="0" u="none" strike="noStrike">
+                          <a:solidFill>
+                            <a:srgbClr val="000000"/>
+                          </a:solidFill>
+                          <a:effectLst/>
+                          <a:latin typeface="Calibri" panose="020F0502020204030204" pitchFamily="34" charset="0"/>
+                        </a:rPr>
+                        <a:t>4,57</a:t>
+                      </a:r>
+                    </a:p>
+                  </a:txBody>
+                  <a:tcPr marL="9525" marR="9525" marT="9525" marB="0" anchor="b"/>
+                </a:tc>
+                <a:tc>
+                  <a:txBody>
+                    <a:bodyPr/>
+                    <a:lstStyle/>
+                    <a:p>
+                      <a:pPr algn="l" fontAlgn="b"/>
+                      <a:endParaRPr lang="en-SI" sz="1200" b="0" i="0" u="none" strike="noStrike">
+                        <a:solidFill>
+                          <a:srgbClr val="000000"/>
+                        </a:solidFill>
+                        <a:effectLst/>
+                        <a:latin typeface="Calibri" panose="020F0502020204030204" pitchFamily="34" charset="0"/>
+                      </a:endParaRPr>
+                    </a:p>
+                  </a:txBody>
+                  <a:tcPr marL="9525" marR="9525" marT="9525" marB="0" anchor="b"/>
+                </a:tc>
+                <a:tc>
+                  <a:txBody>
+                    <a:bodyPr/>
+                    <a:lstStyle/>
+                    <a:p>
+                      <a:pPr algn="l" fontAlgn="b"/>
+                      <a:r>
+                        <a:rPr lang="en-US" sz="1200" b="0" i="0" u="none" strike="noStrike">
+                          <a:solidFill>
+                            <a:srgbClr val="000000"/>
+                          </a:solidFill>
+                          <a:effectLst/>
+                          <a:latin typeface="Calibri" panose="020F0502020204030204" pitchFamily="34" charset="0"/>
+                        </a:rPr>
+                        <a:t>250x4000</a:t>
+                      </a:r>
+                    </a:p>
+                  </a:txBody>
+                  <a:tcPr marL="9525" marR="9525" marT="9525" marB="0" anchor="b"/>
+                </a:tc>
+                <a:tc>
+                  <a:txBody>
+                    <a:bodyPr/>
+                    <a:lstStyle/>
+                    <a:p>
+                      <a:pPr algn="r" fontAlgn="b"/>
+                      <a:r>
+                        <a:rPr lang="en-SI" sz="1200" b="0" i="0" u="none" strike="noStrike">
+                          <a:solidFill>
+                            <a:srgbClr val="000000"/>
+                          </a:solidFill>
+                          <a:effectLst/>
+                          <a:latin typeface="Calibri" panose="020F0502020204030204" pitchFamily="34" charset="0"/>
+                        </a:rPr>
+                        <a:t>2,6</a:t>
+                      </a:r>
+                    </a:p>
+                  </a:txBody>
+                  <a:tcPr marL="9525" marR="9525" marT="9525" marB="0" anchor="b"/>
+                </a:tc>
+                <a:extLst>
+                  <a:ext uri="{0D108BD9-81ED-4DB2-BD59-A6C34878D82A}">
+                    <a16:rowId xmlns:a16="http://schemas.microsoft.com/office/drawing/2014/main" val="141355489"/>
+                  </a:ext>
+                </a:extLst>
+              </a:tr>
+              <a:tr h="370840">
+                <a:tc>
+                  <a:txBody>
+                    <a:bodyPr/>
+                    <a:lstStyle/>
+                    <a:p>
+                      <a:pPr algn="l" fontAlgn="b"/>
+                      <a:r>
+                        <a:rPr lang="en-US" sz="1200" b="0" i="0" u="none" strike="noStrike">
+                          <a:solidFill>
+                            <a:srgbClr val="000000"/>
+                          </a:solidFill>
+                          <a:effectLst/>
+                          <a:latin typeface="Calibri" panose="020F0502020204030204" pitchFamily="34" charset="0"/>
+                        </a:rPr>
+                        <a:t>100x10000</a:t>
+                      </a:r>
+                    </a:p>
+                  </a:txBody>
+                  <a:tcPr marL="9525" marR="9525" marT="9525" marB="0" anchor="b"/>
+                </a:tc>
+                <a:tc>
+                  <a:txBody>
+                    <a:bodyPr/>
+                    <a:lstStyle/>
+                    <a:p>
+                      <a:pPr algn="r" fontAlgn="b"/>
+                      <a:r>
+                        <a:rPr lang="en-SI" sz="1200" b="0" i="0" u="none" strike="noStrike">
+                          <a:solidFill>
+                            <a:srgbClr val="000000"/>
+                          </a:solidFill>
+                          <a:effectLst/>
+                          <a:latin typeface="Calibri" panose="020F0502020204030204" pitchFamily="34" charset="0"/>
+                        </a:rPr>
+                        <a:t>210,85</a:t>
+                      </a:r>
+                    </a:p>
+                  </a:txBody>
+                  <a:tcPr marL="9525" marR="9525" marT="9525" marB="0" anchor="b"/>
+                </a:tc>
+                <a:tc>
+                  <a:txBody>
+                    <a:bodyPr/>
+                    <a:lstStyle/>
+                    <a:p>
+                      <a:pPr algn="l" fontAlgn="b"/>
+                      <a:endParaRPr lang="en-SI" sz="1200" b="0" i="0" u="none" strike="noStrike">
+                        <a:solidFill>
+                          <a:srgbClr val="000000"/>
+                        </a:solidFill>
+                        <a:effectLst/>
+                        <a:latin typeface="Calibri" panose="020F0502020204030204" pitchFamily="34" charset="0"/>
+                      </a:endParaRPr>
+                    </a:p>
+                  </a:txBody>
+                  <a:tcPr marL="9525" marR="9525" marT="9525" marB="0" anchor="b"/>
+                </a:tc>
+                <a:tc>
+                  <a:txBody>
+                    <a:bodyPr/>
+                    <a:lstStyle/>
+                    <a:p>
+                      <a:pPr algn="l" fontAlgn="b"/>
+                      <a:r>
+                        <a:rPr lang="en-US" sz="1200" b="0" i="0" u="none" strike="noStrike">
+                          <a:solidFill>
+                            <a:srgbClr val="000000"/>
+                          </a:solidFill>
+                          <a:effectLst/>
+                          <a:latin typeface="Calibri" panose="020F0502020204030204" pitchFamily="34" charset="0"/>
+                        </a:rPr>
+                        <a:t>100x10000</a:t>
+                      </a:r>
+                    </a:p>
+                  </a:txBody>
+                  <a:tcPr marL="9525" marR="9525" marT="9525" marB="0" anchor="b"/>
+                </a:tc>
+                <a:tc>
+                  <a:txBody>
+                    <a:bodyPr/>
+                    <a:lstStyle/>
+                    <a:p>
+                      <a:pPr algn="r" fontAlgn="b"/>
+                      <a:r>
+                        <a:rPr lang="en-SI" sz="1200" b="0" i="0" u="none" strike="noStrike">
+                          <a:solidFill>
+                            <a:srgbClr val="000000"/>
+                          </a:solidFill>
+                          <a:effectLst/>
+                          <a:latin typeface="Calibri" panose="020F0502020204030204" pitchFamily="34" charset="0"/>
+                        </a:rPr>
+                        <a:t>13,7</a:t>
+                      </a:r>
+                    </a:p>
+                  </a:txBody>
+                  <a:tcPr marL="9525" marR="9525" marT="9525" marB="0" anchor="b"/>
+                </a:tc>
+                <a:tc>
+                  <a:txBody>
+                    <a:bodyPr/>
+                    <a:lstStyle/>
+                    <a:p>
+                      <a:pPr algn="l" fontAlgn="b"/>
+                      <a:endParaRPr lang="en-SI" sz="1200" b="0" i="0" u="none" strike="noStrike">
+                        <a:solidFill>
+                          <a:srgbClr val="000000"/>
+                        </a:solidFill>
+                        <a:effectLst/>
+                        <a:latin typeface="Calibri" panose="020F0502020204030204" pitchFamily="34" charset="0"/>
+                      </a:endParaRPr>
+                    </a:p>
+                  </a:txBody>
+                  <a:tcPr marL="9525" marR="9525" marT="9525" marB="0" anchor="b"/>
+                </a:tc>
+                <a:tc>
+                  <a:txBody>
+                    <a:bodyPr/>
+                    <a:lstStyle/>
+                    <a:p>
+                      <a:pPr algn="l" fontAlgn="b"/>
+                      <a:r>
+                        <a:rPr lang="en-US" sz="1200" b="0" i="0" u="none" strike="noStrike">
+                          <a:solidFill>
+                            <a:srgbClr val="000000"/>
+                          </a:solidFill>
+                          <a:effectLst/>
+                          <a:latin typeface="Calibri" panose="020F0502020204030204" pitchFamily="34" charset="0"/>
+                        </a:rPr>
+                        <a:t>100x10000</a:t>
+                      </a:r>
+                    </a:p>
+                  </a:txBody>
+                  <a:tcPr marL="9525" marR="9525" marT="9525" marB="0" anchor="b"/>
+                </a:tc>
+                <a:tc>
+                  <a:txBody>
+                    <a:bodyPr/>
+                    <a:lstStyle/>
+                    <a:p>
+                      <a:pPr algn="r" fontAlgn="b"/>
+                      <a:r>
+                        <a:rPr lang="en-SI" sz="1200" b="0" i="0" u="none" strike="noStrike">
+                          <a:solidFill>
+                            <a:srgbClr val="000000"/>
+                          </a:solidFill>
+                          <a:effectLst/>
+                          <a:latin typeface="Calibri" panose="020F0502020204030204" pitchFamily="34" charset="0"/>
+                        </a:rPr>
+                        <a:t>4,59</a:t>
+                      </a:r>
+                    </a:p>
+                  </a:txBody>
+                  <a:tcPr marL="9525" marR="9525" marT="9525" marB="0" anchor="b"/>
+                </a:tc>
+                <a:tc>
+                  <a:txBody>
+                    <a:bodyPr/>
+                    <a:lstStyle/>
+                    <a:p>
+                      <a:pPr algn="l" fontAlgn="b"/>
+                      <a:endParaRPr lang="en-SI" sz="1200" b="0" i="0" u="none" strike="noStrike">
+                        <a:solidFill>
+                          <a:srgbClr val="000000"/>
+                        </a:solidFill>
+                        <a:effectLst/>
+                        <a:latin typeface="Calibri" panose="020F0502020204030204" pitchFamily="34" charset="0"/>
+                      </a:endParaRPr>
+                    </a:p>
+                  </a:txBody>
+                  <a:tcPr marL="9525" marR="9525" marT="9525" marB="0" anchor="b"/>
+                </a:tc>
+                <a:tc>
+                  <a:txBody>
+                    <a:bodyPr/>
+                    <a:lstStyle/>
+                    <a:p>
+                      <a:pPr algn="l" fontAlgn="b"/>
+                      <a:r>
+                        <a:rPr lang="en-US" sz="1200" b="0" i="0" u="none" strike="noStrike">
+                          <a:solidFill>
+                            <a:srgbClr val="000000"/>
+                          </a:solidFill>
+                          <a:effectLst/>
+                          <a:latin typeface="Calibri" panose="020F0502020204030204" pitchFamily="34" charset="0"/>
+                        </a:rPr>
+                        <a:t>100x10000</a:t>
+                      </a:r>
+                    </a:p>
+                  </a:txBody>
+                  <a:tcPr marL="9525" marR="9525" marT="9525" marB="0" anchor="b"/>
+                </a:tc>
+                <a:tc>
+                  <a:txBody>
+                    <a:bodyPr/>
+                    <a:lstStyle/>
+                    <a:p>
+                      <a:pPr algn="r" fontAlgn="b"/>
+                      <a:r>
+                        <a:rPr lang="en-SI" sz="1200" b="0" i="0" u="none" strike="noStrike">
+                          <a:solidFill>
+                            <a:srgbClr val="000000"/>
+                          </a:solidFill>
+                          <a:effectLst/>
+                          <a:latin typeface="Calibri" panose="020F0502020204030204" pitchFamily="34" charset="0"/>
+                        </a:rPr>
+                        <a:t>2,7</a:t>
+                      </a:r>
+                    </a:p>
+                  </a:txBody>
+                  <a:tcPr marL="9525" marR="9525" marT="9525" marB="0" anchor="b"/>
+                </a:tc>
+                <a:extLst>
+                  <a:ext uri="{0D108BD9-81ED-4DB2-BD59-A6C34878D82A}">
+                    <a16:rowId xmlns:a16="http://schemas.microsoft.com/office/drawing/2014/main" val="182900302"/>
+                  </a:ext>
+                </a:extLst>
+              </a:tr>
+              <a:tr h="370840">
+                <a:tc>
+                  <a:txBody>
+                    <a:bodyPr/>
+                    <a:lstStyle/>
+                    <a:p>
+                      <a:pPr algn="l" fontAlgn="b"/>
+                      <a:r>
+                        <a:rPr lang="en-US" sz="1200" b="0" i="0" u="none" strike="noStrike">
+                          <a:solidFill>
+                            <a:srgbClr val="000000"/>
+                          </a:solidFill>
+                          <a:effectLst/>
+                          <a:latin typeface="Calibri" panose="020F0502020204030204" pitchFamily="34" charset="0"/>
+                        </a:rPr>
+                        <a:t>50x20000</a:t>
+                      </a:r>
+                    </a:p>
+                  </a:txBody>
+                  <a:tcPr marL="9525" marR="9525" marT="9525" marB="0" anchor="b"/>
+                </a:tc>
+                <a:tc>
+                  <a:txBody>
+                    <a:bodyPr/>
+                    <a:lstStyle/>
+                    <a:p>
+                      <a:pPr algn="r" fontAlgn="b"/>
+                      <a:r>
+                        <a:rPr lang="en-SI" sz="1200" b="0" i="0" u="none" strike="noStrike">
+                          <a:solidFill>
+                            <a:srgbClr val="000000"/>
+                          </a:solidFill>
+                          <a:effectLst/>
+                          <a:latin typeface="Calibri" panose="020F0502020204030204" pitchFamily="34" charset="0"/>
+                        </a:rPr>
+                        <a:t>189,91</a:t>
+                      </a:r>
+                    </a:p>
+                  </a:txBody>
+                  <a:tcPr marL="9525" marR="9525" marT="9525" marB="0" anchor="b"/>
+                </a:tc>
+                <a:tc>
+                  <a:txBody>
+                    <a:bodyPr/>
+                    <a:lstStyle/>
+                    <a:p>
+                      <a:pPr algn="l" fontAlgn="b"/>
+                      <a:endParaRPr lang="en-SI" sz="1200" b="0" i="0" u="none" strike="noStrike">
+                        <a:solidFill>
+                          <a:srgbClr val="000000"/>
+                        </a:solidFill>
+                        <a:effectLst/>
+                        <a:latin typeface="Calibri" panose="020F0502020204030204" pitchFamily="34" charset="0"/>
+                      </a:endParaRPr>
+                    </a:p>
+                  </a:txBody>
+                  <a:tcPr marL="9525" marR="9525" marT="9525" marB="0" anchor="b"/>
+                </a:tc>
+                <a:tc>
+                  <a:txBody>
+                    <a:bodyPr/>
+                    <a:lstStyle/>
+                    <a:p>
+                      <a:pPr algn="l" fontAlgn="b"/>
+                      <a:r>
+                        <a:rPr lang="en-US" sz="1200" b="0" i="0" u="none" strike="noStrike">
+                          <a:solidFill>
+                            <a:srgbClr val="000000"/>
+                          </a:solidFill>
+                          <a:effectLst/>
+                          <a:latin typeface="Calibri" panose="020F0502020204030204" pitchFamily="34" charset="0"/>
+                        </a:rPr>
+                        <a:t>50x20000</a:t>
+                      </a:r>
+                    </a:p>
+                  </a:txBody>
+                  <a:tcPr marL="9525" marR="9525" marT="9525" marB="0" anchor="b"/>
+                </a:tc>
+                <a:tc>
+                  <a:txBody>
+                    <a:bodyPr/>
+                    <a:lstStyle/>
+                    <a:p>
+                      <a:pPr algn="r" fontAlgn="b"/>
+                      <a:r>
+                        <a:rPr lang="en-SI" sz="1200" b="0" i="0" u="none" strike="noStrike">
+                          <a:solidFill>
+                            <a:srgbClr val="000000"/>
+                          </a:solidFill>
+                          <a:effectLst/>
+                          <a:latin typeface="Calibri" panose="020F0502020204030204" pitchFamily="34" charset="0"/>
+                        </a:rPr>
+                        <a:t>50</a:t>
+                      </a:r>
+                    </a:p>
+                  </a:txBody>
+                  <a:tcPr marL="9525" marR="9525" marT="9525" marB="0" anchor="b"/>
+                </a:tc>
+                <a:tc>
+                  <a:txBody>
+                    <a:bodyPr/>
+                    <a:lstStyle/>
+                    <a:p>
+                      <a:pPr algn="l" fontAlgn="b"/>
+                      <a:endParaRPr lang="en-SI" sz="1200" b="0" i="0" u="none" strike="noStrike">
+                        <a:solidFill>
+                          <a:srgbClr val="000000"/>
+                        </a:solidFill>
+                        <a:effectLst/>
+                        <a:latin typeface="Calibri" panose="020F0502020204030204" pitchFamily="34" charset="0"/>
+                      </a:endParaRPr>
+                    </a:p>
+                  </a:txBody>
+                  <a:tcPr marL="9525" marR="9525" marT="9525" marB="0" anchor="b"/>
+                </a:tc>
+                <a:tc>
+                  <a:txBody>
+                    <a:bodyPr/>
+                    <a:lstStyle/>
+                    <a:p>
+                      <a:pPr algn="l" fontAlgn="b"/>
+                      <a:r>
+                        <a:rPr lang="en-US" sz="1200" b="0" i="0" u="none" strike="noStrike">
+                          <a:solidFill>
+                            <a:srgbClr val="000000"/>
+                          </a:solidFill>
+                          <a:effectLst/>
+                          <a:latin typeface="Calibri" panose="020F0502020204030204" pitchFamily="34" charset="0"/>
+                        </a:rPr>
+                        <a:t>50x20000</a:t>
+                      </a:r>
+                    </a:p>
+                  </a:txBody>
+                  <a:tcPr marL="9525" marR="9525" marT="9525" marB="0" anchor="b"/>
+                </a:tc>
+                <a:tc>
+                  <a:txBody>
+                    <a:bodyPr/>
+                    <a:lstStyle/>
+                    <a:p>
+                      <a:pPr algn="r" fontAlgn="b"/>
+                      <a:r>
+                        <a:rPr lang="en-SI" sz="1200" b="0" i="0" u="none" strike="noStrike">
+                          <a:solidFill>
+                            <a:srgbClr val="000000"/>
+                          </a:solidFill>
+                          <a:effectLst/>
+                          <a:latin typeface="Calibri" panose="020F0502020204030204" pitchFamily="34" charset="0"/>
+                        </a:rPr>
+                        <a:t>4,63</a:t>
+                      </a:r>
+                    </a:p>
+                  </a:txBody>
+                  <a:tcPr marL="9525" marR="9525" marT="9525" marB="0" anchor="b"/>
+                </a:tc>
+                <a:tc>
+                  <a:txBody>
+                    <a:bodyPr/>
+                    <a:lstStyle/>
+                    <a:p>
+                      <a:pPr algn="l" fontAlgn="b"/>
+                      <a:endParaRPr lang="en-SI" sz="1200" b="0" i="0" u="none" strike="noStrike">
+                        <a:solidFill>
+                          <a:srgbClr val="000000"/>
+                        </a:solidFill>
+                        <a:effectLst/>
+                        <a:latin typeface="Calibri" panose="020F0502020204030204" pitchFamily="34" charset="0"/>
+                      </a:endParaRPr>
+                    </a:p>
+                  </a:txBody>
+                  <a:tcPr marL="9525" marR="9525" marT="9525" marB="0" anchor="b"/>
+                </a:tc>
+                <a:tc>
+                  <a:txBody>
+                    <a:bodyPr/>
+                    <a:lstStyle/>
+                    <a:p>
+                      <a:pPr algn="l" fontAlgn="b"/>
+                      <a:r>
+                        <a:rPr lang="en-US" sz="1200" b="0" i="0" u="none" strike="noStrike">
+                          <a:solidFill>
+                            <a:srgbClr val="000000"/>
+                          </a:solidFill>
+                          <a:effectLst/>
+                          <a:latin typeface="Calibri" panose="020F0502020204030204" pitchFamily="34" charset="0"/>
+                        </a:rPr>
+                        <a:t>50x20000</a:t>
+                      </a:r>
+                    </a:p>
+                  </a:txBody>
+                  <a:tcPr marL="9525" marR="9525" marT="9525" marB="0" anchor="b"/>
+                </a:tc>
+                <a:tc>
+                  <a:txBody>
+                    <a:bodyPr/>
+                    <a:lstStyle/>
+                    <a:p>
+                      <a:pPr algn="r" fontAlgn="b"/>
+                      <a:r>
+                        <a:rPr lang="en-SI" sz="1200" b="0" i="0" u="none" strike="noStrike">
+                          <a:solidFill>
+                            <a:srgbClr val="000000"/>
+                          </a:solidFill>
+                          <a:effectLst/>
+                          <a:latin typeface="Calibri" panose="020F0502020204030204" pitchFamily="34" charset="0"/>
+                        </a:rPr>
+                        <a:t>2,81</a:t>
+                      </a:r>
+                    </a:p>
+                  </a:txBody>
+                  <a:tcPr marL="9525" marR="9525" marT="9525" marB="0" anchor="b"/>
+                </a:tc>
+                <a:extLst>
+                  <a:ext uri="{0D108BD9-81ED-4DB2-BD59-A6C34878D82A}">
+                    <a16:rowId xmlns:a16="http://schemas.microsoft.com/office/drawing/2014/main" val="2474520519"/>
+                  </a:ext>
+                </a:extLst>
+              </a:tr>
+              <a:tr h="370840">
+                <a:tc>
+                  <a:txBody>
+                    <a:bodyPr/>
+                    <a:lstStyle/>
+                    <a:p>
+                      <a:pPr algn="l" fontAlgn="b"/>
+                      <a:r>
+                        <a:rPr lang="en-US" sz="1200" b="0" i="0" u="none" strike="noStrike">
+                          <a:solidFill>
+                            <a:srgbClr val="000000"/>
+                          </a:solidFill>
+                          <a:effectLst/>
+                          <a:latin typeface="Calibri" panose="020F0502020204030204" pitchFamily="34" charset="0"/>
+                        </a:rPr>
+                        <a:t>10x100000</a:t>
+                      </a:r>
+                    </a:p>
+                  </a:txBody>
+                  <a:tcPr marL="9525" marR="9525" marT="9525" marB="0" anchor="b"/>
+                </a:tc>
+                <a:tc>
+                  <a:txBody>
+                    <a:bodyPr/>
+                    <a:lstStyle/>
+                    <a:p>
+                      <a:pPr algn="r" fontAlgn="b"/>
+                      <a:r>
+                        <a:rPr lang="en-SI" sz="1200" b="0" i="0" u="none" strike="noStrike">
+                          <a:solidFill>
+                            <a:srgbClr val="000000"/>
+                          </a:solidFill>
+                          <a:effectLst/>
+                          <a:latin typeface="Calibri" panose="020F0502020204030204" pitchFamily="34" charset="0"/>
+                        </a:rPr>
+                        <a:t>165,88</a:t>
+                      </a:r>
+                    </a:p>
+                  </a:txBody>
+                  <a:tcPr marL="9525" marR="9525" marT="9525" marB="0" anchor="b"/>
+                </a:tc>
+                <a:tc>
+                  <a:txBody>
+                    <a:bodyPr/>
+                    <a:lstStyle/>
+                    <a:p>
+                      <a:pPr algn="l" fontAlgn="b"/>
+                      <a:r>
+                        <a:rPr lang="en-SI" sz="1200" b="0" i="0" u="none" strike="noStrike">
+                          <a:solidFill>
+                            <a:srgbClr val="000000"/>
+                          </a:solidFill>
+                          <a:effectLst/>
+                          <a:latin typeface="Calibri" panose="020F0502020204030204" pitchFamily="34" charset="0"/>
+                        </a:rPr>
+                        <a:t> </a:t>
+                      </a:r>
+                    </a:p>
+                  </a:txBody>
+                  <a:tcPr marL="9525" marR="9525" marT="9525" marB="0" anchor="b"/>
+                </a:tc>
+                <a:tc>
+                  <a:txBody>
+                    <a:bodyPr/>
+                    <a:lstStyle/>
+                    <a:p>
+                      <a:pPr algn="l" fontAlgn="b"/>
+                      <a:r>
+                        <a:rPr lang="en-US" sz="1200" b="0" i="0" u="none" strike="noStrike">
+                          <a:solidFill>
+                            <a:srgbClr val="000000"/>
+                          </a:solidFill>
+                          <a:effectLst/>
+                          <a:latin typeface="Calibri" panose="020F0502020204030204" pitchFamily="34" charset="0"/>
+                        </a:rPr>
+                        <a:t>10x100000</a:t>
+                      </a:r>
+                    </a:p>
+                  </a:txBody>
+                  <a:tcPr marL="9525" marR="9525" marT="9525" marB="0" anchor="b"/>
+                </a:tc>
+                <a:tc>
+                  <a:txBody>
+                    <a:bodyPr/>
+                    <a:lstStyle/>
+                    <a:p>
+                      <a:pPr algn="r" fontAlgn="b"/>
+                      <a:r>
+                        <a:rPr lang="en-SI" sz="1200" b="0" i="0" u="none" strike="noStrike">
+                          <a:solidFill>
+                            <a:srgbClr val="000000"/>
+                          </a:solidFill>
+                          <a:effectLst/>
+                          <a:latin typeface="Calibri" panose="020F0502020204030204" pitchFamily="34" charset="0"/>
+                        </a:rPr>
+                        <a:t>40</a:t>
+                      </a:r>
+                    </a:p>
+                  </a:txBody>
+                  <a:tcPr marL="9525" marR="9525" marT="9525" marB="0" anchor="b"/>
+                </a:tc>
+                <a:tc>
+                  <a:txBody>
+                    <a:bodyPr/>
+                    <a:lstStyle/>
+                    <a:p>
+                      <a:pPr algn="l" fontAlgn="b"/>
+                      <a:r>
+                        <a:rPr lang="en-SI" sz="1200" b="0" i="0" u="none" strike="noStrike">
+                          <a:solidFill>
+                            <a:srgbClr val="000000"/>
+                          </a:solidFill>
+                          <a:effectLst/>
+                          <a:latin typeface="Calibri" panose="020F0502020204030204" pitchFamily="34" charset="0"/>
+                        </a:rPr>
+                        <a:t> </a:t>
+                      </a:r>
+                    </a:p>
+                  </a:txBody>
+                  <a:tcPr marL="9525" marR="9525" marT="9525" marB="0" anchor="b"/>
+                </a:tc>
+                <a:tc>
+                  <a:txBody>
+                    <a:bodyPr/>
+                    <a:lstStyle/>
+                    <a:p>
+                      <a:pPr algn="l" fontAlgn="b"/>
+                      <a:r>
+                        <a:rPr lang="en-US" sz="1200" b="0" i="0" u="none" strike="noStrike">
+                          <a:solidFill>
+                            <a:srgbClr val="000000"/>
+                          </a:solidFill>
+                          <a:effectLst/>
+                          <a:latin typeface="Calibri" panose="020F0502020204030204" pitchFamily="34" charset="0"/>
+                        </a:rPr>
+                        <a:t>10x100000</a:t>
+                      </a:r>
+                    </a:p>
+                  </a:txBody>
+                  <a:tcPr marL="9525" marR="9525" marT="9525" marB="0" anchor="b"/>
+                </a:tc>
+                <a:tc>
+                  <a:txBody>
+                    <a:bodyPr/>
+                    <a:lstStyle/>
+                    <a:p>
+                      <a:pPr algn="r" fontAlgn="b"/>
+                      <a:r>
+                        <a:rPr lang="en-SI" sz="1200" b="0" i="0" u="none" strike="noStrike">
+                          <a:solidFill>
+                            <a:srgbClr val="000000"/>
+                          </a:solidFill>
+                          <a:effectLst/>
+                          <a:latin typeface="Calibri" panose="020F0502020204030204" pitchFamily="34" charset="0"/>
+                        </a:rPr>
+                        <a:t>2,07</a:t>
+                      </a:r>
+                    </a:p>
+                  </a:txBody>
+                  <a:tcPr marL="9525" marR="9525" marT="9525" marB="0" anchor="b"/>
+                </a:tc>
+                <a:tc>
+                  <a:txBody>
+                    <a:bodyPr/>
+                    <a:lstStyle/>
+                    <a:p>
+                      <a:pPr algn="l" fontAlgn="b"/>
+                      <a:r>
+                        <a:rPr lang="en-SI" sz="1200" b="0" i="0" u="none" strike="noStrike">
+                          <a:solidFill>
+                            <a:srgbClr val="000000"/>
+                          </a:solidFill>
+                          <a:effectLst/>
+                          <a:latin typeface="Calibri" panose="020F0502020204030204" pitchFamily="34" charset="0"/>
+                        </a:rPr>
+                        <a:t> </a:t>
+                      </a:r>
+                    </a:p>
+                  </a:txBody>
+                  <a:tcPr marL="9525" marR="9525" marT="9525" marB="0" anchor="b"/>
+                </a:tc>
+                <a:tc>
+                  <a:txBody>
+                    <a:bodyPr/>
+                    <a:lstStyle/>
+                    <a:p>
+                      <a:pPr algn="l" fontAlgn="b"/>
+                      <a:r>
+                        <a:rPr lang="en-US" sz="1200" b="0" i="0" u="none" strike="noStrike">
+                          <a:solidFill>
+                            <a:srgbClr val="000000"/>
+                          </a:solidFill>
+                          <a:effectLst/>
+                          <a:latin typeface="Calibri" panose="020F0502020204030204" pitchFamily="34" charset="0"/>
+                        </a:rPr>
+                        <a:t>10x100000</a:t>
+                      </a:r>
+                    </a:p>
+                  </a:txBody>
+                  <a:tcPr marL="9525" marR="9525" marT="9525" marB="0" anchor="b"/>
+                </a:tc>
+                <a:tc>
+                  <a:txBody>
+                    <a:bodyPr/>
+                    <a:lstStyle/>
+                    <a:p>
+                      <a:pPr algn="r" fontAlgn="b"/>
+                      <a:r>
+                        <a:rPr lang="en-SI" sz="1200" b="0" i="0" u="none" strike="noStrike" dirty="0">
+                          <a:solidFill>
+                            <a:srgbClr val="000000"/>
+                          </a:solidFill>
+                          <a:effectLst/>
+                          <a:latin typeface="Calibri" panose="020F0502020204030204" pitchFamily="34" charset="0"/>
+                        </a:rPr>
+                        <a:t>1,72</a:t>
+                      </a:r>
+                    </a:p>
+                  </a:txBody>
+                  <a:tcPr marL="9525" marR="9525" marT="9525" marB="0" anchor="b"/>
+                </a:tc>
+                <a:extLst>
+                  <a:ext uri="{0D108BD9-81ED-4DB2-BD59-A6C34878D82A}">
+                    <a16:rowId xmlns:a16="http://schemas.microsoft.com/office/drawing/2014/main" val="547324968"/>
+                  </a:ext>
+                </a:extLst>
+              </a:tr>
+            </a:tbl>
+          </a:graphicData>
+        </a:graphic>
+      </p:graphicFrame>
       <p:sp>
         <p:nvSpPr>
           <p:cNvPr id="4" name="Slide Number Placeholder 3">
@@ -5884,36 +9811,440 @@
           </a:p>
         </p:txBody>
       </p:sp>
-      <p:sp>
-        <p:nvSpPr>
-          <p:cNvPr id="72" name="Content Placeholder 2">
+      <p:graphicFrame>
+        <p:nvGraphicFramePr>
+          <p:cNvPr id="2" name="Table 2">
             <a:extLst>
               <a:ext uri="{FF2B5EF4-FFF2-40B4-BE49-F238E27FC236}">
-                <a16:creationId xmlns:a16="http://schemas.microsoft.com/office/drawing/2014/main" id="{3938889B-1B24-4823-A135-C1B73AF074F2}"/>
+                <a16:creationId xmlns:a16="http://schemas.microsoft.com/office/drawing/2014/main" id="{1F8FB9E2-71F9-4EF4-8DD5-4BD615BFD8C7}"/>
               </a:ext>
             </a:extLst>
           </p:cNvPr>
-          <p:cNvSpPr>
-            <a:spLocks noGrp="1"/>
-          </p:cNvSpPr>
+          <p:cNvGraphicFramePr>
+            <a:graphicFrameLocks noGrp="1"/>
+          </p:cNvGraphicFramePr>
           <p:nvPr>
             <p:ph idx="1"/>
+            <p:extLst>
+              <p:ext uri="{D42A27DB-BD31-4B8C-83A1-F6EECF244321}">
+                <p14:modId xmlns:p14="http://schemas.microsoft.com/office/powerpoint/2010/main" val="2121393463"/>
+              </p:ext>
+            </p:extLst>
           </p:nvPr>
-        </p:nvSpPr>
-        <p:spPr>
-          <a:xfrm>
-            <a:off x="457200" y="1341438"/>
-            <a:ext cx="8229600" cy="4784725"/>
-          </a:xfrm>
-        </p:spPr>
-        <p:txBody>
-          <a:bodyPr/>
-          <a:lstStyle/>
-          <a:p>
-            <a:endParaRPr lang="en-US" dirty="0"/>
-          </a:p>
-        </p:txBody>
-      </p:sp>
+        </p:nvGraphicFramePr>
+        <p:xfrm>
+          <a:off x="457200" y="1341438"/>
+          <a:ext cx="8229600" cy="2595880"/>
+        </p:xfrm>
+        <a:graphic>
+          <a:graphicData uri="http://schemas.openxmlformats.org/drawingml/2006/table">
+            <a:tbl>
+              <a:tblPr firstRow="1" bandRow="1">
+                <a:tableStyleId>{5C22544A-7EE6-4342-B048-85BDC9FD1C3A}</a:tableStyleId>
+              </a:tblPr>
+              <a:tblGrid>
+                <a:gridCol w="4114800">
+                  <a:extLst>
+                    <a:ext uri="{9D8B030D-6E8A-4147-A177-3AD203B41FA5}">
+                      <a16:colId xmlns:a16="http://schemas.microsoft.com/office/drawing/2014/main" val="4106633416"/>
+                    </a:ext>
+                  </a:extLst>
+                </a:gridCol>
+                <a:gridCol w="4114800">
+                  <a:extLst>
+                    <a:ext uri="{9D8B030D-6E8A-4147-A177-3AD203B41FA5}">
+                      <a16:colId xmlns:a16="http://schemas.microsoft.com/office/drawing/2014/main" val="4194824453"/>
+                    </a:ext>
+                  </a:extLst>
+                </a:gridCol>
+              </a:tblGrid>
+              <a:tr h="370840">
+                <a:tc>
+                  <a:txBody>
+                    <a:bodyPr/>
+                    <a:lstStyle/>
+                    <a:p>
+                      <a:pPr algn="l" fontAlgn="b"/>
+                      <a:r>
+                        <a:rPr lang="en-US" sz="1200" b="0" i="0" u="none" strike="noStrike" dirty="0" err="1">
+                          <a:solidFill>
+                            <a:srgbClr val="000000"/>
+                          </a:solidFill>
+                          <a:effectLst/>
+                          <a:latin typeface="Calibri" panose="020F0502020204030204" pitchFamily="34" charset="0"/>
+                        </a:rPr>
+                        <a:t>Število</a:t>
+                      </a:r>
+                      <a:r>
+                        <a:rPr lang="en-US" sz="1200" b="0" i="0" u="none" strike="noStrike" dirty="0">
+                          <a:solidFill>
+                            <a:srgbClr val="000000"/>
+                          </a:solidFill>
+                          <a:effectLst/>
+                          <a:latin typeface="Calibri" panose="020F0502020204030204" pitchFamily="34" charset="0"/>
+                        </a:rPr>
+                        <a:t> </a:t>
+                      </a:r>
+                      <a:r>
+                        <a:rPr lang="en-US" sz="1200" b="0" i="0" u="none" strike="noStrike" dirty="0" err="1">
+                          <a:solidFill>
+                            <a:srgbClr val="000000"/>
+                          </a:solidFill>
+                          <a:effectLst/>
+                          <a:latin typeface="Calibri" panose="020F0502020204030204" pitchFamily="34" charset="0"/>
+                        </a:rPr>
+                        <a:t>niti</a:t>
+                      </a:r>
+                      <a:endParaRPr lang="en-US" sz="1200" b="0" i="0" u="none" strike="noStrike" dirty="0">
+                        <a:solidFill>
+                          <a:srgbClr val="000000"/>
+                        </a:solidFill>
+                        <a:effectLst/>
+                        <a:latin typeface="Calibri" panose="020F0502020204030204" pitchFamily="34" charset="0"/>
+                      </a:endParaRPr>
+                    </a:p>
+                  </a:txBody>
+                  <a:tcPr marL="9525" marR="9525" marT="9525" marB="0" anchor="b"/>
+                </a:tc>
+                <a:tc>
+                  <a:txBody>
+                    <a:bodyPr/>
+                    <a:lstStyle/>
+                    <a:p>
+                      <a:pPr algn="l" fontAlgn="b"/>
+                      <a:r>
+                        <a:rPr lang="en-US" sz="1200" b="0" i="0" u="none" strike="noStrike" dirty="0" err="1">
+                          <a:solidFill>
+                            <a:srgbClr val="000000"/>
+                          </a:solidFill>
+                          <a:effectLst/>
+                          <a:latin typeface="Calibri" panose="020F0502020204030204" pitchFamily="34" charset="0"/>
+                        </a:rPr>
+                        <a:t>Čas</a:t>
+                      </a:r>
+                      <a:r>
+                        <a:rPr lang="en-US" sz="1200" b="0" i="0" u="none" strike="noStrike" dirty="0">
+                          <a:solidFill>
+                            <a:srgbClr val="000000"/>
+                          </a:solidFill>
+                          <a:effectLst/>
+                          <a:latin typeface="Calibri" panose="020F0502020204030204" pitchFamily="34" charset="0"/>
+                        </a:rPr>
+                        <a:t> </a:t>
+                      </a:r>
+                      <a:r>
+                        <a:rPr lang="en-US" sz="1200" b="0" i="0" u="none" strike="noStrike" dirty="0" err="1">
+                          <a:solidFill>
+                            <a:srgbClr val="000000"/>
+                          </a:solidFill>
+                          <a:effectLst/>
+                          <a:latin typeface="Calibri" panose="020F0502020204030204" pitchFamily="34" charset="0"/>
+                        </a:rPr>
+                        <a:t>izvajanja</a:t>
+                      </a:r>
+                      <a:endParaRPr lang="en-US" sz="1200" b="0" i="0" u="none" strike="noStrike" dirty="0">
+                        <a:solidFill>
+                          <a:srgbClr val="000000"/>
+                        </a:solidFill>
+                        <a:effectLst/>
+                        <a:latin typeface="Calibri" panose="020F0502020204030204" pitchFamily="34" charset="0"/>
+                      </a:endParaRPr>
+                    </a:p>
+                  </a:txBody>
+                  <a:tcPr marL="9525" marR="9525" marT="9525" marB="0" anchor="b"/>
+                </a:tc>
+                <a:extLst>
+                  <a:ext uri="{0D108BD9-81ED-4DB2-BD59-A6C34878D82A}">
+                    <a16:rowId xmlns:a16="http://schemas.microsoft.com/office/drawing/2014/main" val="2960940057"/>
+                  </a:ext>
+                </a:extLst>
+              </a:tr>
+              <a:tr h="370840">
+                <a:tc>
+                  <a:txBody>
+                    <a:bodyPr/>
+                    <a:lstStyle/>
+                    <a:p>
+                      <a:pPr algn="r" fontAlgn="b"/>
+                      <a:r>
+                        <a:rPr lang="en-SI" sz="1200" b="0" i="0" u="none" strike="noStrike">
+                          <a:solidFill>
+                            <a:srgbClr val="000000"/>
+                          </a:solidFill>
+                          <a:effectLst/>
+                          <a:latin typeface="Calibri" panose="020F0502020204030204" pitchFamily="34" charset="0"/>
+                        </a:rPr>
+                        <a:t>1</a:t>
+                      </a:r>
+                    </a:p>
+                  </a:txBody>
+                  <a:tcPr marL="9525" marR="9525" marT="9525" marB="0" anchor="b"/>
+                </a:tc>
+                <a:tc>
+                  <a:txBody>
+                    <a:bodyPr/>
+                    <a:lstStyle/>
+                    <a:p>
+                      <a:pPr algn="r" fontAlgn="b"/>
+                      <a:r>
+                        <a:rPr lang="en-SI" sz="1200" b="0" i="0" u="none" strike="noStrike">
+                          <a:solidFill>
+                            <a:srgbClr val="000000"/>
+                          </a:solidFill>
+                          <a:effectLst/>
+                          <a:latin typeface="Calibri" panose="020F0502020204030204" pitchFamily="34" charset="0"/>
+                        </a:rPr>
+                        <a:t>282</a:t>
+                      </a:r>
+                    </a:p>
+                  </a:txBody>
+                  <a:tcPr marL="9525" marR="9525" marT="9525" marB="0" anchor="b"/>
+                </a:tc>
+                <a:extLst>
+                  <a:ext uri="{0D108BD9-81ED-4DB2-BD59-A6C34878D82A}">
+                    <a16:rowId xmlns:a16="http://schemas.microsoft.com/office/drawing/2014/main" val="1409404973"/>
+                  </a:ext>
+                </a:extLst>
+              </a:tr>
+              <a:tr h="370840">
+                <a:tc>
+                  <a:txBody>
+                    <a:bodyPr/>
+                    <a:lstStyle/>
+                    <a:p>
+                      <a:pPr algn="r" fontAlgn="b"/>
+                      <a:r>
+                        <a:rPr lang="en-SI" sz="1200" b="0" i="0" u="none" strike="noStrike">
+                          <a:solidFill>
+                            <a:srgbClr val="000000"/>
+                          </a:solidFill>
+                          <a:effectLst/>
+                          <a:latin typeface="Calibri" panose="020F0502020204030204" pitchFamily="34" charset="0"/>
+                        </a:rPr>
+                        <a:t>2</a:t>
+                      </a:r>
+                    </a:p>
+                  </a:txBody>
+                  <a:tcPr marL="9525" marR="9525" marT="9525" marB="0" anchor="b"/>
+                </a:tc>
+                <a:tc>
+                  <a:txBody>
+                    <a:bodyPr/>
+                    <a:lstStyle/>
+                    <a:p>
+                      <a:pPr algn="r" fontAlgn="b"/>
+                      <a:r>
+                        <a:rPr lang="en-SI" sz="1200" b="0" i="0" u="none" strike="noStrike">
+                          <a:solidFill>
+                            <a:srgbClr val="000000"/>
+                          </a:solidFill>
+                          <a:effectLst/>
+                          <a:latin typeface="Calibri" panose="020F0502020204030204" pitchFamily="34" charset="0"/>
+                        </a:rPr>
+                        <a:t>152</a:t>
+                      </a:r>
+                    </a:p>
+                  </a:txBody>
+                  <a:tcPr marL="9525" marR="9525" marT="9525" marB="0" anchor="b"/>
+                </a:tc>
+                <a:extLst>
+                  <a:ext uri="{0D108BD9-81ED-4DB2-BD59-A6C34878D82A}">
+                    <a16:rowId xmlns:a16="http://schemas.microsoft.com/office/drawing/2014/main" val="2351488750"/>
+                  </a:ext>
+                </a:extLst>
+              </a:tr>
+              <a:tr h="370840">
+                <a:tc>
+                  <a:txBody>
+                    <a:bodyPr/>
+                    <a:lstStyle/>
+                    <a:p>
+                      <a:pPr algn="r" fontAlgn="b"/>
+                      <a:r>
+                        <a:rPr lang="en-SI" sz="1200" b="0" i="0" u="none" strike="noStrike">
+                          <a:solidFill>
+                            <a:srgbClr val="000000"/>
+                          </a:solidFill>
+                          <a:effectLst/>
+                          <a:latin typeface="Calibri" panose="020F0502020204030204" pitchFamily="34" charset="0"/>
+                        </a:rPr>
+                        <a:t>4</a:t>
+                      </a:r>
+                    </a:p>
+                  </a:txBody>
+                  <a:tcPr marL="9525" marR="9525" marT="9525" marB="0" anchor="b"/>
+                </a:tc>
+                <a:tc>
+                  <a:txBody>
+                    <a:bodyPr/>
+                    <a:lstStyle/>
+                    <a:p>
+                      <a:pPr algn="r" fontAlgn="b"/>
+                      <a:r>
+                        <a:rPr lang="en-SI" sz="1200" b="0" i="0" u="none" strike="noStrike">
+                          <a:solidFill>
+                            <a:srgbClr val="000000"/>
+                          </a:solidFill>
+                          <a:effectLst/>
+                          <a:latin typeface="Calibri" panose="020F0502020204030204" pitchFamily="34" charset="0"/>
+                        </a:rPr>
+                        <a:t>81</a:t>
+                      </a:r>
+                    </a:p>
+                  </a:txBody>
+                  <a:tcPr marL="9525" marR="9525" marT="9525" marB="0" anchor="b"/>
+                </a:tc>
+                <a:extLst>
+                  <a:ext uri="{0D108BD9-81ED-4DB2-BD59-A6C34878D82A}">
+                    <a16:rowId xmlns:a16="http://schemas.microsoft.com/office/drawing/2014/main" val="4134101373"/>
+                  </a:ext>
+                </a:extLst>
+              </a:tr>
+              <a:tr h="370840">
+                <a:tc>
+                  <a:txBody>
+                    <a:bodyPr/>
+                    <a:lstStyle/>
+                    <a:p>
+                      <a:pPr algn="r" fontAlgn="b"/>
+                      <a:r>
+                        <a:rPr lang="en-SI" sz="1200" b="0" i="0" u="none" strike="noStrike">
+                          <a:solidFill>
+                            <a:srgbClr val="000000"/>
+                          </a:solidFill>
+                          <a:effectLst/>
+                          <a:latin typeface="Calibri" panose="020F0502020204030204" pitchFamily="34" charset="0"/>
+                        </a:rPr>
+                        <a:t>8</a:t>
+                      </a:r>
+                    </a:p>
+                  </a:txBody>
+                  <a:tcPr marL="9525" marR="9525" marT="9525" marB="0" anchor="b"/>
+                </a:tc>
+                <a:tc>
+                  <a:txBody>
+                    <a:bodyPr/>
+                    <a:lstStyle/>
+                    <a:p>
+                      <a:pPr algn="r" fontAlgn="b"/>
+                      <a:r>
+                        <a:rPr lang="en-SI" sz="1200" b="0" i="0" u="none" strike="noStrike">
+                          <a:solidFill>
+                            <a:srgbClr val="000000"/>
+                          </a:solidFill>
+                          <a:effectLst/>
+                          <a:latin typeface="Calibri" panose="020F0502020204030204" pitchFamily="34" charset="0"/>
+                        </a:rPr>
+                        <a:t>39</a:t>
+                      </a:r>
+                    </a:p>
+                  </a:txBody>
+                  <a:tcPr marL="9525" marR="9525" marT="9525" marB="0" anchor="b"/>
+                </a:tc>
+                <a:extLst>
+                  <a:ext uri="{0D108BD9-81ED-4DB2-BD59-A6C34878D82A}">
+                    <a16:rowId xmlns:a16="http://schemas.microsoft.com/office/drawing/2014/main" val="1896647814"/>
+                  </a:ext>
+                </a:extLst>
+              </a:tr>
+              <a:tr h="370840">
+                <a:tc>
+                  <a:txBody>
+                    <a:bodyPr/>
+                    <a:lstStyle/>
+                    <a:p>
+                      <a:pPr algn="r" fontAlgn="b"/>
+                      <a:r>
+                        <a:rPr lang="en-SI" sz="1200" b="0" i="0" u="none" strike="noStrike">
+                          <a:solidFill>
+                            <a:srgbClr val="000000"/>
+                          </a:solidFill>
+                          <a:effectLst/>
+                          <a:latin typeface="Calibri" panose="020F0502020204030204" pitchFamily="34" charset="0"/>
+                        </a:rPr>
+                        <a:t>16</a:t>
+                      </a:r>
+                    </a:p>
+                  </a:txBody>
+                  <a:tcPr marL="9525" marR="9525" marT="9525" marB="0" anchor="b"/>
+                </a:tc>
+                <a:tc>
+                  <a:txBody>
+                    <a:bodyPr/>
+                    <a:lstStyle/>
+                    <a:p>
+                      <a:pPr algn="r" fontAlgn="b"/>
+                      <a:r>
+                        <a:rPr lang="en-SI" sz="1200" b="0" i="0" u="none" strike="noStrike">
+                          <a:solidFill>
+                            <a:srgbClr val="000000"/>
+                          </a:solidFill>
+                          <a:effectLst/>
+                          <a:latin typeface="Calibri" panose="020F0502020204030204" pitchFamily="34" charset="0"/>
+                        </a:rPr>
+                        <a:t>20,5</a:t>
+                      </a:r>
+                    </a:p>
+                  </a:txBody>
+                  <a:tcPr marL="9525" marR="9525" marT="9525" marB="0" anchor="b"/>
+                </a:tc>
+                <a:extLst>
+                  <a:ext uri="{0D108BD9-81ED-4DB2-BD59-A6C34878D82A}">
+                    <a16:rowId xmlns:a16="http://schemas.microsoft.com/office/drawing/2014/main" val="3333246597"/>
+                  </a:ext>
+                </a:extLst>
+              </a:tr>
+              <a:tr h="370840">
+                <a:tc>
+                  <a:txBody>
+                    <a:bodyPr/>
+                    <a:lstStyle/>
+                    <a:p>
+                      <a:pPr algn="r" fontAlgn="b"/>
+                      <a:r>
+                        <a:rPr lang="en-SI" sz="1200" b="0" i="0" u="none" strike="noStrike">
+                          <a:solidFill>
+                            <a:srgbClr val="000000"/>
+                          </a:solidFill>
+                          <a:effectLst/>
+                          <a:latin typeface="Calibri" panose="020F0502020204030204" pitchFamily="34" charset="0"/>
+                        </a:rPr>
+                        <a:t>32</a:t>
+                      </a:r>
+                    </a:p>
+                  </a:txBody>
+                  <a:tcPr marL="9525" marR="9525" marT="9525" marB="0" anchor="b"/>
+                </a:tc>
+                <a:tc>
+                  <a:txBody>
+                    <a:bodyPr/>
+                    <a:lstStyle/>
+                    <a:p>
+                      <a:pPr algn="r" fontAlgn="b"/>
+                      <a:r>
+                        <a:rPr lang="en-SI" sz="1200" b="0" i="0" u="none" strike="noStrike" dirty="0">
+                          <a:solidFill>
+                            <a:srgbClr val="000000"/>
+                          </a:solidFill>
+                          <a:effectLst/>
+                          <a:latin typeface="Calibri" panose="020F0502020204030204" pitchFamily="34" charset="0"/>
+                        </a:rPr>
+                        <a:t>10,7</a:t>
+                      </a:r>
+                    </a:p>
+                  </a:txBody>
+                  <a:tcPr marL="9525" marR="9525" marT="9525" marB="0" anchor="b"/>
+                </a:tc>
+                <a:extLst>
+                  <a:ext uri="{0D108BD9-81ED-4DB2-BD59-A6C34878D82A}">
+                    <a16:rowId xmlns:a16="http://schemas.microsoft.com/office/drawing/2014/main" val="2237375677"/>
+                  </a:ext>
+                </a:extLst>
+              </a:tr>
+            </a:tbl>
+          </a:graphicData>
+        </a:graphic>
+      </p:graphicFrame>
       <p:sp>
         <p:nvSpPr>
           <p:cNvPr id="4" name="Slide Number Placeholder 3">
@@ -6192,36 +10523,1091 @@
           </a:p>
         </p:txBody>
       </p:sp>
-      <p:sp>
-        <p:nvSpPr>
-          <p:cNvPr id="72" name="Content Placeholder 2">
+      <p:graphicFrame>
+        <p:nvGraphicFramePr>
+          <p:cNvPr id="2" name="Table 2">
             <a:extLst>
               <a:ext uri="{FF2B5EF4-FFF2-40B4-BE49-F238E27FC236}">
-                <a16:creationId xmlns:a16="http://schemas.microsoft.com/office/drawing/2014/main" id="{3938889B-1B24-4823-A135-C1B73AF074F2}"/>
+                <a16:creationId xmlns:a16="http://schemas.microsoft.com/office/drawing/2014/main" id="{6A7B2419-6292-4E06-AF8B-823F3D8823CE}"/>
               </a:ext>
             </a:extLst>
           </p:cNvPr>
-          <p:cNvSpPr>
-            <a:spLocks noGrp="1"/>
-          </p:cNvSpPr>
+          <p:cNvGraphicFramePr>
+            <a:graphicFrameLocks noGrp="1"/>
+          </p:cNvGraphicFramePr>
           <p:nvPr>
             <p:ph idx="1"/>
+            <p:extLst>
+              <p:ext uri="{D42A27DB-BD31-4B8C-83A1-F6EECF244321}">
+                <p14:modId xmlns:p14="http://schemas.microsoft.com/office/powerpoint/2010/main" val="1739708710"/>
+              </p:ext>
+            </p:extLst>
           </p:nvPr>
-        </p:nvSpPr>
-        <p:spPr>
-          <a:xfrm>
-            <a:off x="457200" y="1341438"/>
-            <a:ext cx="8229600" cy="4784725"/>
-          </a:xfrm>
-        </p:spPr>
-        <p:txBody>
-          <a:bodyPr/>
-          <a:lstStyle/>
-          <a:p>
-            <a:endParaRPr lang="en-US" dirty="0"/>
-          </a:p>
-        </p:txBody>
-      </p:sp>
+        </p:nvGraphicFramePr>
+        <p:xfrm>
+          <a:off x="457200" y="1341438"/>
+          <a:ext cx="8229600" cy="3337560"/>
+        </p:xfrm>
+        <a:graphic>
+          <a:graphicData uri="http://schemas.openxmlformats.org/drawingml/2006/table">
+            <a:tbl>
+              <a:tblPr firstRow="1" bandRow="1">
+                <a:tableStyleId>{5C22544A-7EE6-4342-B048-85BDC9FD1C3A}</a:tableStyleId>
+              </a:tblPr>
+              <a:tblGrid>
+                <a:gridCol w="1645920">
+                  <a:extLst>
+                    <a:ext uri="{9D8B030D-6E8A-4147-A177-3AD203B41FA5}">
+                      <a16:colId xmlns:a16="http://schemas.microsoft.com/office/drawing/2014/main" val="928358608"/>
+                    </a:ext>
+                  </a:extLst>
+                </a:gridCol>
+                <a:gridCol w="1645920">
+                  <a:extLst>
+                    <a:ext uri="{9D8B030D-6E8A-4147-A177-3AD203B41FA5}">
+                      <a16:colId xmlns:a16="http://schemas.microsoft.com/office/drawing/2014/main" val="3719093241"/>
+                    </a:ext>
+                  </a:extLst>
+                </a:gridCol>
+                <a:gridCol w="1645920">
+                  <a:extLst>
+                    <a:ext uri="{9D8B030D-6E8A-4147-A177-3AD203B41FA5}">
+                      <a16:colId xmlns:a16="http://schemas.microsoft.com/office/drawing/2014/main" val="2510809680"/>
+                    </a:ext>
+                  </a:extLst>
+                </a:gridCol>
+                <a:gridCol w="1645920">
+                  <a:extLst>
+                    <a:ext uri="{9D8B030D-6E8A-4147-A177-3AD203B41FA5}">
+                      <a16:colId xmlns:a16="http://schemas.microsoft.com/office/drawing/2014/main" val="2074096581"/>
+                    </a:ext>
+                  </a:extLst>
+                </a:gridCol>
+                <a:gridCol w="1645920">
+                  <a:extLst>
+                    <a:ext uri="{9D8B030D-6E8A-4147-A177-3AD203B41FA5}">
+                      <a16:colId xmlns:a16="http://schemas.microsoft.com/office/drawing/2014/main" val="2107274931"/>
+                    </a:ext>
+                  </a:extLst>
+                </a:gridCol>
+              </a:tblGrid>
+              <a:tr h="370840">
+                <a:tc>
+                  <a:txBody>
+                    <a:bodyPr/>
+                    <a:lstStyle/>
+                    <a:p>
+                      <a:pPr algn="l" fontAlgn="b"/>
+                      <a:r>
+                        <a:rPr lang="en-US" sz="1200" b="0" i="0" u="none" strike="noStrike" dirty="0">
+                          <a:solidFill>
+                            <a:srgbClr val="000000"/>
+                          </a:solidFill>
+                          <a:effectLst/>
+                          <a:latin typeface="Calibri" panose="020F0502020204030204" pitchFamily="34" charset="0"/>
+                        </a:rPr>
+                        <a:t>1 </a:t>
+                      </a:r>
+                      <a:r>
+                        <a:rPr lang="en-US" sz="1200" b="0" i="0" u="none" strike="noStrike" dirty="0" err="1">
+                          <a:solidFill>
+                            <a:srgbClr val="000000"/>
+                          </a:solidFill>
+                          <a:effectLst/>
+                          <a:latin typeface="Calibri" panose="020F0502020204030204" pitchFamily="34" charset="0"/>
+                        </a:rPr>
+                        <a:t>vozlišče</a:t>
+                      </a:r>
+                      <a:endParaRPr lang="en-US" sz="1200" b="0" i="0" u="none" strike="noStrike" dirty="0">
+                        <a:solidFill>
+                          <a:srgbClr val="000000"/>
+                        </a:solidFill>
+                        <a:effectLst/>
+                        <a:latin typeface="Calibri" panose="020F0502020204030204" pitchFamily="34" charset="0"/>
+                      </a:endParaRPr>
+                    </a:p>
+                  </a:txBody>
+                  <a:tcPr marL="9525" marR="9525" marT="9525" marB="0" anchor="b"/>
+                </a:tc>
+                <a:tc>
+                  <a:txBody>
+                    <a:bodyPr/>
+                    <a:lstStyle/>
+                    <a:p>
+                      <a:pPr algn="l" fontAlgn="b"/>
+                      <a:r>
+                        <a:rPr lang="en-SI" sz="1200" b="0" i="0" u="none" strike="noStrike">
+                          <a:solidFill>
+                            <a:srgbClr val="000000"/>
+                          </a:solidFill>
+                          <a:effectLst/>
+                          <a:latin typeface="Calibri" panose="020F0502020204030204" pitchFamily="34" charset="0"/>
+                        </a:rPr>
+                        <a:t> </a:t>
+                      </a:r>
+                    </a:p>
+                  </a:txBody>
+                  <a:tcPr marL="9525" marR="9525" marT="9525" marB="0" anchor="b"/>
+                </a:tc>
+                <a:tc>
+                  <a:txBody>
+                    <a:bodyPr/>
+                    <a:lstStyle/>
+                    <a:p>
+                      <a:pPr algn="l" fontAlgn="b"/>
+                      <a:r>
+                        <a:rPr lang="en-SI" sz="1200" b="0" i="0" u="none" strike="noStrike">
+                          <a:solidFill>
+                            <a:srgbClr val="000000"/>
+                          </a:solidFill>
+                          <a:effectLst/>
+                          <a:latin typeface="Calibri" panose="020F0502020204030204" pitchFamily="34" charset="0"/>
+                        </a:rPr>
+                        <a:t> </a:t>
+                      </a:r>
+                    </a:p>
+                  </a:txBody>
+                  <a:tcPr marL="9525" marR="9525" marT="9525" marB="0" anchor="b"/>
+                </a:tc>
+                <a:tc>
+                  <a:txBody>
+                    <a:bodyPr/>
+                    <a:lstStyle/>
+                    <a:p>
+                      <a:pPr algn="l" fontAlgn="b"/>
+                      <a:r>
+                        <a:rPr lang="en-US" sz="1200" b="0" i="0" u="none" strike="noStrike">
+                          <a:solidFill>
+                            <a:srgbClr val="000000"/>
+                          </a:solidFill>
+                          <a:effectLst/>
+                          <a:latin typeface="Calibri" panose="020F0502020204030204" pitchFamily="34" charset="0"/>
+                        </a:rPr>
+                        <a:t>2 vozlišči</a:t>
+                      </a:r>
+                    </a:p>
+                  </a:txBody>
+                  <a:tcPr marL="9525" marR="9525" marT="9525" marB="0" anchor="b"/>
+                </a:tc>
+                <a:tc>
+                  <a:txBody>
+                    <a:bodyPr/>
+                    <a:lstStyle/>
+                    <a:p>
+                      <a:pPr algn="l" fontAlgn="b"/>
+                      <a:r>
+                        <a:rPr lang="en-SI" sz="1200" b="0" i="0" u="none" strike="noStrike">
+                          <a:solidFill>
+                            <a:srgbClr val="000000"/>
+                          </a:solidFill>
+                          <a:effectLst/>
+                          <a:latin typeface="Calibri" panose="020F0502020204030204" pitchFamily="34" charset="0"/>
+                        </a:rPr>
+                        <a:t> </a:t>
+                      </a:r>
+                    </a:p>
+                  </a:txBody>
+                  <a:tcPr marL="9525" marR="9525" marT="9525" marB="0" anchor="b"/>
+                </a:tc>
+                <a:extLst>
+                  <a:ext uri="{0D108BD9-81ED-4DB2-BD59-A6C34878D82A}">
+                    <a16:rowId xmlns:a16="http://schemas.microsoft.com/office/drawing/2014/main" val="691281019"/>
+                  </a:ext>
+                </a:extLst>
+              </a:tr>
+              <a:tr h="370840">
+                <a:tc>
+                  <a:txBody>
+                    <a:bodyPr/>
+                    <a:lstStyle/>
+                    <a:p>
+                      <a:pPr algn="l" fontAlgn="b"/>
+                      <a:r>
+                        <a:rPr lang="en-US" sz="1200" b="0" i="0" u="none" strike="noStrike" dirty="0" err="1">
+                          <a:solidFill>
+                            <a:srgbClr val="000000"/>
+                          </a:solidFill>
+                          <a:effectLst/>
+                          <a:latin typeface="Calibri" panose="020F0502020204030204" pitchFamily="34" charset="0"/>
+                        </a:rPr>
+                        <a:t>Število</a:t>
+                      </a:r>
+                      <a:r>
+                        <a:rPr lang="en-US" sz="1200" b="0" i="0" u="none" strike="noStrike" dirty="0">
+                          <a:solidFill>
+                            <a:srgbClr val="000000"/>
+                          </a:solidFill>
+                          <a:effectLst/>
+                          <a:latin typeface="Calibri" panose="020F0502020204030204" pitchFamily="34" charset="0"/>
+                        </a:rPr>
+                        <a:t> </a:t>
+                      </a:r>
+                      <a:r>
+                        <a:rPr lang="en-US" sz="1200" b="0" i="0" u="none" strike="noStrike" dirty="0" err="1">
+                          <a:solidFill>
+                            <a:srgbClr val="000000"/>
+                          </a:solidFill>
+                          <a:effectLst/>
+                          <a:latin typeface="Calibri" panose="020F0502020204030204" pitchFamily="34" charset="0"/>
+                        </a:rPr>
+                        <a:t>niti</a:t>
+                      </a:r>
+                      <a:endParaRPr lang="en-US" sz="1200" b="0" i="0" u="none" strike="noStrike" dirty="0">
+                        <a:solidFill>
+                          <a:srgbClr val="000000"/>
+                        </a:solidFill>
+                        <a:effectLst/>
+                        <a:latin typeface="Calibri" panose="020F0502020204030204" pitchFamily="34" charset="0"/>
+                      </a:endParaRPr>
+                    </a:p>
+                  </a:txBody>
+                  <a:tcPr marL="9525" marR="9525" marT="9525" marB="0" anchor="b"/>
+                </a:tc>
+                <a:tc>
+                  <a:txBody>
+                    <a:bodyPr/>
+                    <a:lstStyle/>
+                    <a:p>
+                      <a:pPr algn="l" fontAlgn="b"/>
+                      <a:r>
+                        <a:rPr lang="en-US" sz="1200" b="0" i="0" u="none" strike="noStrike">
+                          <a:solidFill>
+                            <a:srgbClr val="000000"/>
+                          </a:solidFill>
+                          <a:effectLst/>
+                          <a:latin typeface="Calibri" panose="020F0502020204030204" pitchFamily="34" charset="0"/>
+                        </a:rPr>
+                        <a:t>čas izvajanja</a:t>
+                      </a:r>
+                    </a:p>
+                  </a:txBody>
+                  <a:tcPr marL="9525" marR="9525" marT="9525" marB="0" anchor="b"/>
+                </a:tc>
+                <a:tc>
+                  <a:txBody>
+                    <a:bodyPr/>
+                    <a:lstStyle/>
+                    <a:p>
+                      <a:pPr algn="l" fontAlgn="b"/>
+                      <a:endParaRPr lang="en-SI" sz="1200" b="0" i="0" u="none" strike="noStrike">
+                        <a:solidFill>
+                          <a:srgbClr val="000000"/>
+                        </a:solidFill>
+                        <a:effectLst/>
+                        <a:latin typeface="Calibri" panose="020F0502020204030204" pitchFamily="34" charset="0"/>
+                      </a:endParaRPr>
+                    </a:p>
+                  </a:txBody>
+                  <a:tcPr marL="9525" marR="9525" marT="9525" marB="0" anchor="b"/>
+                </a:tc>
+                <a:tc>
+                  <a:txBody>
+                    <a:bodyPr/>
+                    <a:lstStyle/>
+                    <a:p>
+                      <a:pPr algn="l" fontAlgn="b"/>
+                      <a:r>
+                        <a:rPr lang="en-US" sz="1200" b="0" i="0" u="none" strike="noStrike" dirty="0" err="1">
+                          <a:solidFill>
+                            <a:srgbClr val="000000"/>
+                          </a:solidFill>
+                          <a:effectLst/>
+                          <a:latin typeface="Calibri" panose="020F0502020204030204" pitchFamily="34" charset="0"/>
+                        </a:rPr>
+                        <a:t>Število</a:t>
+                      </a:r>
+                      <a:r>
+                        <a:rPr lang="en-US" sz="1200" b="0" i="0" u="none" strike="noStrike" dirty="0">
+                          <a:solidFill>
+                            <a:srgbClr val="000000"/>
+                          </a:solidFill>
+                          <a:effectLst/>
+                          <a:latin typeface="Calibri" panose="020F0502020204030204" pitchFamily="34" charset="0"/>
+                        </a:rPr>
+                        <a:t> </a:t>
+                      </a:r>
+                      <a:r>
+                        <a:rPr lang="en-US" sz="1200" b="0" i="0" u="none" strike="noStrike" dirty="0" err="1">
+                          <a:solidFill>
+                            <a:srgbClr val="000000"/>
+                          </a:solidFill>
+                          <a:effectLst/>
+                          <a:latin typeface="Calibri" panose="020F0502020204030204" pitchFamily="34" charset="0"/>
+                        </a:rPr>
+                        <a:t>niti</a:t>
+                      </a:r>
+                      <a:endParaRPr lang="en-US" sz="1200" b="0" i="0" u="none" strike="noStrike" dirty="0">
+                        <a:solidFill>
+                          <a:srgbClr val="000000"/>
+                        </a:solidFill>
+                        <a:effectLst/>
+                        <a:latin typeface="Calibri" panose="020F0502020204030204" pitchFamily="34" charset="0"/>
+                      </a:endParaRPr>
+                    </a:p>
+                  </a:txBody>
+                  <a:tcPr marL="9525" marR="9525" marT="9525" marB="0" anchor="b"/>
+                </a:tc>
+                <a:tc>
+                  <a:txBody>
+                    <a:bodyPr/>
+                    <a:lstStyle/>
+                    <a:p>
+                      <a:pPr algn="l" fontAlgn="b"/>
+                      <a:r>
+                        <a:rPr lang="en-US" sz="1200" b="0" i="0" u="none" strike="noStrike">
+                          <a:solidFill>
+                            <a:srgbClr val="000000"/>
+                          </a:solidFill>
+                          <a:effectLst/>
+                          <a:latin typeface="Calibri" panose="020F0502020204030204" pitchFamily="34" charset="0"/>
+                        </a:rPr>
+                        <a:t>čas izvajanja</a:t>
+                      </a:r>
+                    </a:p>
+                  </a:txBody>
+                  <a:tcPr marL="9525" marR="9525" marT="9525" marB="0" anchor="b"/>
+                </a:tc>
+                <a:extLst>
+                  <a:ext uri="{0D108BD9-81ED-4DB2-BD59-A6C34878D82A}">
+                    <a16:rowId xmlns:a16="http://schemas.microsoft.com/office/drawing/2014/main" val="1000640007"/>
+                  </a:ext>
+                </a:extLst>
+              </a:tr>
+              <a:tr h="370840">
+                <a:tc>
+                  <a:txBody>
+                    <a:bodyPr/>
+                    <a:lstStyle/>
+                    <a:p>
+                      <a:pPr algn="r" fontAlgn="b"/>
+                      <a:r>
+                        <a:rPr lang="en-SI" sz="1200" b="0" i="0" u="none" strike="noStrike">
+                          <a:solidFill>
+                            <a:srgbClr val="000000"/>
+                          </a:solidFill>
+                          <a:effectLst/>
+                          <a:latin typeface="Calibri" panose="020F0502020204030204" pitchFamily="34" charset="0"/>
+                        </a:rPr>
+                        <a:t>1</a:t>
+                      </a:r>
+                    </a:p>
+                  </a:txBody>
+                  <a:tcPr marL="9525" marR="9525" marT="9525" marB="0" anchor="b"/>
+                </a:tc>
+                <a:tc>
+                  <a:txBody>
+                    <a:bodyPr/>
+                    <a:lstStyle/>
+                    <a:p>
+                      <a:pPr algn="r" fontAlgn="b"/>
+                      <a:r>
+                        <a:rPr lang="en-SI" sz="1200" b="0" i="0" u="none" strike="noStrike">
+                          <a:solidFill>
+                            <a:srgbClr val="000000"/>
+                          </a:solidFill>
+                          <a:effectLst/>
+                          <a:latin typeface="Calibri" panose="020F0502020204030204" pitchFamily="34" charset="0"/>
+                        </a:rPr>
+                        <a:t>58</a:t>
+                      </a:r>
+                    </a:p>
+                  </a:txBody>
+                  <a:tcPr marL="9525" marR="9525" marT="9525" marB="0" anchor="b"/>
+                </a:tc>
+                <a:tc>
+                  <a:txBody>
+                    <a:bodyPr/>
+                    <a:lstStyle/>
+                    <a:p>
+                      <a:pPr algn="l" fontAlgn="b"/>
+                      <a:endParaRPr lang="en-SI" sz="1200" b="0" i="0" u="none" strike="noStrike">
+                        <a:solidFill>
+                          <a:srgbClr val="000000"/>
+                        </a:solidFill>
+                        <a:effectLst/>
+                        <a:latin typeface="Calibri" panose="020F0502020204030204" pitchFamily="34" charset="0"/>
+                      </a:endParaRPr>
+                    </a:p>
+                  </a:txBody>
+                  <a:tcPr marL="9525" marR="9525" marT="9525" marB="0" anchor="b"/>
+                </a:tc>
+                <a:tc>
+                  <a:txBody>
+                    <a:bodyPr/>
+                    <a:lstStyle/>
+                    <a:p>
+                      <a:pPr algn="r" fontAlgn="b"/>
+                      <a:r>
+                        <a:rPr lang="en-SI" sz="1200" b="0" i="0" u="none" strike="noStrike">
+                          <a:solidFill>
+                            <a:srgbClr val="000000"/>
+                          </a:solidFill>
+                          <a:effectLst/>
+                          <a:latin typeface="Calibri" panose="020F0502020204030204" pitchFamily="34" charset="0"/>
+                        </a:rPr>
+                        <a:t>1</a:t>
+                      </a:r>
+                    </a:p>
+                  </a:txBody>
+                  <a:tcPr marL="9525" marR="9525" marT="9525" marB="0" anchor="b"/>
+                </a:tc>
+                <a:tc>
+                  <a:txBody>
+                    <a:bodyPr/>
+                    <a:lstStyle/>
+                    <a:p>
+                      <a:pPr algn="l" fontAlgn="b"/>
+                      <a:r>
+                        <a:rPr lang="en-SI" sz="1200" b="0" i="0" u="none" strike="noStrike">
+                          <a:solidFill>
+                            <a:srgbClr val="000000"/>
+                          </a:solidFill>
+                          <a:effectLst/>
+                          <a:latin typeface="Calibri" panose="020F0502020204030204" pitchFamily="34" charset="0"/>
+                        </a:rPr>
+                        <a:t>/</a:t>
+                      </a:r>
+                    </a:p>
+                  </a:txBody>
+                  <a:tcPr marL="9525" marR="9525" marT="9525" marB="0" anchor="b"/>
+                </a:tc>
+                <a:extLst>
+                  <a:ext uri="{0D108BD9-81ED-4DB2-BD59-A6C34878D82A}">
+                    <a16:rowId xmlns:a16="http://schemas.microsoft.com/office/drawing/2014/main" val="672541125"/>
+                  </a:ext>
+                </a:extLst>
+              </a:tr>
+              <a:tr h="370840">
+                <a:tc>
+                  <a:txBody>
+                    <a:bodyPr/>
+                    <a:lstStyle/>
+                    <a:p>
+                      <a:pPr algn="r" fontAlgn="b"/>
+                      <a:r>
+                        <a:rPr lang="en-SI" sz="1200" b="0" i="0" u="none" strike="noStrike">
+                          <a:solidFill>
+                            <a:srgbClr val="000000"/>
+                          </a:solidFill>
+                          <a:effectLst/>
+                          <a:latin typeface="Calibri" panose="020F0502020204030204" pitchFamily="34" charset="0"/>
+                        </a:rPr>
+                        <a:t>2</a:t>
+                      </a:r>
+                    </a:p>
+                  </a:txBody>
+                  <a:tcPr marL="9525" marR="9525" marT="9525" marB="0" anchor="b"/>
+                </a:tc>
+                <a:tc>
+                  <a:txBody>
+                    <a:bodyPr/>
+                    <a:lstStyle/>
+                    <a:p>
+                      <a:pPr algn="r" fontAlgn="b"/>
+                      <a:r>
+                        <a:rPr lang="en-SI" sz="1200" b="0" i="0" u="none" strike="noStrike">
+                          <a:solidFill>
+                            <a:srgbClr val="000000"/>
+                          </a:solidFill>
+                          <a:effectLst/>
+                          <a:latin typeface="Calibri" panose="020F0502020204030204" pitchFamily="34" charset="0"/>
+                        </a:rPr>
+                        <a:t>27</a:t>
+                      </a:r>
+                    </a:p>
+                  </a:txBody>
+                  <a:tcPr marL="9525" marR="9525" marT="9525" marB="0" anchor="b"/>
+                </a:tc>
+                <a:tc>
+                  <a:txBody>
+                    <a:bodyPr/>
+                    <a:lstStyle/>
+                    <a:p>
+                      <a:pPr algn="l" fontAlgn="b"/>
+                      <a:endParaRPr lang="en-SI" sz="1200" b="0" i="0" u="none" strike="noStrike">
+                        <a:solidFill>
+                          <a:srgbClr val="000000"/>
+                        </a:solidFill>
+                        <a:effectLst/>
+                        <a:latin typeface="Calibri" panose="020F0502020204030204" pitchFamily="34" charset="0"/>
+                      </a:endParaRPr>
+                    </a:p>
+                  </a:txBody>
+                  <a:tcPr marL="9525" marR="9525" marT="9525" marB="0" anchor="b"/>
+                </a:tc>
+                <a:tc>
+                  <a:txBody>
+                    <a:bodyPr/>
+                    <a:lstStyle/>
+                    <a:p>
+                      <a:pPr algn="r" fontAlgn="b"/>
+                      <a:r>
+                        <a:rPr lang="en-SI" sz="1200" b="0" i="0" u="none" strike="noStrike">
+                          <a:solidFill>
+                            <a:srgbClr val="000000"/>
+                          </a:solidFill>
+                          <a:effectLst/>
+                          <a:latin typeface="Calibri" panose="020F0502020204030204" pitchFamily="34" charset="0"/>
+                        </a:rPr>
+                        <a:t>2</a:t>
+                      </a:r>
+                    </a:p>
+                  </a:txBody>
+                  <a:tcPr marL="9525" marR="9525" marT="9525" marB="0" anchor="b"/>
+                </a:tc>
+                <a:tc>
+                  <a:txBody>
+                    <a:bodyPr/>
+                    <a:lstStyle/>
+                    <a:p>
+                      <a:pPr algn="r" fontAlgn="b"/>
+                      <a:r>
+                        <a:rPr lang="en-SI" sz="1200" b="0" i="0" u="none" strike="noStrike">
+                          <a:solidFill>
+                            <a:srgbClr val="000000"/>
+                          </a:solidFill>
+                          <a:effectLst/>
+                          <a:latin typeface="Calibri" panose="020F0502020204030204" pitchFamily="34" charset="0"/>
+                        </a:rPr>
+                        <a:t>58</a:t>
+                      </a:r>
+                    </a:p>
+                  </a:txBody>
+                  <a:tcPr marL="9525" marR="9525" marT="9525" marB="0" anchor="b"/>
+                </a:tc>
+                <a:extLst>
+                  <a:ext uri="{0D108BD9-81ED-4DB2-BD59-A6C34878D82A}">
+                    <a16:rowId xmlns:a16="http://schemas.microsoft.com/office/drawing/2014/main" val="2415195532"/>
+                  </a:ext>
+                </a:extLst>
+              </a:tr>
+              <a:tr h="370840">
+                <a:tc>
+                  <a:txBody>
+                    <a:bodyPr/>
+                    <a:lstStyle/>
+                    <a:p>
+                      <a:pPr algn="r" fontAlgn="b"/>
+                      <a:r>
+                        <a:rPr lang="en-SI" sz="1200" b="0" i="0" u="none" strike="noStrike">
+                          <a:solidFill>
+                            <a:srgbClr val="000000"/>
+                          </a:solidFill>
+                          <a:effectLst/>
+                          <a:latin typeface="Calibri" panose="020F0502020204030204" pitchFamily="34" charset="0"/>
+                        </a:rPr>
+                        <a:t>4</a:t>
+                      </a:r>
+                    </a:p>
+                  </a:txBody>
+                  <a:tcPr marL="9525" marR="9525" marT="9525" marB="0" anchor="b"/>
+                </a:tc>
+                <a:tc>
+                  <a:txBody>
+                    <a:bodyPr/>
+                    <a:lstStyle/>
+                    <a:p>
+                      <a:pPr algn="r" fontAlgn="b"/>
+                      <a:r>
+                        <a:rPr lang="en-SI" sz="1200" b="0" i="0" u="none" strike="noStrike">
+                          <a:solidFill>
+                            <a:srgbClr val="000000"/>
+                          </a:solidFill>
+                          <a:effectLst/>
+                          <a:latin typeface="Calibri" panose="020F0502020204030204" pitchFamily="34" charset="0"/>
+                        </a:rPr>
+                        <a:t>11,6</a:t>
+                      </a:r>
+                    </a:p>
+                  </a:txBody>
+                  <a:tcPr marL="9525" marR="9525" marT="9525" marB="0" anchor="b"/>
+                </a:tc>
+                <a:tc>
+                  <a:txBody>
+                    <a:bodyPr/>
+                    <a:lstStyle/>
+                    <a:p>
+                      <a:pPr algn="l" fontAlgn="b"/>
+                      <a:endParaRPr lang="en-SI" sz="1200" b="0" i="0" u="none" strike="noStrike">
+                        <a:solidFill>
+                          <a:srgbClr val="000000"/>
+                        </a:solidFill>
+                        <a:effectLst/>
+                        <a:latin typeface="Calibri" panose="020F0502020204030204" pitchFamily="34" charset="0"/>
+                      </a:endParaRPr>
+                    </a:p>
+                  </a:txBody>
+                  <a:tcPr marL="9525" marR="9525" marT="9525" marB="0" anchor="b"/>
+                </a:tc>
+                <a:tc>
+                  <a:txBody>
+                    <a:bodyPr/>
+                    <a:lstStyle/>
+                    <a:p>
+                      <a:pPr algn="r" fontAlgn="b"/>
+                      <a:r>
+                        <a:rPr lang="en-SI" sz="1200" b="0" i="0" u="none" strike="noStrike">
+                          <a:solidFill>
+                            <a:srgbClr val="000000"/>
+                          </a:solidFill>
+                          <a:effectLst/>
+                          <a:latin typeface="Calibri" panose="020F0502020204030204" pitchFamily="34" charset="0"/>
+                        </a:rPr>
+                        <a:t>4</a:t>
+                      </a:r>
+                    </a:p>
+                  </a:txBody>
+                  <a:tcPr marL="9525" marR="9525" marT="9525" marB="0" anchor="b"/>
+                </a:tc>
+                <a:tc>
+                  <a:txBody>
+                    <a:bodyPr/>
+                    <a:lstStyle/>
+                    <a:p>
+                      <a:pPr algn="r" fontAlgn="b"/>
+                      <a:r>
+                        <a:rPr lang="en-SI" sz="1200" b="0" i="0" u="none" strike="noStrike">
+                          <a:solidFill>
+                            <a:srgbClr val="000000"/>
+                          </a:solidFill>
+                          <a:effectLst/>
+                          <a:latin typeface="Calibri" panose="020F0502020204030204" pitchFamily="34" charset="0"/>
+                        </a:rPr>
+                        <a:t>15</a:t>
+                      </a:r>
+                    </a:p>
+                  </a:txBody>
+                  <a:tcPr marL="9525" marR="9525" marT="9525" marB="0" anchor="b"/>
+                </a:tc>
+                <a:extLst>
+                  <a:ext uri="{0D108BD9-81ED-4DB2-BD59-A6C34878D82A}">
+                    <a16:rowId xmlns:a16="http://schemas.microsoft.com/office/drawing/2014/main" val="1612707061"/>
+                  </a:ext>
+                </a:extLst>
+              </a:tr>
+              <a:tr h="370840">
+                <a:tc>
+                  <a:txBody>
+                    <a:bodyPr/>
+                    <a:lstStyle/>
+                    <a:p>
+                      <a:pPr algn="r" fontAlgn="b"/>
+                      <a:r>
+                        <a:rPr lang="en-SI" sz="1200" b="0" i="0" u="none" strike="noStrike">
+                          <a:solidFill>
+                            <a:srgbClr val="000000"/>
+                          </a:solidFill>
+                          <a:effectLst/>
+                          <a:latin typeface="Calibri" panose="020F0502020204030204" pitchFamily="34" charset="0"/>
+                        </a:rPr>
+                        <a:t>8</a:t>
+                      </a:r>
+                    </a:p>
+                  </a:txBody>
+                  <a:tcPr marL="9525" marR="9525" marT="9525" marB="0" anchor="b"/>
+                </a:tc>
+                <a:tc>
+                  <a:txBody>
+                    <a:bodyPr/>
+                    <a:lstStyle/>
+                    <a:p>
+                      <a:pPr algn="r" fontAlgn="b"/>
+                      <a:r>
+                        <a:rPr lang="en-SI" sz="1200" b="0" i="0" u="none" strike="noStrike">
+                          <a:solidFill>
+                            <a:srgbClr val="000000"/>
+                          </a:solidFill>
+                          <a:effectLst/>
+                          <a:latin typeface="Calibri" panose="020F0502020204030204" pitchFamily="34" charset="0"/>
+                        </a:rPr>
+                        <a:t>9,7</a:t>
+                      </a:r>
+                    </a:p>
+                  </a:txBody>
+                  <a:tcPr marL="9525" marR="9525" marT="9525" marB="0" anchor="b"/>
+                </a:tc>
+                <a:tc>
+                  <a:txBody>
+                    <a:bodyPr/>
+                    <a:lstStyle/>
+                    <a:p>
+                      <a:pPr algn="l" fontAlgn="b"/>
+                      <a:endParaRPr lang="en-SI" sz="1200" b="0" i="0" u="none" strike="noStrike">
+                        <a:solidFill>
+                          <a:srgbClr val="000000"/>
+                        </a:solidFill>
+                        <a:effectLst/>
+                        <a:latin typeface="Calibri" panose="020F0502020204030204" pitchFamily="34" charset="0"/>
+                      </a:endParaRPr>
+                    </a:p>
+                  </a:txBody>
+                  <a:tcPr marL="9525" marR="9525" marT="9525" marB="0" anchor="b"/>
+                </a:tc>
+                <a:tc>
+                  <a:txBody>
+                    <a:bodyPr/>
+                    <a:lstStyle/>
+                    <a:p>
+                      <a:pPr algn="r" fontAlgn="b"/>
+                      <a:r>
+                        <a:rPr lang="en-SI" sz="1200" b="0" i="0" u="none" strike="noStrike">
+                          <a:solidFill>
+                            <a:srgbClr val="000000"/>
+                          </a:solidFill>
+                          <a:effectLst/>
+                          <a:latin typeface="Calibri" panose="020F0502020204030204" pitchFamily="34" charset="0"/>
+                        </a:rPr>
+                        <a:t>8</a:t>
+                      </a:r>
+                    </a:p>
+                  </a:txBody>
+                  <a:tcPr marL="9525" marR="9525" marT="9525" marB="0" anchor="b"/>
+                </a:tc>
+                <a:tc>
+                  <a:txBody>
+                    <a:bodyPr/>
+                    <a:lstStyle/>
+                    <a:p>
+                      <a:pPr algn="r" fontAlgn="b"/>
+                      <a:r>
+                        <a:rPr lang="en-SI" sz="1200" b="0" i="0" u="none" strike="noStrike">
+                          <a:solidFill>
+                            <a:srgbClr val="000000"/>
+                          </a:solidFill>
+                          <a:effectLst/>
+                          <a:latin typeface="Calibri" panose="020F0502020204030204" pitchFamily="34" charset="0"/>
+                        </a:rPr>
+                        <a:t>11,9</a:t>
+                      </a:r>
+                    </a:p>
+                  </a:txBody>
+                  <a:tcPr marL="9525" marR="9525" marT="9525" marB="0" anchor="b"/>
+                </a:tc>
+                <a:extLst>
+                  <a:ext uri="{0D108BD9-81ED-4DB2-BD59-A6C34878D82A}">
+                    <a16:rowId xmlns:a16="http://schemas.microsoft.com/office/drawing/2014/main" val="981450665"/>
+                  </a:ext>
+                </a:extLst>
+              </a:tr>
+              <a:tr h="370840">
+                <a:tc>
+                  <a:txBody>
+                    <a:bodyPr/>
+                    <a:lstStyle/>
+                    <a:p>
+                      <a:pPr algn="r" fontAlgn="b"/>
+                      <a:r>
+                        <a:rPr lang="en-SI" sz="1200" b="0" i="0" u="none" strike="noStrike">
+                          <a:solidFill>
+                            <a:srgbClr val="000000"/>
+                          </a:solidFill>
+                          <a:effectLst/>
+                          <a:latin typeface="Calibri" panose="020F0502020204030204" pitchFamily="34" charset="0"/>
+                        </a:rPr>
+                        <a:t>16</a:t>
+                      </a:r>
+                    </a:p>
+                  </a:txBody>
+                  <a:tcPr marL="9525" marR="9525" marT="9525" marB="0" anchor="b"/>
+                </a:tc>
+                <a:tc>
+                  <a:txBody>
+                    <a:bodyPr/>
+                    <a:lstStyle/>
+                    <a:p>
+                      <a:pPr algn="r" fontAlgn="b"/>
+                      <a:r>
+                        <a:rPr lang="en-SI" sz="1200" b="0" i="0" u="none" strike="noStrike">
+                          <a:solidFill>
+                            <a:srgbClr val="000000"/>
+                          </a:solidFill>
+                          <a:effectLst/>
+                          <a:latin typeface="Calibri" panose="020F0502020204030204" pitchFamily="34" charset="0"/>
+                        </a:rPr>
+                        <a:t>4,9</a:t>
+                      </a:r>
+                    </a:p>
+                  </a:txBody>
+                  <a:tcPr marL="9525" marR="9525" marT="9525" marB="0" anchor="b"/>
+                </a:tc>
+                <a:tc>
+                  <a:txBody>
+                    <a:bodyPr/>
+                    <a:lstStyle/>
+                    <a:p>
+                      <a:pPr algn="l" fontAlgn="b"/>
+                      <a:endParaRPr lang="en-SI" sz="1200" b="0" i="0" u="none" strike="noStrike">
+                        <a:solidFill>
+                          <a:srgbClr val="000000"/>
+                        </a:solidFill>
+                        <a:effectLst/>
+                        <a:latin typeface="Calibri" panose="020F0502020204030204" pitchFamily="34" charset="0"/>
+                      </a:endParaRPr>
+                    </a:p>
+                  </a:txBody>
+                  <a:tcPr marL="9525" marR="9525" marT="9525" marB="0" anchor="b"/>
+                </a:tc>
+                <a:tc>
+                  <a:txBody>
+                    <a:bodyPr/>
+                    <a:lstStyle/>
+                    <a:p>
+                      <a:pPr algn="r" fontAlgn="b"/>
+                      <a:r>
+                        <a:rPr lang="en-SI" sz="1200" b="0" i="0" u="none" strike="noStrike">
+                          <a:solidFill>
+                            <a:srgbClr val="000000"/>
+                          </a:solidFill>
+                          <a:effectLst/>
+                          <a:latin typeface="Calibri" panose="020F0502020204030204" pitchFamily="34" charset="0"/>
+                        </a:rPr>
+                        <a:t>16</a:t>
+                      </a:r>
+                    </a:p>
+                  </a:txBody>
+                  <a:tcPr marL="9525" marR="9525" marT="9525" marB="0" anchor="b"/>
+                </a:tc>
+                <a:tc>
+                  <a:txBody>
+                    <a:bodyPr/>
+                    <a:lstStyle/>
+                    <a:p>
+                      <a:pPr algn="r" fontAlgn="b"/>
+                      <a:r>
+                        <a:rPr lang="en-SI" sz="1200" b="0" i="0" u="none" strike="noStrike">
+                          <a:solidFill>
+                            <a:srgbClr val="000000"/>
+                          </a:solidFill>
+                          <a:effectLst/>
+                          <a:latin typeface="Calibri" panose="020F0502020204030204" pitchFamily="34" charset="0"/>
+                        </a:rPr>
+                        <a:t>9,1</a:t>
+                      </a:r>
+                    </a:p>
+                  </a:txBody>
+                  <a:tcPr marL="9525" marR="9525" marT="9525" marB="0" anchor="b"/>
+                </a:tc>
+                <a:extLst>
+                  <a:ext uri="{0D108BD9-81ED-4DB2-BD59-A6C34878D82A}">
+                    <a16:rowId xmlns:a16="http://schemas.microsoft.com/office/drawing/2014/main" val="2205071987"/>
+                  </a:ext>
+                </a:extLst>
+              </a:tr>
+              <a:tr h="370840">
+                <a:tc>
+                  <a:txBody>
+                    <a:bodyPr/>
+                    <a:lstStyle/>
+                    <a:p>
+                      <a:pPr algn="r" fontAlgn="b"/>
+                      <a:r>
+                        <a:rPr lang="en-SI" sz="1200" b="0" i="0" u="none" strike="noStrike">
+                          <a:solidFill>
+                            <a:srgbClr val="000000"/>
+                          </a:solidFill>
+                          <a:effectLst/>
+                          <a:latin typeface="Calibri" panose="020F0502020204030204" pitchFamily="34" charset="0"/>
+                        </a:rPr>
+                        <a:t>32</a:t>
+                      </a:r>
+                    </a:p>
+                  </a:txBody>
+                  <a:tcPr marL="9525" marR="9525" marT="9525" marB="0" anchor="b"/>
+                </a:tc>
+                <a:tc>
+                  <a:txBody>
+                    <a:bodyPr/>
+                    <a:lstStyle/>
+                    <a:p>
+                      <a:pPr algn="r" fontAlgn="b"/>
+                      <a:r>
+                        <a:rPr lang="en-SI" sz="1200" b="0" i="0" u="none" strike="noStrike">
+                          <a:solidFill>
+                            <a:srgbClr val="000000"/>
+                          </a:solidFill>
+                          <a:effectLst/>
+                          <a:latin typeface="Calibri" panose="020F0502020204030204" pitchFamily="34" charset="0"/>
+                        </a:rPr>
+                        <a:t>2,7</a:t>
+                      </a:r>
+                    </a:p>
+                  </a:txBody>
+                  <a:tcPr marL="9525" marR="9525" marT="9525" marB="0" anchor="b"/>
+                </a:tc>
+                <a:tc>
+                  <a:txBody>
+                    <a:bodyPr/>
+                    <a:lstStyle/>
+                    <a:p>
+                      <a:pPr algn="l" fontAlgn="b"/>
+                      <a:endParaRPr lang="en-SI" sz="1200" b="0" i="0" u="none" strike="noStrike">
+                        <a:solidFill>
+                          <a:srgbClr val="000000"/>
+                        </a:solidFill>
+                        <a:effectLst/>
+                        <a:latin typeface="Calibri" panose="020F0502020204030204" pitchFamily="34" charset="0"/>
+                      </a:endParaRPr>
+                    </a:p>
+                  </a:txBody>
+                  <a:tcPr marL="9525" marR="9525" marT="9525" marB="0" anchor="b"/>
+                </a:tc>
+                <a:tc>
+                  <a:txBody>
+                    <a:bodyPr/>
+                    <a:lstStyle/>
+                    <a:p>
+                      <a:pPr algn="r" fontAlgn="b"/>
+                      <a:r>
+                        <a:rPr lang="en-SI" sz="1200" b="0" i="0" u="none" strike="noStrike">
+                          <a:solidFill>
+                            <a:srgbClr val="000000"/>
+                          </a:solidFill>
+                          <a:effectLst/>
+                          <a:latin typeface="Calibri" panose="020F0502020204030204" pitchFamily="34" charset="0"/>
+                        </a:rPr>
+                        <a:t>32</a:t>
+                      </a:r>
+                    </a:p>
+                  </a:txBody>
+                  <a:tcPr marL="9525" marR="9525" marT="9525" marB="0" anchor="b"/>
+                </a:tc>
+                <a:tc>
+                  <a:txBody>
+                    <a:bodyPr/>
+                    <a:lstStyle/>
+                    <a:p>
+                      <a:pPr algn="r" fontAlgn="b"/>
+                      <a:r>
+                        <a:rPr lang="en-SI" sz="1200" b="0" i="0" u="none" strike="noStrike">
+                          <a:solidFill>
+                            <a:srgbClr val="000000"/>
+                          </a:solidFill>
+                          <a:effectLst/>
+                          <a:latin typeface="Calibri" panose="020F0502020204030204" pitchFamily="34" charset="0"/>
+                        </a:rPr>
+                        <a:t>8,2</a:t>
+                      </a:r>
+                    </a:p>
+                  </a:txBody>
+                  <a:tcPr marL="9525" marR="9525" marT="9525" marB="0" anchor="b"/>
+                </a:tc>
+                <a:extLst>
+                  <a:ext uri="{0D108BD9-81ED-4DB2-BD59-A6C34878D82A}">
+                    <a16:rowId xmlns:a16="http://schemas.microsoft.com/office/drawing/2014/main" val="3286871871"/>
+                  </a:ext>
+                </a:extLst>
+              </a:tr>
+              <a:tr h="370840">
+                <a:tc>
+                  <a:txBody>
+                    <a:bodyPr/>
+                    <a:lstStyle/>
+                    <a:p>
+                      <a:pPr algn="r" fontAlgn="b"/>
+                      <a:r>
+                        <a:rPr lang="en-SI" sz="1200" b="0" i="0" u="none" strike="noStrike">
+                          <a:solidFill>
+                            <a:srgbClr val="000000"/>
+                          </a:solidFill>
+                          <a:effectLst/>
+                          <a:latin typeface="Calibri" panose="020F0502020204030204" pitchFamily="34" charset="0"/>
+                        </a:rPr>
+                        <a:t>64</a:t>
+                      </a:r>
+                    </a:p>
+                  </a:txBody>
+                  <a:tcPr marL="9525" marR="9525" marT="9525" marB="0" anchor="b"/>
+                </a:tc>
+                <a:tc>
+                  <a:txBody>
+                    <a:bodyPr/>
+                    <a:lstStyle/>
+                    <a:p>
+                      <a:pPr algn="r" fontAlgn="b"/>
+                      <a:r>
+                        <a:rPr lang="en-SI" sz="1200" b="0" i="0" u="none" strike="noStrike">
+                          <a:solidFill>
+                            <a:srgbClr val="000000"/>
+                          </a:solidFill>
+                          <a:effectLst/>
+                          <a:latin typeface="Calibri" panose="020F0502020204030204" pitchFamily="34" charset="0"/>
+                        </a:rPr>
+                        <a:t>3,4</a:t>
+                      </a:r>
+                    </a:p>
+                  </a:txBody>
+                  <a:tcPr marL="9525" marR="9525" marT="9525" marB="0" anchor="b"/>
+                </a:tc>
+                <a:tc>
+                  <a:txBody>
+                    <a:bodyPr/>
+                    <a:lstStyle/>
+                    <a:p>
+                      <a:pPr algn="l" fontAlgn="b"/>
+                      <a:r>
+                        <a:rPr lang="en-SI" sz="1200" b="0" i="0" u="none" strike="noStrike">
+                          <a:solidFill>
+                            <a:srgbClr val="000000"/>
+                          </a:solidFill>
+                          <a:effectLst/>
+                          <a:latin typeface="Calibri" panose="020F0502020204030204" pitchFamily="34" charset="0"/>
+                        </a:rPr>
+                        <a:t> </a:t>
+                      </a:r>
+                    </a:p>
+                  </a:txBody>
+                  <a:tcPr marL="9525" marR="9525" marT="9525" marB="0" anchor="b"/>
+                </a:tc>
+                <a:tc>
+                  <a:txBody>
+                    <a:bodyPr/>
+                    <a:lstStyle/>
+                    <a:p>
+                      <a:pPr algn="r" fontAlgn="b"/>
+                      <a:r>
+                        <a:rPr lang="en-SI" sz="1200" b="0" i="0" u="none" strike="noStrike">
+                          <a:solidFill>
+                            <a:srgbClr val="000000"/>
+                          </a:solidFill>
+                          <a:effectLst/>
+                          <a:latin typeface="Calibri" panose="020F0502020204030204" pitchFamily="34" charset="0"/>
+                        </a:rPr>
+                        <a:t>64</a:t>
+                      </a:r>
+                    </a:p>
+                  </a:txBody>
+                  <a:tcPr marL="9525" marR="9525" marT="9525" marB="0" anchor="b"/>
+                </a:tc>
+                <a:tc>
+                  <a:txBody>
+                    <a:bodyPr/>
+                    <a:lstStyle/>
+                    <a:p>
+                      <a:pPr algn="r" fontAlgn="b"/>
+                      <a:r>
+                        <a:rPr lang="en-SI" sz="1200" b="0" i="0" u="none" strike="noStrike" dirty="0">
+                          <a:solidFill>
+                            <a:srgbClr val="000000"/>
+                          </a:solidFill>
+                          <a:effectLst/>
+                          <a:latin typeface="Calibri" panose="020F0502020204030204" pitchFamily="34" charset="0"/>
+                        </a:rPr>
+                        <a:t>6,1</a:t>
+                      </a:r>
+                    </a:p>
+                  </a:txBody>
+                  <a:tcPr marL="9525" marR="9525" marT="9525" marB="0" anchor="b"/>
+                </a:tc>
+                <a:extLst>
+                  <a:ext uri="{0D108BD9-81ED-4DB2-BD59-A6C34878D82A}">
+                    <a16:rowId xmlns:a16="http://schemas.microsoft.com/office/drawing/2014/main" val="165130274"/>
+                  </a:ext>
+                </a:extLst>
+              </a:tr>
+            </a:tbl>
+          </a:graphicData>
+        </a:graphic>
+      </p:graphicFrame>
       <p:sp>
         <p:nvSpPr>
           <p:cNvPr id="4" name="Slide Number Placeholder 3">
@@ -7789,7 +13175,105 @@
           <a:bodyPr/>
           <a:lstStyle/>
           <a:p>
-            <a:endParaRPr lang="en-US"/>
+            <a:r>
+              <a:rPr lang="en-US" dirty="0" err="1"/>
+              <a:t>Paralelizacija</a:t>
+            </a:r>
+            <a:r>
+              <a:rPr lang="en-US" dirty="0"/>
+              <a:t> for </a:t>
+            </a:r>
+            <a:r>
+              <a:rPr lang="en-US" dirty="0" err="1"/>
+              <a:t>loopov</a:t>
+            </a:r>
+            <a:r>
+              <a:rPr lang="en-US" dirty="0"/>
+              <a:t> v </a:t>
+            </a:r>
+            <a:r>
+              <a:rPr lang="en-US" dirty="0" err="1"/>
+              <a:t>algoritmu</a:t>
+            </a:r>
+            <a:endParaRPr lang="en-US" dirty="0"/>
+          </a:p>
+          <a:p>
+            <a:r>
+              <a:rPr lang="en-US" dirty="0" err="1"/>
+              <a:t>Paralelizacija</a:t>
+            </a:r>
+            <a:r>
+              <a:rPr lang="en-US" dirty="0"/>
+              <a:t> </a:t>
+            </a:r>
+            <a:r>
+              <a:rPr lang="en-US" dirty="0" err="1"/>
+              <a:t>inicializacije</a:t>
+            </a:r>
+            <a:r>
+              <a:rPr lang="en-US" dirty="0"/>
+              <a:t> </a:t>
+            </a:r>
+            <a:r>
+              <a:rPr lang="en-US" dirty="0" err="1"/>
+              <a:t>plošče</a:t>
+            </a:r>
+            <a:endParaRPr lang="en-US" dirty="0"/>
+          </a:p>
+          <a:p>
+            <a:r>
+              <a:rPr lang="en-US" dirty="0" err="1"/>
+              <a:t>Vse</a:t>
+            </a:r>
+            <a:r>
+              <a:rPr lang="en-US" dirty="0"/>
+              <a:t> </a:t>
+            </a:r>
+            <a:r>
+              <a:rPr lang="en-US" dirty="0" err="1"/>
+              <a:t>ostale</a:t>
+            </a:r>
+            <a:r>
+              <a:rPr lang="en-US" dirty="0"/>
+              <a:t> </a:t>
+            </a:r>
+            <a:r>
+              <a:rPr lang="en-US" dirty="0" err="1"/>
+              <a:t>karakteristike</a:t>
+            </a:r>
+            <a:r>
+              <a:rPr lang="en-US" dirty="0"/>
+              <a:t> do </a:t>
+            </a:r>
+            <a:r>
+              <a:rPr lang="en-US" dirty="0" err="1"/>
+              <a:t>serijskega</a:t>
+            </a:r>
+            <a:r>
+              <a:rPr lang="en-US" dirty="0"/>
+              <a:t> </a:t>
+            </a:r>
+            <a:r>
+              <a:rPr lang="en-US" dirty="0" err="1"/>
+              <a:t>agoritma</a:t>
+            </a:r>
+            <a:r>
+              <a:rPr lang="en-US" dirty="0"/>
+              <a:t> </a:t>
+            </a:r>
+            <a:r>
+              <a:rPr lang="en-US" dirty="0" err="1"/>
+              <a:t>ostanejo</a:t>
+            </a:r>
+            <a:r>
+              <a:rPr lang="en-US" dirty="0"/>
+              <a:t> </a:t>
+            </a:r>
+            <a:r>
+              <a:rPr lang="en-US" dirty="0" err="1"/>
+              <a:t>ohranjene</a:t>
+            </a:r>
+            <a:endParaRPr lang="en-US" dirty="0"/>
           </a:p>
         </p:txBody>
       </p:sp>
@@ -8048,6 +13532,273 @@
           <a:bodyPr/>
           <a:lstStyle/>
           <a:p>
+            <a:r>
+              <a:rPr lang="en-US" dirty="0" err="1"/>
+              <a:t>Deluje</a:t>
+            </a:r>
+            <a:r>
+              <a:rPr lang="en-US" dirty="0"/>
+              <a:t> po </a:t>
+            </a:r>
+            <a:r>
+              <a:rPr lang="en-US" dirty="0" err="1"/>
+              <a:t>principu</a:t>
+            </a:r>
+            <a:r>
+              <a:rPr lang="en-US" dirty="0"/>
+              <a:t> halo exchange</a:t>
+            </a:r>
+          </a:p>
+          <a:p>
+            <a:r>
+              <a:rPr lang="en-US" dirty="0" err="1"/>
+              <a:t>Komunikacija</a:t>
+            </a:r>
+            <a:r>
+              <a:rPr lang="en-US" dirty="0"/>
+              <a:t> </a:t>
+            </a:r>
+            <a:r>
+              <a:rPr lang="en-US" dirty="0" err="1"/>
+              <a:t>poteka</a:t>
+            </a:r>
+            <a:r>
+              <a:rPr lang="en-US" dirty="0"/>
+              <a:t> z </a:t>
+            </a:r>
+            <a:r>
+              <a:rPr lang="en-US" dirty="0" err="1"/>
+              <a:t>izmenjavo</a:t>
+            </a:r>
+            <a:r>
+              <a:rPr lang="en-US" dirty="0"/>
+              <a:t> </a:t>
+            </a:r>
+            <a:r>
+              <a:rPr lang="en-US" dirty="0" err="1"/>
+              <a:t>informacij</a:t>
+            </a:r>
+            <a:r>
+              <a:rPr lang="en-US" dirty="0"/>
+              <a:t> </a:t>
+            </a:r>
+            <a:r>
+              <a:rPr lang="en-US" dirty="0" err="1"/>
+              <a:t>levega</a:t>
+            </a:r>
+            <a:r>
+              <a:rPr lang="en-US" dirty="0"/>
+              <a:t> in </a:t>
+            </a:r>
+            <a:r>
+              <a:rPr lang="en-US" dirty="0" err="1"/>
+              <a:t>desnega</a:t>
+            </a:r>
+            <a:r>
+              <a:rPr lang="en-US" dirty="0"/>
+              <a:t> </a:t>
+            </a:r>
+            <a:r>
+              <a:rPr lang="en-US" dirty="0" err="1"/>
+              <a:t>soseda</a:t>
+            </a:r>
+            <a:r>
+              <a:rPr lang="en-US" dirty="0"/>
+              <a:t> </a:t>
+            </a:r>
+            <a:r>
+              <a:rPr lang="en-US" dirty="0" err="1"/>
+              <a:t>trenutnega</a:t>
+            </a:r>
+            <a:r>
+              <a:rPr lang="en-US" dirty="0"/>
+              <a:t> </a:t>
+            </a:r>
+            <a:r>
+              <a:rPr lang="en-US" dirty="0" err="1"/>
+              <a:t>stolpca</a:t>
+            </a:r>
+            <a:endParaRPr lang="en-US" dirty="0"/>
+          </a:p>
+          <a:p>
+            <a:r>
+              <a:rPr lang="en-US" dirty="0" err="1"/>
+              <a:t>Uporabimo</a:t>
+            </a:r>
+            <a:r>
+              <a:rPr lang="en-US" dirty="0"/>
+              <a:t> </a:t>
+            </a:r>
+            <a:r>
+              <a:rPr lang="en-US" dirty="0" err="1"/>
+              <a:t>lokalne</a:t>
+            </a:r>
+            <a:r>
+              <a:rPr lang="en-US" dirty="0"/>
+              <a:t> gride za </a:t>
+            </a:r>
+            <a:r>
+              <a:rPr lang="en-US" dirty="0" err="1"/>
+              <a:t>trenutne</a:t>
+            </a:r>
+            <a:r>
+              <a:rPr lang="en-US" dirty="0"/>
+              <a:t> in </a:t>
+            </a:r>
+            <a:r>
+              <a:rPr lang="en-US" dirty="0" err="1"/>
+              <a:t>prejšnje</a:t>
+            </a:r>
+            <a:r>
+              <a:rPr lang="en-US" dirty="0"/>
+              <a:t> </a:t>
+            </a:r>
+            <a:r>
+              <a:rPr lang="en-US" dirty="0" err="1"/>
+              <a:t>timestampe</a:t>
+            </a:r>
+            <a:endParaRPr lang="en-US" dirty="0"/>
+          </a:p>
+          <a:p>
+            <a:r>
+              <a:rPr lang="en-US" dirty="0" err="1"/>
+              <a:t>Dodamo</a:t>
+            </a:r>
+            <a:r>
+              <a:rPr lang="en-US" dirty="0"/>
+              <a:t> </a:t>
+            </a:r>
+            <a:r>
+              <a:rPr lang="en-US" dirty="0" err="1"/>
+              <a:t>dva</a:t>
+            </a:r>
+            <a:r>
+              <a:rPr lang="en-US" dirty="0"/>
+              <a:t> </a:t>
+            </a:r>
+            <a:r>
+              <a:rPr lang="en-US" dirty="0" err="1"/>
+              <a:t>dodatno</a:t>
+            </a:r>
+            <a:r>
+              <a:rPr lang="en-US" dirty="0"/>
+              <a:t> </a:t>
+            </a:r>
+            <a:r>
+              <a:rPr lang="en-US" dirty="0" err="1"/>
+              <a:t>stolpca</a:t>
+            </a:r>
+            <a:r>
+              <a:rPr lang="en-US" dirty="0"/>
+              <a:t> za </a:t>
+            </a:r>
+            <a:r>
+              <a:rPr lang="en-US" dirty="0" err="1"/>
+              <a:t>izmenjavo</a:t>
+            </a:r>
+            <a:r>
+              <a:rPr lang="en-US" dirty="0"/>
+              <a:t> </a:t>
+            </a:r>
+            <a:r>
+              <a:rPr lang="en-US" dirty="0" err="1"/>
+              <a:t>halojev</a:t>
+            </a:r>
+            <a:endParaRPr lang="en-US" dirty="0"/>
+          </a:p>
+          <a:p>
+            <a:r>
+              <a:rPr lang="en-US" dirty="0" err="1"/>
+              <a:t>Vedno</a:t>
+            </a:r>
+            <a:r>
+              <a:rPr lang="en-US" dirty="0"/>
+              <a:t> </a:t>
+            </a:r>
+            <a:r>
+              <a:rPr lang="en-US" dirty="0" err="1"/>
+              <a:t>najprej</a:t>
+            </a:r>
+            <a:r>
+              <a:rPr lang="en-US" dirty="0"/>
+              <a:t> </a:t>
+            </a:r>
+            <a:r>
+              <a:rPr lang="en-US" dirty="0" err="1"/>
+              <a:t>pošljemo</a:t>
+            </a:r>
+            <a:r>
+              <a:rPr lang="en-US" dirty="0"/>
+              <a:t> </a:t>
+            </a:r>
+            <a:r>
+              <a:rPr lang="en-US" dirty="0" err="1"/>
+              <a:t>stolp</a:t>
+            </a:r>
+            <a:r>
+              <a:rPr lang="en-US" dirty="0"/>
+              <a:t> </a:t>
+            </a:r>
+            <a:r>
+              <a:rPr lang="en-US" dirty="0" err="1"/>
+              <a:t>na</a:t>
+            </a:r>
+            <a:r>
+              <a:rPr lang="en-US" dirty="0"/>
+              <a:t> </a:t>
+            </a:r>
+            <a:r>
+              <a:rPr lang="en-US" dirty="0" err="1"/>
+              <a:t>levo</a:t>
+            </a:r>
+            <a:r>
+              <a:rPr lang="en-US" dirty="0"/>
+              <a:t>, </a:t>
+            </a:r>
+            <a:r>
+              <a:rPr lang="en-US" dirty="0" err="1"/>
+              <a:t>dobimo</a:t>
+            </a:r>
+            <a:r>
+              <a:rPr lang="en-US" dirty="0"/>
+              <a:t> </a:t>
+            </a:r>
+            <a:r>
+              <a:rPr lang="en-US" dirty="0" err="1"/>
+              <a:t>stolp</a:t>
+            </a:r>
+            <a:r>
+              <a:rPr lang="en-US" dirty="0"/>
+              <a:t> z </a:t>
+            </a:r>
+            <a:r>
+              <a:rPr lang="en-US" dirty="0" err="1"/>
+              <a:t>desno</a:t>
+            </a:r>
+            <a:r>
+              <a:rPr lang="en-US" dirty="0"/>
+              <a:t> in </a:t>
+            </a:r>
+            <a:r>
+              <a:rPr lang="en-US" dirty="0" err="1"/>
+              <a:t>nato</a:t>
+            </a:r>
+            <a:r>
+              <a:rPr lang="en-US" dirty="0"/>
+              <a:t> </a:t>
+            </a:r>
+            <a:r>
+              <a:rPr lang="en-US" dirty="0" err="1"/>
+              <a:t>še</a:t>
+            </a:r>
+            <a:r>
+              <a:rPr lang="en-US" dirty="0"/>
+              <a:t> </a:t>
+            </a:r>
+            <a:r>
+              <a:rPr lang="en-US" dirty="0" err="1"/>
+              <a:t>obratno</a:t>
+            </a:r>
             <a:endParaRPr lang="en-US" dirty="0"/>
           </a:p>
         </p:txBody>
@@ -8809,36 +14560,1822 @@
           </a:p>
         </p:txBody>
       </p:sp>
-      <p:sp>
-        <p:nvSpPr>
-          <p:cNvPr id="70" name="Content Placeholder 2">
+      <p:graphicFrame>
+        <p:nvGraphicFramePr>
+          <p:cNvPr id="2" name="Table 2">
             <a:extLst>
               <a:ext uri="{FF2B5EF4-FFF2-40B4-BE49-F238E27FC236}">
-                <a16:creationId xmlns:a16="http://schemas.microsoft.com/office/drawing/2014/main" id="{A49C2EFD-C327-47E7-8D99-E5F1A68C4F5E}"/>
+                <a16:creationId xmlns:a16="http://schemas.microsoft.com/office/drawing/2014/main" id="{CE8A32DE-D16F-490C-8714-D0E21435E767}"/>
               </a:ext>
             </a:extLst>
           </p:cNvPr>
-          <p:cNvSpPr>
-            <a:spLocks noGrp="1"/>
-          </p:cNvSpPr>
+          <p:cNvGraphicFramePr>
+            <a:graphicFrameLocks noGrp="1"/>
+          </p:cNvGraphicFramePr>
           <p:nvPr>
             <p:ph idx="1"/>
+            <p:extLst>
+              <p:ext uri="{D42A27DB-BD31-4B8C-83A1-F6EECF244321}">
+                <p14:modId xmlns:p14="http://schemas.microsoft.com/office/powerpoint/2010/main" val="1489706692"/>
+              </p:ext>
+            </p:extLst>
           </p:nvPr>
-        </p:nvSpPr>
-        <p:spPr>
-          <a:xfrm>
-            <a:off x="457200" y="1341438"/>
-            <a:ext cx="8229600" cy="4784725"/>
-          </a:xfrm>
-        </p:spPr>
-        <p:txBody>
-          <a:bodyPr/>
-          <a:lstStyle/>
-          <a:p>
-            <a:endParaRPr lang="en-US" dirty="0"/>
-          </a:p>
-        </p:txBody>
-      </p:sp>
+        </p:nvGraphicFramePr>
+        <p:xfrm>
+          <a:off x="457200" y="1341438"/>
+          <a:ext cx="8229592" cy="2233930"/>
+        </p:xfrm>
+        <a:graphic>
+          <a:graphicData uri="http://schemas.openxmlformats.org/drawingml/2006/table">
+            <a:tbl>
+              <a:tblPr firstRow="1" bandRow="1">
+                <a:tableStyleId>{5C22544A-7EE6-4342-B048-85BDC9FD1C3A}</a:tableStyleId>
+              </a:tblPr>
+              <a:tblGrid>
+                <a:gridCol w="587828">
+                  <a:extLst>
+                    <a:ext uri="{9D8B030D-6E8A-4147-A177-3AD203B41FA5}">
+                      <a16:colId xmlns:a16="http://schemas.microsoft.com/office/drawing/2014/main" val="305006165"/>
+                    </a:ext>
+                  </a:extLst>
+                </a:gridCol>
+                <a:gridCol w="587828">
+                  <a:extLst>
+                    <a:ext uri="{9D8B030D-6E8A-4147-A177-3AD203B41FA5}">
+                      <a16:colId xmlns:a16="http://schemas.microsoft.com/office/drawing/2014/main" val="1730797346"/>
+                    </a:ext>
+                  </a:extLst>
+                </a:gridCol>
+                <a:gridCol w="587828">
+                  <a:extLst>
+                    <a:ext uri="{9D8B030D-6E8A-4147-A177-3AD203B41FA5}">
+                      <a16:colId xmlns:a16="http://schemas.microsoft.com/office/drawing/2014/main" val="1056670430"/>
+                    </a:ext>
+                  </a:extLst>
+                </a:gridCol>
+                <a:gridCol w="587828">
+                  <a:extLst>
+                    <a:ext uri="{9D8B030D-6E8A-4147-A177-3AD203B41FA5}">
+                      <a16:colId xmlns:a16="http://schemas.microsoft.com/office/drawing/2014/main" val="3535796355"/>
+                    </a:ext>
+                  </a:extLst>
+                </a:gridCol>
+                <a:gridCol w="587828">
+                  <a:extLst>
+                    <a:ext uri="{9D8B030D-6E8A-4147-A177-3AD203B41FA5}">
+                      <a16:colId xmlns:a16="http://schemas.microsoft.com/office/drawing/2014/main" val="800518238"/>
+                    </a:ext>
+                  </a:extLst>
+                </a:gridCol>
+                <a:gridCol w="587828">
+                  <a:extLst>
+                    <a:ext uri="{9D8B030D-6E8A-4147-A177-3AD203B41FA5}">
+                      <a16:colId xmlns:a16="http://schemas.microsoft.com/office/drawing/2014/main" val="3801078393"/>
+                    </a:ext>
+                  </a:extLst>
+                </a:gridCol>
+                <a:gridCol w="587828">
+                  <a:extLst>
+                    <a:ext uri="{9D8B030D-6E8A-4147-A177-3AD203B41FA5}">
+                      <a16:colId xmlns:a16="http://schemas.microsoft.com/office/drawing/2014/main" val="623724021"/>
+                    </a:ext>
+                  </a:extLst>
+                </a:gridCol>
+                <a:gridCol w="587828">
+                  <a:extLst>
+                    <a:ext uri="{9D8B030D-6E8A-4147-A177-3AD203B41FA5}">
+                      <a16:colId xmlns:a16="http://schemas.microsoft.com/office/drawing/2014/main" val="3410476725"/>
+                    </a:ext>
+                  </a:extLst>
+                </a:gridCol>
+                <a:gridCol w="587828">
+                  <a:extLst>
+                    <a:ext uri="{9D8B030D-6E8A-4147-A177-3AD203B41FA5}">
+                      <a16:colId xmlns:a16="http://schemas.microsoft.com/office/drawing/2014/main" val="3995945475"/>
+                    </a:ext>
+                  </a:extLst>
+                </a:gridCol>
+                <a:gridCol w="587828">
+                  <a:extLst>
+                    <a:ext uri="{9D8B030D-6E8A-4147-A177-3AD203B41FA5}">
+                      <a16:colId xmlns:a16="http://schemas.microsoft.com/office/drawing/2014/main" val="2161062605"/>
+                    </a:ext>
+                  </a:extLst>
+                </a:gridCol>
+                <a:gridCol w="587828">
+                  <a:extLst>
+                    <a:ext uri="{9D8B030D-6E8A-4147-A177-3AD203B41FA5}">
+                      <a16:colId xmlns:a16="http://schemas.microsoft.com/office/drawing/2014/main" val="197253461"/>
+                    </a:ext>
+                  </a:extLst>
+                </a:gridCol>
+                <a:gridCol w="587828">
+                  <a:extLst>
+                    <a:ext uri="{9D8B030D-6E8A-4147-A177-3AD203B41FA5}">
+                      <a16:colId xmlns:a16="http://schemas.microsoft.com/office/drawing/2014/main" val="1001241469"/>
+                    </a:ext>
+                  </a:extLst>
+                </a:gridCol>
+                <a:gridCol w="587828">
+                  <a:extLst>
+                    <a:ext uri="{9D8B030D-6E8A-4147-A177-3AD203B41FA5}">
+                      <a16:colId xmlns:a16="http://schemas.microsoft.com/office/drawing/2014/main" val="3111539790"/>
+                    </a:ext>
+                  </a:extLst>
+                </a:gridCol>
+                <a:gridCol w="587828">
+                  <a:extLst>
+                    <a:ext uri="{9D8B030D-6E8A-4147-A177-3AD203B41FA5}">
+                      <a16:colId xmlns:a16="http://schemas.microsoft.com/office/drawing/2014/main" val="3288617752"/>
+                    </a:ext>
+                  </a:extLst>
+                </a:gridCol>
+              </a:tblGrid>
+              <a:tr h="370840">
+                <a:tc gridSpan="2">
+                  <a:txBody>
+                    <a:bodyPr/>
+                    <a:lstStyle/>
+                    <a:p>
+                      <a:pPr algn="l" fontAlgn="b"/>
+                      <a:r>
+                        <a:rPr lang="en-US" sz="1200" b="0" i="0" u="none" strike="noStrike" dirty="0" err="1">
+                          <a:solidFill>
+                            <a:srgbClr val="000000"/>
+                          </a:solidFill>
+                          <a:effectLst/>
+                          <a:latin typeface="Calibri" panose="020F0502020204030204" pitchFamily="34" charset="0"/>
+                        </a:rPr>
+                        <a:t>serijski</a:t>
+                      </a:r>
+                      <a:r>
+                        <a:rPr lang="en-US" sz="1200" b="0" i="0" u="none" strike="noStrike" dirty="0">
+                          <a:solidFill>
+                            <a:srgbClr val="000000"/>
+                          </a:solidFill>
+                          <a:effectLst/>
+                          <a:latin typeface="Calibri" panose="020F0502020204030204" pitchFamily="34" charset="0"/>
+                        </a:rPr>
+                        <a:t> </a:t>
+                      </a:r>
+                      <a:r>
+                        <a:rPr lang="en-US" sz="1200" b="0" i="0" u="none" strike="noStrike" dirty="0" err="1">
+                          <a:solidFill>
+                            <a:srgbClr val="000000"/>
+                          </a:solidFill>
+                          <a:effectLst/>
+                          <a:latin typeface="Calibri" panose="020F0502020204030204" pitchFamily="34" charset="0"/>
+                        </a:rPr>
+                        <a:t>algoritem</a:t>
+                      </a:r>
+                      <a:endParaRPr lang="en-US" sz="1200" b="0" i="0" u="none" strike="noStrike" dirty="0">
+                        <a:solidFill>
+                          <a:srgbClr val="000000"/>
+                        </a:solidFill>
+                        <a:effectLst/>
+                        <a:latin typeface="Calibri" panose="020F0502020204030204" pitchFamily="34" charset="0"/>
+                      </a:endParaRPr>
+                    </a:p>
+                  </a:txBody>
+                  <a:tcPr marL="9525" marR="9525" marT="9525" marB="0" anchor="b"/>
+                </a:tc>
+                <a:tc hMerge="1">
+                  <a:txBody>
+                    <a:bodyPr/>
+                    <a:lstStyle/>
+                    <a:p>
+                      <a:endParaRPr lang="en-SI"/>
+                    </a:p>
+                  </a:txBody>
+                  <a:tcPr/>
+                </a:tc>
+                <a:tc>
+                  <a:txBody>
+                    <a:bodyPr/>
+                    <a:lstStyle/>
+                    <a:p>
+                      <a:pPr algn="l" fontAlgn="b"/>
+                      <a:r>
+                        <a:rPr lang="en-SI" sz="1200" b="0" i="0" u="none" strike="noStrike">
+                          <a:solidFill>
+                            <a:srgbClr val="000000"/>
+                          </a:solidFill>
+                          <a:effectLst/>
+                          <a:latin typeface="Calibri" panose="020F0502020204030204" pitchFamily="34" charset="0"/>
+                        </a:rPr>
+                        <a:t> </a:t>
+                      </a:r>
+                    </a:p>
+                  </a:txBody>
+                  <a:tcPr marL="9525" marR="9525" marT="9525" marB="0" anchor="b"/>
+                </a:tc>
+                <a:tc>
+                  <a:txBody>
+                    <a:bodyPr/>
+                    <a:lstStyle/>
+                    <a:p>
+                      <a:pPr algn="l" fontAlgn="b"/>
+                      <a:r>
+                        <a:rPr lang="en-US" sz="1200" b="0" i="0" u="none" strike="noStrike">
+                          <a:solidFill>
+                            <a:srgbClr val="000000"/>
+                          </a:solidFill>
+                          <a:effectLst/>
+                          <a:latin typeface="Calibri" panose="020F0502020204030204" pitchFamily="34" charset="0"/>
+                        </a:rPr>
+                        <a:t>OpenMP</a:t>
+                      </a:r>
+                    </a:p>
+                  </a:txBody>
+                  <a:tcPr marL="9525" marR="9525" marT="9525" marB="0" anchor="b"/>
+                </a:tc>
+                <a:tc>
+                  <a:txBody>
+                    <a:bodyPr/>
+                    <a:lstStyle/>
+                    <a:p>
+                      <a:pPr algn="l" fontAlgn="b"/>
+                      <a:r>
+                        <a:rPr lang="en-SI" sz="1200" b="0" i="0" u="none" strike="noStrike">
+                          <a:solidFill>
+                            <a:srgbClr val="000000"/>
+                          </a:solidFill>
+                          <a:effectLst/>
+                          <a:latin typeface="Calibri" panose="020F0502020204030204" pitchFamily="34" charset="0"/>
+                        </a:rPr>
+                        <a:t> </a:t>
+                      </a:r>
+                    </a:p>
+                  </a:txBody>
+                  <a:tcPr marL="9525" marR="9525" marT="9525" marB="0" anchor="b"/>
+                </a:tc>
+                <a:tc>
+                  <a:txBody>
+                    <a:bodyPr/>
+                    <a:lstStyle/>
+                    <a:p>
+                      <a:pPr algn="l" fontAlgn="b"/>
+                      <a:r>
+                        <a:rPr lang="en-SI" sz="1200" b="0" i="0" u="none" strike="noStrike">
+                          <a:solidFill>
+                            <a:srgbClr val="000000"/>
+                          </a:solidFill>
+                          <a:effectLst/>
+                          <a:latin typeface="Calibri" panose="020F0502020204030204" pitchFamily="34" charset="0"/>
+                        </a:rPr>
+                        <a:t> </a:t>
+                      </a:r>
+                    </a:p>
+                  </a:txBody>
+                  <a:tcPr marL="9525" marR="9525" marT="9525" marB="0" anchor="b"/>
+                </a:tc>
+                <a:tc>
+                  <a:txBody>
+                    <a:bodyPr/>
+                    <a:lstStyle/>
+                    <a:p>
+                      <a:pPr algn="l" fontAlgn="b"/>
+                      <a:r>
+                        <a:rPr lang="en-US" sz="1200" b="0" i="0" u="none" strike="noStrike">
+                          <a:solidFill>
+                            <a:srgbClr val="000000"/>
+                          </a:solidFill>
+                          <a:effectLst/>
+                          <a:latin typeface="Calibri" panose="020F0502020204030204" pitchFamily="34" charset="0"/>
+                        </a:rPr>
+                        <a:t>MPI</a:t>
+                      </a:r>
+                    </a:p>
+                  </a:txBody>
+                  <a:tcPr marL="9525" marR="9525" marT="9525" marB="0" anchor="b"/>
+                </a:tc>
+                <a:tc>
+                  <a:txBody>
+                    <a:bodyPr/>
+                    <a:lstStyle/>
+                    <a:p>
+                      <a:pPr algn="l" fontAlgn="b"/>
+                      <a:r>
+                        <a:rPr lang="en-SI" sz="1200" b="0" i="0" u="none" strike="noStrike">
+                          <a:solidFill>
+                            <a:srgbClr val="000000"/>
+                          </a:solidFill>
+                          <a:effectLst/>
+                          <a:latin typeface="Calibri" panose="020F0502020204030204" pitchFamily="34" charset="0"/>
+                        </a:rPr>
+                        <a:t> </a:t>
+                      </a:r>
+                    </a:p>
+                  </a:txBody>
+                  <a:tcPr marL="9525" marR="9525" marT="9525" marB="0" anchor="b"/>
+                </a:tc>
+                <a:tc>
+                  <a:txBody>
+                    <a:bodyPr/>
+                    <a:lstStyle/>
+                    <a:p>
+                      <a:pPr algn="l" fontAlgn="b"/>
+                      <a:r>
+                        <a:rPr lang="en-SI" sz="1200" b="0" i="0" u="none" strike="noStrike">
+                          <a:solidFill>
+                            <a:srgbClr val="000000"/>
+                          </a:solidFill>
+                          <a:effectLst/>
+                          <a:latin typeface="Calibri" panose="020F0502020204030204" pitchFamily="34" charset="0"/>
+                        </a:rPr>
+                        <a:t> </a:t>
+                      </a:r>
+                    </a:p>
+                  </a:txBody>
+                  <a:tcPr marL="9525" marR="9525" marT="9525" marB="0" anchor="b"/>
+                </a:tc>
+                <a:tc>
+                  <a:txBody>
+                    <a:bodyPr/>
+                    <a:lstStyle/>
+                    <a:p>
+                      <a:pPr algn="l" fontAlgn="b"/>
+                      <a:r>
+                        <a:rPr lang="en-US" sz="1200" b="0" i="0" u="none" strike="noStrike">
+                          <a:solidFill>
+                            <a:srgbClr val="000000"/>
+                          </a:solidFill>
+                          <a:effectLst/>
+                          <a:latin typeface="Calibri" panose="020F0502020204030204" pitchFamily="34" charset="0"/>
+                        </a:rPr>
+                        <a:t>OpenCL</a:t>
+                      </a:r>
+                    </a:p>
+                  </a:txBody>
+                  <a:tcPr marL="9525" marR="9525" marT="9525" marB="0" anchor="b"/>
+                </a:tc>
+                <a:tc>
+                  <a:txBody>
+                    <a:bodyPr/>
+                    <a:lstStyle/>
+                    <a:p>
+                      <a:pPr algn="l" fontAlgn="b"/>
+                      <a:r>
+                        <a:rPr lang="en-SI" sz="1200" b="0" i="0" u="none" strike="noStrike">
+                          <a:solidFill>
+                            <a:srgbClr val="000000"/>
+                          </a:solidFill>
+                          <a:effectLst/>
+                          <a:latin typeface="Calibri" panose="020F0502020204030204" pitchFamily="34" charset="0"/>
+                        </a:rPr>
+                        <a:t> </a:t>
+                      </a:r>
+                    </a:p>
+                  </a:txBody>
+                  <a:tcPr marL="9525" marR="9525" marT="9525" marB="0" anchor="b"/>
+                </a:tc>
+                <a:tc>
+                  <a:txBody>
+                    <a:bodyPr/>
+                    <a:lstStyle/>
+                    <a:p>
+                      <a:pPr algn="l" fontAlgn="b"/>
+                      <a:r>
+                        <a:rPr lang="en-SI" sz="1200" b="0" i="0" u="none" strike="noStrike">
+                          <a:solidFill>
+                            <a:srgbClr val="000000"/>
+                          </a:solidFill>
+                          <a:effectLst/>
+                          <a:latin typeface="Calibri" panose="020F0502020204030204" pitchFamily="34" charset="0"/>
+                        </a:rPr>
+                        <a:t> </a:t>
+                      </a:r>
+                    </a:p>
+                  </a:txBody>
+                  <a:tcPr marL="9525" marR="9525" marT="9525" marB="0" anchor="b"/>
+                </a:tc>
+                <a:tc gridSpan="2">
+                  <a:txBody>
+                    <a:bodyPr/>
+                    <a:lstStyle/>
+                    <a:p>
+                      <a:pPr algn="l" fontAlgn="b"/>
+                      <a:r>
+                        <a:rPr lang="en-US" sz="1200" b="0" i="0" u="none" strike="noStrike">
+                          <a:solidFill>
+                            <a:srgbClr val="000000"/>
+                          </a:solidFill>
+                          <a:effectLst/>
+                          <a:latin typeface="Calibri" panose="020F0502020204030204" pitchFamily="34" charset="0"/>
+                        </a:rPr>
+                        <a:t>OpenCL z lok. pom.</a:t>
+                      </a:r>
+                    </a:p>
+                  </a:txBody>
+                  <a:tcPr marL="9525" marR="9525" marT="9525" marB="0" anchor="b"/>
+                </a:tc>
+                <a:tc hMerge="1">
+                  <a:txBody>
+                    <a:bodyPr/>
+                    <a:lstStyle/>
+                    <a:p>
+                      <a:endParaRPr lang="en-SI"/>
+                    </a:p>
+                  </a:txBody>
+                  <a:tcPr/>
+                </a:tc>
+                <a:extLst>
+                  <a:ext uri="{0D108BD9-81ED-4DB2-BD59-A6C34878D82A}">
+                    <a16:rowId xmlns:a16="http://schemas.microsoft.com/office/drawing/2014/main" val="432331349"/>
+                  </a:ext>
+                </a:extLst>
+              </a:tr>
+              <a:tr h="370840">
+                <a:tc>
+                  <a:txBody>
+                    <a:bodyPr/>
+                    <a:lstStyle/>
+                    <a:p>
+                      <a:pPr algn="l" fontAlgn="b"/>
+                      <a:r>
+                        <a:rPr lang="en-US" sz="1200" b="0" i="0" u="none" strike="noStrike">
+                          <a:solidFill>
+                            <a:srgbClr val="000000"/>
+                          </a:solidFill>
+                          <a:effectLst/>
+                          <a:latin typeface="Calibri" panose="020F0502020204030204" pitchFamily="34" charset="0"/>
+                        </a:rPr>
+                        <a:t>št. Iteracij</a:t>
+                      </a:r>
+                    </a:p>
+                  </a:txBody>
+                  <a:tcPr marL="9525" marR="9525" marT="9525" marB="0" anchor="b"/>
+                </a:tc>
+                <a:tc>
+                  <a:txBody>
+                    <a:bodyPr/>
+                    <a:lstStyle/>
+                    <a:p>
+                      <a:pPr algn="l" fontAlgn="b"/>
+                      <a:r>
+                        <a:rPr lang="en-US" sz="1200" b="0" i="0" u="none" strike="noStrike">
+                          <a:solidFill>
+                            <a:srgbClr val="000000"/>
+                          </a:solidFill>
+                          <a:effectLst/>
+                          <a:latin typeface="Calibri" panose="020F0502020204030204" pitchFamily="34" charset="0"/>
+                        </a:rPr>
+                        <a:t>čas izvajanja</a:t>
+                      </a:r>
+                    </a:p>
+                  </a:txBody>
+                  <a:tcPr marL="9525" marR="9525" marT="9525" marB="0" anchor="b"/>
+                </a:tc>
+                <a:tc>
+                  <a:txBody>
+                    <a:bodyPr/>
+                    <a:lstStyle/>
+                    <a:p>
+                      <a:pPr algn="l" fontAlgn="b"/>
+                      <a:endParaRPr lang="en-SI" sz="1200" b="0" i="0" u="none" strike="noStrike">
+                        <a:solidFill>
+                          <a:srgbClr val="000000"/>
+                        </a:solidFill>
+                        <a:effectLst/>
+                        <a:latin typeface="Calibri" panose="020F0502020204030204" pitchFamily="34" charset="0"/>
+                      </a:endParaRPr>
+                    </a:p>
+                  </a:txBody>
+                  <a:tcPr marL="9525" marR="9525" marT="9525" marB="0" anchor="b"/>
+                </a:tc>
+                <a:tc>
+                  <a:txBody>
+                    <a:bodyPr/>
+                    <a:lstStyle/>
+                    <a:p>
+                      <a:pPr algn="l" fontAlgn="b"/>
+                      <a:r>
+                        <a:rPr lang="en-US" sz="1200" b="0" i="0" u="none" strike="noStrike">
+                          <a:solidFill>
+                            <a:srgbClr val="000000"/>
+                          </a:solidFill>
+                          <a:effectLst/>
+                          <a:latin typeface="Calibri" panose="020F0502020204030204" pitchFamily="34" charset="0"/>
+                        </a:rPr>
+                        <a:t>št. Iteracij</a:t>
+                      </a:r>
+                    </a:p>
+                  </a:txBody>
+                  <a:tcPr marL="9525" marR="9525" marT="9525" marB="0" anchor="b"/>
+                </a:tc>
+                <a:tc>
+                  <a:txBody>
+                    <a:bodyPr/>
+                    <a:lstStyle/>
+                    <a:p>
+                      <a:pPr algn="l" fontAlgn="b"/>
+                      <a:r>
+                        <a:rPr lang="en-US" sz="1200" b="0" i="0" u="none" strike="noStrike">
+                          <a:solidFill>
+                            <a:srgbClr val="000000"/>
+                          </a:solidFill>
+                          <a:effectLst/>
+                          <a:latin typeface="Calibri" panose="020F0502020204030204" pitchFamily="34" charset="0"/>
+                        </a:rPr>
+                        <a:t>čas izvajanja</a:t>
+                      </a:r>
+                    </a:p>
+                  </a:txBody>
+                  <a:tcPr marL="9525" marR="9525" marT="9525" marB="0" anchor="b"/>
+                </a:tc>
+                <a:tc>
+                  <a:txBody>
+                    <a:bodyPr/>
+                    <a:lstStyle/>
+                    <a:p>
+                      <a:pPr algn="l" fontAlgn="b"/>
+                      <a:endParaRPr lang="en-SI" sz="1200" b="0" i="0" u="none" strike="noStrike">
+                        <a:solidFill>
+                          <a:srgbClr val="000000"/>
+                        </a:solidFill>
+                        <a:effectLst/>
+                        <a:latin typeface="Calibri" panose="020F0502020204030204" pitchFamily="34" charset="0"/>
+                      </a:endParaRPr>
+                    </a:p>
+                  </a:txBody>
+                  <a:tcPr marL="9525" marR="9525" marT="9525" marB="0" anchor="b"/>
+                </a:tc>
+                <a:tc>
+                  <a:txBody>
+                    <a:bodyPr/>
+                    <a:lstStyle/>
+                    <a:p>
+                      <a:pPr algn="l" fontAlgn="b"/>
+                      <a:r>
+                        <a:rPr lang="en-US" sz="1200" b="0" i="0" u="none" strike="noStrike">
+                          <a:solidFill>
+                            <a:srgbClr val="000000"/>
+                          </a:solidFill>
+                          <a:effectLst/>
+                          <a:latin typeface="Calibri" panose="020F0502020204030204" pitchFamily="34" charset="0"/>
+                        </a:rPr>
+                        <a:t>št. Iteracij</a:t>
+                      </a:r>
+                    </a:p>
+                  </a:txBody>
+                  <a:tcPr marL="9525" marR="9525" marT="9525" marB="0" anchor="b"/>
+                </a:tc>
+                <a:tc>
+                  <a:txBody>
+                    <a:bodyPr/>
+                    <a:lstStyle/>
+                    <a:p>
+                      <a:pPr algn="l" fontAlgn="b"/>
+                      <a:r>
+                        <a:rPr lang="en-US" sz="1200" b="0" i="0" u="none" strike="noStrike">
+                          <a:solidFill>
+                            <a:srgbClr val="000000"/>
+                          </a:solidFill>
+                          <a:effectLst/>
+                          <a:latin typeface="Calibri" panose="020F0502020204030204" pitchFamily="34" charset="0"/>
+                        </a:rPr>
+                        <a:t>čas izvajanja</a:t>
+                      </a:r>
+                    </a:p>
+                  </a:txBody>
+                  <a:tcPr marL="9525" marR="9525" marT="9525" marB="0" anchor="b"/>
+                </a:tc>
+                <a:tc>
+                  <a:txBody>
+                    <a:bodyPr/>
+                    <a:lstStyle/>
+                    <a:p>
+                      <a:pPr algn="l" fontAlgn="b"/>
+                      <a:endParaRPr lang="en-SI" sz="1200" b="0" i="0" u="none" strike="noStrike">
+                        <a:solidFill>
+                          <a:srgbClr val="000000"/>
+                        </a:solidFill>
+                        <a:effectLst/>
+                        <a:latin typeface="Calibri" panose="020F0502020204030204" pitchFamily="34" charset="0"/>
+                      </a:endParaRPr>
+                    </a:p>
+                  </a:txBody>
+                  <a:tcPr marL="9525" marR="9525" marT="9525" marB="0" anchor="b"/>
+                </a:tc>
+                <a:tc>
+                  <a:txBody>
+                    <a:bodyPr/>
+                    <a:lstStyle/>
+                    <a:p>
+                      <a:pPr algn="l" fontAlgn="b"/>
+                      <a:r>
+                        <a:rPr lang="en-US" sz="1200" b="0" i="0" u="none" strike="noStrike">
+                          <a:solidFill>
+                            <a:srgbClr val="000000"/>
+                          </a:solidFill>
+                          <a:effectLst/>
+                          <a:latin typeface="Calibri" panose="020F0502020204030204" pitchFamily="34" charset="0"/>
+                        </a:rPr>
+                        <a:t>št. Iteracij</a:t>
+                      </a:r>
+                    </a:p>
+                  </a:txBody>
+                  <a:tcPr marL="9525" marR="9525" marT="9525" marB="0" anchor="b"/>
+                </a:tc>
+                <a:tc>
+                  <a:txBody>
+                    <a:bodyPr/>
+                    <a:lstStyle/>
+                    <a:p>
+                      <a:pPr algn="l" fontAlgn="b"/>
+                      <a:r>
+                        <a:rPr lang="en-US" sz="1200" b="0" i="0" u="none" strike="noStrike">
+                          <a:solidFill>
+                            <a:srgbClr val="000000"/>
+                          </a:solidFill>
+                          <a:effectLst/>
+                          <a:latin typeface="Calibri" panose="020F0502020204030204" pitchFamily="34" charset="0"/>
+                        </a:rPr>
+                        <a:t>čas izvajanja</a:t>
+                      </a:r>
+                    </a:p>
+                  </a:txBody>
+                  <a:tcPr marL="9525" marR="9525" marT="9525" marB="0" anchor="b"/>
+                </a:tc>
+                <a:tc>
+                  <a:txBody>
+                    <a:bodyPr/>
+                    <a:lstStyle/>
+                    <a:p>
+                      <a:pPr algn="l" fontAlgn="b"/>
+                      <a:endParaRPr lang="en-SI" sz="1200" b="0" i="0" u="none" strike="noStrike">
+                        <a:solidFill>
+                          <a:srgbClr val="000000"/>
+                        </a:solidFill>
+                        <a:effectLst/>
+                        <a:latin typeface="Calibri" panose="020F0502020204030204" pitchFamily="34" charset="0"/>
+                      </a:endParaRPr>
+                    </a:p>
+                  </a:txBody>
+                  <a:tcPr marL="9525" marR="9525" marT="9525" marB="0" anchor="b"/>
+                </a:tc>
+                <a:tc>
+                  <a:txBody>
+                    <a:bodyPr/>
+                    <a:lstStyle/>
+                    <a:p>
+                      <a:pPr algn="l" fontAlgn="b"/>
+                      <a:r>
+                        <a:rPr lang="en-US" sz="1200" b="0" i="0" u="none" strike="noStrike">
+                          <a:solidFill>
+                            <a:srgbClr val="000000"/>
+                          </a:solidFill>
+                          <a:effectLst/>
+                          <a:latin typeface="Calibri" panose="020F0502020204030204" pitchFamily="34" charset="0"/>
+                        </a:rPr>
+                        <a:t>št. Iteracij</a:t>
+                      </a:r>
+                    </a:p>
+                  </a:txBody>
+                  <a:tcPr marL="9525" marR="9525" marT="9525" marB="0" anchor="b"/>
+                </a:tc>
+                <a:tc>
+                  <a:txBody>
+                    <a:bodyPr/>
+                    <a:lstStyle/>
+                    <a:p>
+                      <a:pPr algn="l" fontAlgn="b"/>
+                      <a:r>
+                        <a:rPr lang="en-US" sz="1200" b="0" i="0" u="none" strike="noStrike">
+                          <a:solidFill>
+                            <a:srgbClr val="000000"/>
+                          </a:solidFill>
+                          <a:effectLst/>
+                          <a:latin typeface="Calibri" panose="020F0502020204030204" pitchFamily="34" charset="0"/>
+                        </a:rPr>
+                        <a:t>čas izvajanja</a:t>
+                      </a:r>
+                    </a:p>
+                  </a:txBody>
+                  <a:tcPr marL="9525" marR="9525" marT="9525" marB="0" anchor="b"/>
+                </a:tc>
+                <a:extLst>
+                  <a:ext uri="{0D108BD9-81ED-4DB2-BD59-A6C34878D82A}">
+                    <a16:rowId xmlns:a16="http://schemas.microsoft.com/office/drawing/2014/main" val="3467974010"/>
+                  </a:ext>
+                </a:extLst>
+              </a:tr>
+              <a:tr h="370840">
+                <a:tc>
+                  <a:txBody>
+                    <a:bodyPr/>
+                    <a:lstStyle/>
+                    <a:p>
+                      <a:pPr algn="r" fontAlgn="b"/>
+                      <a:r>
+                        <a:rPr lang="en-SI" sz="1200" b="0" i="0" u="none" strike="noStrike">
+                          <a:solidFill>
+                            <a:srgbClr val="000000"/>
+                          </a:solidFill>
+                          <a:effectLst/>
+                          <a:latin typeface="Calibri" panose="020F0502020204030204" pitchFamily="34" charset="0"/>
+                        </a:rPr>
+                        <a:t>10000</a:t>
+                      </a:r>
+                    </a:p>
+                  </a:txBody>
+                  <a:tcPr marL="9525" marR="9525" marT="9525" marB="0" anchor="b"/>
+                </a:tc>
+                <a:tc>
+                  <a:txBody>
+                    <a:bodyPr/>
+                    <a:lstStyle/>
+                    <a:p>
+                      <a:pPr algn="r" fontAlgn="b"/>
+                      <a:r>
+                        <a:rPr lang="en-SI" sz="1200" b="0" i="0" u="none" strike="noStrike">
+                          <a:solidFill>
+                            <a:srgbClr val="000000"/>
+                          </a:solidFill>
+                          <a:effectLst/>
+                          <a:latin typeface="Calibri" panose="020F0502020204030204" pitchFamily="34" charset="0"/>
+                        </a:rPr>
+                        <a:t>263,11</a:t>
+                      </a:r>
+                    </a:p>
+                  </a:txBody>
+                  <a:tcPr marL="9525" marR="9525" marT="9525" marB="0" anchor="b"/>
+                </a:tc>
+                <a:tc>
+                  <a:txBody>
+                    <a:bodyPr/>
+                    <a:lstStyle/>
+                    <a:p>
+                      <a:pPr algn="l" fontAlgn="b"/>
+                      <a:endParaRPr lang="en-SI" sz="1200" b="0" i="0" u="none" strike="noStrike">
+                        <a:solidFill>
+                          <a:srgbClr val="000000"/>
+                        </a:solidFill>
+                        <a:effectLst/>
+                        <a:latin typeface="Calibri" panose="020F0502020204030204" pitchFamily="34" charset="0"/>
+                      </a:endParaRPr>
+                    </a:p>
+                  </a:txBody>
+                  <a:tcPr marL="9525" marR="9525" marT="9525" marB="0" anchor="b"/>
+                </a:tc>
+                <a:tc>
+                  <a:txBody>
+                    <a:bodyPr/>
+                    <a:lstStyle/>
+                    <a:p>
+                      <a:pPr algn="r" fontAlgn="b"/>
+                      <a:r>
+                        <a:rPr lang="en-SI" sz="1200" b="0" i="0" u="none" strike="noStrike">
+                          <a:solidFill>
+                            <a:srgbClr val="000000"/>
+                          </a:solidFill>
+                          <a:effectLst/>
+                          <a:latin typeface="Calibri" panose="020F0502020204030204" pitchFamily="34" charset="0"/>
+                        </a:rPr>
+                        <a:t>10000</a:t>
+                      </a:r>
+                    </a:p>
+                  </a:txBody>
+                  <a:tcPr marL="9525" marR="9525" marT="9525" marB="0" anchor="b"/>
+                </a:tc>
+                <a:tc>
+                  <a:txBody>
+                    <a:bodyPr/>
+                    <a:lstStyle/>
+                    <a:p>
+                      <a:pPr algn="r" fontAlgn="b"/>
+                      <a:r>
+                        <a:rPr lang="en-SI" sz="1200" b="0" i="0" u="none" strike="noStrike">
+                          <a:solidFill>
+                            <a:srgbClr val="000000"/>
+                          </a:solidFill>
+                          <a:effectLst/>
+                          <a:latin typeface="Calibri" panose="020F0502020204030204" pitchFamily="34" charset="0"/>
+                        </a:rPr>
+                        <a:t>10,8</a:t>
+                      </a:r>
+                    </a:p>
+                  </a:txBody>
+                  <a:tcPr marL="9525" marR="9525" marT="9525" marB="0" anchor="b"/>
+                </a:tc>
+                <a:tc>
+                  <a:txBody>
+                    <a:bodyPr/>
+                    <a:lstStyle/>
+                    <a:p>
+                      <a:pPr algn="l" fontAlgn="b"/>
+                      <a:endParaRPr lang="en-SI" sz="1200" b="0" i="0" u="none" strike="noStrike">
+                        <a:solidFill>
+                          <a:srgbClr val="000000"/>
+                        </a:solidFill>
+                        <a:effectLst/>
+                        <a:latin typeface="Calibri" panose="020F0502020204030204" pitchFamily="34" charset="0"/>
+                      </a:endParaRPr>
+                    </a:p>
+                  </a:txBody>
+                  <a:tcPr marL="9525" marR="9525" marT="9525" marB="0" anchor="b"/>
+                </a:tc>
+                <a:tc>
+                  <a:txBody>
+                    <a:bodyPr/>
+                    <a:lstStyle/>
+                    <a:p>
+                      <a:pPr algn="r" fontAlgn="b"/>
+                      <a:r>
+                        <a:rPr lang="en-SI" sz="1200" b="0" i="0" u="none" strike="noStrike">
+                          <a:solidFill>
+                            <a:srgbClr val="000000"/>
+                          </a:solidFill>
+                          <a:effectLst/>
+                          <a:latin typeface="Calibri" panose="020F0502020204030204" pitchFamily="34" charset="0"/>
+                        </a:rPr>
+                        <a:t>10000</a:t>
+                      </a:r>
+                    </a:p>
+                  </a:txBody>
+                  <a:tcPr marL="9525" marR="9525" marT="9525" marB="0" anchor="b"/>
+                </a:tc>
+                <a:tc>
+                  <a:txBody>
+                    <a:bodyPr/>
+                    <a:lstStyle/>
+                    <a:p>
+                      <a:pPr algn="r" fontAlgn="b"/>
+                      <a:r>
+                        <a:rPr lang="en-SI" sz="1200" b="0" i="0" u="none" strike="noStrike">
+                          <a:solidFill>
+                            <a:srgbClr val="000000"/>
+                          </a:solidFill>
+                          <a:effectLst/>
+                          <a:latin typeface="Calibri" panose="020F0502020204030204" pitchFamily="34" charset="0"/>
+                        </a:rPr>
+                        <a:t>8,3</a:t>
+                      </a:r>
+                    </a:p>
+                  </a:txBody>
+                  <a:tcPr marL="9525" marR="9525" marT="9525" marB="0" anchor="b"/>
+                </a:tc>
+                <a:tc>
+                  <a:txBody>
+                    <a:bodyPr/>
+                    <a:lstStyle/>
+                    <a:p>
+                      <a:pPr algn="l" fontAlgn="b"/>
+                      <a:endParaRPr lang="en-SI" sz="1200" b="0" i="0" u="none" strike="noStrike">
+                        <a:solidFill>
+                          <a:srgbClr val="000000"/>
+                        </a:solidFill>
+                        <a:effectLst/>
+                        <a:latin typeface="Calibri" panose="020F0502020204030204" pitchFamily="34" charset="0"/>
+                      </a:endParaRPr>
+                    </a:p>
+                  </a:txBody>
+                  <a:tcPr marL="9525" marR="9525" marT="9525" marB="0" anchor="b"/>
+                </a:tc>
+                <a:tc>
+                  <a:txBody>
+                    <a:bodyPr/>
+                    <a:lstStyle/>
+                    <a:p>
+                      <a:pPr algn="r" fontAlgn="b"/>
+                      <a:r>
+                        <a:rPr lang="en-SI" sz="1200" b="0" i="0" u="none" strike="noStrike">
+                          <a:solidFill>
+                            <a:srgbClr val="000000"/>
+                          </a:solidFill>
+                          <a:effectLst/>
+                          <a:latin typeface="Calibri" panose="020F0502020204030204" pitchFamily="34" charset="0"/>
+                        </a:rPr>
+                        <a:t>10000</a:t>
+                      </a:r>
+                    </a:p>
+                  </a:txBody>
+                  <a:tcPr marL="9525" marR="9525" marT="9525" marB="0" anchor="b"/>
+                </a:tc>
+                <a:tc>
+                  <a:txBody>
+                    <a:bodyPr/>
+                    <a:lstStyle/>
+                    <a:p>
+                      <a:pPr algn="r" fontAlgn="b"/>
+                      <a:r>
+                        <a:rPr lang="en-SI" sz="1200" b="0" i="0" u="none" strike="noStrike">
+                          <a:solidFill>
+                            <a:srgbClr val="000000"/>
+                          </a:solidFill>
+                          <a:effectLst/>
+                          <a:latin typeface="Calibri" panose="020F0502020204030204" pitchFamily="34" charset="0"/>
+                        </a:rPr>
+                        <a:t>4,55</a:t>
+                      </a:r>
+                    </a:p>
+                  </a:txBody>
+                  <a:tcPr marL="9525" marR="9525" marT="9525" marB="0" anchor="b"/>
+                </a:tc>
+                <a:tc>
+                  <a:txBody>
+                    <a:bodyPr/>
+                    <a:lstStyle/>
+                    <a:p>
+                      <a:pPr algn="l" fontAlgn="b"/>
+                      <a:endParaRPr lang="en-SI" sz="1200" b="0" i="0" u="none" strike="noStrike">
+                        <a:solidFill>
+                          <a:srgbClr val="000000"/>
+                        </a:solidFill>
+                        <a:effectLst/>
+                        <a:latin typeface="Calibri" panose="020F0502020204030204" pitchFamily="34" charset="0"/>
+                      </a:endParaRPr>
+                    </a:p>
+                  </a:txBody>
+                  <a:tcPr marL="9525" marR="9525" marT="9525" marB="0" anchor="b"/>
+                </a:tc>
+                <a:tc>
+                  <a:txBody>
+                    <a:bodyPr/>
+                    <a:lstStyle/>
+                    <a:p>
+                      <a:pPr algn="r" fontAlgn="b"/>
+                      <a:r>
+                        <a:rPr lang="en-SI" sz="1200" b="0" i="0" u="none" strike="noStrike">
+                          <a:solidFill>
+                            <a:srgbClr val="000000"/>
+                          </a:solidFill>
+                          <a:effectLst/>
+                          <a:latin typeface="Calibri" panose="020F0502020204030204" pitchFamily="34" charset="0"/>
+                        </a:rPr>
+                        <a:t>10000</a:t>
+                      </a:r>
+                    </a:p>
+                  </a:txBody>
+                  <a:tcPr marL="9525" marR="9525" marT="9525" marB="0" anchor="b"/>
+                </a:tc>
+                <a:tc>
+                  <a:txBody>
+                    <a:bodyPr/>
+                    <a:lstStyle/>
+                    <a:p>
+                      <a:pPr algn="r" fontAlgn="b"/>
+                      <a:r>
+                        <a:rPr lang="en-SI" sz="1200" b="0" i="0" u="none" strike="noStrike">
+                          <a:solidFill>
+                            <a:srgbClr val="000000"/>
+                          </a:solidFill>
+                          <a:effectLst/>
+                          <a:latin typeface="Calibri" panose="020F0502020204030204" pitchFamily="34" charset="0"/>
+                        </a:rPr>
+                        <a:t>2,58</a:t>
+                      </a:r>
+                    </a:p>
+                  </a:txBody>
+                  <a:tcPr marL="9525" marR="9525" marT="9525" marB="0" anchor="b"/>
+                </a:tc>
+                <a:extLst>
+                  <a:ext uri="{0D108BD9-81ED-4DB2-BD59-A6C34878D82A}">
+                    <a16:rowId xmlns:a16="http://schemas.microsoft.com/office/drawing/2014/main" val="801544622"/>
+                  </a:ext>
+                </a:extLst>
+              </a:tr>
+              <a:tr h="370840">
+                <a:tc>
+                  <a:txBody>
+                    <a:bodyPr/>
+                    <a:lstStyle/>
+                    <a:p>
+                      <a:pPr algn="r" fontAlgn="b"/>
+                      <a:r>
+                        <a:rPr lang="en-SI" sz="1200" b="0" i="0" u="none" strike="noStrike">
+                          <a:solidFill>
+                            <a:srgbClr val="000000"/>
+                          </a:solidFill>
+                          <a:effectLst/>
+                          <a:latin typeface="Calibri" panose="020F0502020204030204" pitchFamily="34" charset="0"/>
+                        </a:rPr>
+                        <a:t>1000</a:t>
+                      </a:r>
+                    </a:p>
+                  </a:txBody>
+                  <a:tcPr marL="9525" marR="9525" marT="9525" marB="0" anchor="b"/>
+                </a:tc>
+                <a:tc>
+                  <a:txBody>
+                    <a:bodyPr/>
+                    <a:lstStyle/>
+                    <a:p>
+                      <a:pPr algn="r" fontAlgn="b"/>
+                      <a:r>
+                        <a:rPr lang="en-SI" sz="1200" b="0" i="0" u="none" strike="noStrike">
+                          <a:solidFill>
+                            <a:srgbClr val="000000"/>
+                          </a:solidFill>
+                          <a:effectLst/>
+                          <a:latin typeface="Calibri" panose="020F0502020204030204" pitchFamily="34" charset="0"/>
+                        </a:rPr>
+                        <a:t>49,88</a:t>
+                      </a:r>
+                    </a:p>
+                  </a:txBody>
+                  <a:tcPr marL="9525" marR="9525" marT="9525" marB="0" anchor="b"/>
+                </a:tc>
+                <a:tc>
+                  <a:txBody>
+                    <a:bodyPr/>
+                    <a:lstStyle/>
+                    <a:p>
+                      <a:pPr algn="l" fontAlgn="b"/>
+                      <a:endParaRPr lang="en-SI" sz="1200" b="0" i="0" u="none" strike="noStrike">
+                        <a:solidFill>
+                          <a:srgbClr val="000000"/>
+                        </a:solidFill>
+                        <a:effectLst/>
+                        <a:latin typeface="Calibri" panose="020F0502020204030204" pitchFamily="34" charset="0"/>
+                      </a:endParaRPr>
+                    </a:p>
+                  </a:txBody>
+                  <a:tcPr marL="9525" marR="9525" marT="9525" marB="0" anchor="b"/>
+                </a:tc>
+                <a:tc>
+                  <a:txBody>
+                    <a:bodyPr/>
+                    <a:lstStyle/>
+                    <a:p>
+                      <a:pPr algn="r" fontAlgn="b"/>
+                      <a:r>
+                        <a:rPr lang="en-SI" sz="1200" b="0" i="0" u="none" strike="noStrike">
+                          <a:solidFill>
+                            <a:srgbClr val="000000"/>
+                          </a:solidFill>
+                          <a:effectLst/>
+                          <a:latin typeface="Calibri" panose="020F0502020204030204" pitchFamily="34" charset="0"/>
+                        </a:rPr>
+                        <a:t>1000</a:t>
+                      </a:r>
+                    </a:p>
+                  </a:txBody>
+                  <a:tcPr marL="9525" marR="9525" marT="9525" marB="0" anchor="b"/>
+                </a:tc>
+                <a:tc>
+                  <a:txBody>
+                    <a:bodyPr/>
+                    <a:lstStyle/>
+                    <a:p>
+                      <a:pPr algn="r" fontAlgn="b"/>
+                      <a:r>
+                        <a:rPr lang="en-SI" sz="1200" b="0" i="0" u="none" strike="noStrike">
+                          <a:solidFill>
+                            <a:srgbClr val="000000"/>
+                          </a:solidFill>
+                          <a:effectLst/>
+                          <a:latin typeface="Calibri" panose="020F0502020204030204" pitchFamily="34" charset="0"/>
+                        </a:rPr>
+                        <a:t>1,1</a:t>
+                      </a:r>
+                    </a:p>
+                  </a:txBody>
+                  <a:tcPr marL="9525" marR="9525" marT="9525" marB="0" anchor="b"/>
+                </a:tc>
+                <a:tc>
+                  <a:txBody>
+                    <a:bodyPr/>
+                    <a:lstStyle/>
+                    <a:p>
+                      <a:pPr algn="l" fontAlgn="b"/>
+                      <a:endParaRPr lang="en-SI" sz="1200" b="0" i="0" u="none" strike="noStrike">
+                        <a:solidFill>
+                          <a:srgbClr val="000000"/>
+                        </a:solidFill>
+                        <a:effectLst/>
+                        <a:latin typeface="Calibri" panose="020F0502020204030204" pitchFamily="34" charset="0"/>
+                      </a:endParaRPr>
+                    </a:p>
+                  </a:txBody>
+                  <a:tcPr marL="9525" marR="9525" marT="9525" marB="0" anchor="b"/>
+                </a:tc>
+                <a:tc>
+                  <a:txBody>
+                    <a:bodyPr/>
+                    <a:lstStyle/>
+                    <a:p>
+                      <a:pPr algn="r" fontAlgn="b"/>
+                      <a:r>
+                        <a:rPr lang="en-SI" sz="1200" b="0" i="0" u="none" strike="noStrike">
+                          <a:solidFill>
+                            <a:srgbClr val="000000"/>
+                          </a:solidFill>
+                          <a:effectLst/>
+                          <a:latin typeface="Calibri" panose="020F0502020204030204" pitchFamily="34" charset="0"/>
+                        </a:rPr>
+                        <a:t>1000</a:t>
+                      </a:r>
+                    </a:p>
+                  </a:txBody>
+                  <a:tcPr marL="9525" marR="9525" marT="9525" marB="0" anchor="b"/>
+                </a:tc>
+                <a:tc>
+                  <a:txBody>
+                    <a:bodyPr/>
+                    <a:lstStyle/>
+                    <a:p>
+                      <a:pPr algn="r" fontAlgn="b"/>
+                      <a:r>
+                        <a:rPr lang="en-SI" sz="1200" b="0" i="0" u="none" strike="noStrike">
+                          <a:solidFill>
+                            <a:srgbClr val="000000"/>
+                          </a:solidFill>
+                          <a:effectLst/>
+                          <a:latin typeface="Calibri" panose="020F0502020204030204" pitchFamily="34" charset="0"/>
+                        </a:rPr>
+                        <a:t>1,2</a:t>
+                      </a:r>
+                    </a:p>
+                  </a:txBody>
+                  <a:tcPr marL="9525" marR="9525" marT="9525" marB="0" anchor="b"/>
+                </a:tc>
+                <a:tc>
+                  <a:txBody>
+                    <a:bodyPr/>
+                    <a:lstStyle/>
+                    <a:p>
+                      <a:pPr algn="l" fontAlgn="b"/>
+                      <a:endParaRPr lang="en-SI" sz="1200" b="0" i="0" u="none" strike="noStrike">
+                        <a:solidFill>
+                          <a:srgbClr val="000000"/>
+                        </a:solidFill>
+                        <a:effectLst/>
+                        <a:latin typeface="Calibri" panose="020F0502020204030204" pitchFamily="34" charset="0"/>
+                      </a:endParaRPr>
+                    </a:p>
+                  </a:txBody>
+                  <a:tcPr marL="9525" marR="9525" marT="9525" marB="0" anchor="b"/>
+                </a:tc>
+                <a:tc>
+                  <a:txBody>
+                    <a:bodyPr/>
+                    <a:lstStyle/>
+                    <a:p>
+                      <a:pPr algn="r" fontAlgn="b"/>
+                      <a:r>
+                        <a:rPr lang="en-SI" sz="1200" b="0" i="0" u="none" strike="noStrike">
+                          <a:solidFill>
+                            <a:srgbClr val="000000"/>
+                          </a:solidFill>
+                          <a:effectLst/>
+                          <a:latin typeface="Calibri" panose="020F0502020204030204" pitchFamily="34" charset="0"/>
+                        </a:rPr>
+                        <a:t>1000</a:t>
+                      </a:r>
+                    </a:p>
+                  </a:txBody>
+                  <a:tcPr marL="9525" marR="9525" marT="9525" marB="0" anchor="b"/>
+                </a:tc>
+                <a:tc>
+                  <a:txBody>
+                    <a:bodyPr/>
+                    <a:lstStyle/>
+                    <a:p>
+                      <a:pPr algn="r" fontAlgn="b"/>
+                      <a:r>
+                        <a:rPr lang="en-SI" sz="1200" b="0" i="0" u="none" strike="noStrike">
+                          <a:solidFill>
+                            <a:srgbClr val="000000"/>
+                          </a:solidFill>
+                          <a:effectLst/>
+                          <a:latin typeface="Calibri" panose="020F0502020204030204" pitchFamily="34" charset="0"/>
+                        </a:rPr>
+                        <a:t>0,49</a:t>
+                      </a:r>
+                    </a:p>
+                  </a:txBody>
+                  <a:tcPr marL="9525" marR="9525" marT="9525" marB="0" anchor="b"/>
+                </a:tc>
+                <a:tc>
+                  <a:txBody>
+                    <a:bodyPr/>
+                    <a:lstStyle/>
+                    <a:p>
+                      <a:pPr algn="l" fontAlgn="b"/>
+                      <a:endParaRPr lang="en-SI" sz="1200" b="0" i="0" u="none" strike="noStrike">
+                        <a:solidFill>
+                          <a:srgbClr val="000000"/>
+                        </a:solidFill>
+                        <a:effectLst/>
+                        <a:latin typeface="Calibri" panose="020F0502020204030204" pitchFamily="34" charset="0"/>
+                      </a:endParaRPr>
+                    </a:p>
+                  </a:txBody>
+                  <a:tcPr marL="9525" marR="9525" marT="9525" marB="0" anchor="b"/>
+                </a:tc>
+                <a:tc>
+                  <a:txBody>
+                    <a:bodyPr/>
+                    <a:lstStyle/>
+                    <a:p>
+                      <a:pPr algn="r" fontAlgn="b"/>
+                      <a:r>
+                        <a:rPr lang="en-SI" sz="1200" b="0" i="0" u="none" strike="noStrike">
+                          <a:solidFill>
+                            <a:srgbClr val="000000"/>
+                          </a:solidFill>
+                          <a:effectLst/>
+                          <a:latin typeface="Calibri" panose="020F0502020204030204" pitchFamily="34" charset="0"/>
+                        </a:rPr>
+                        <a:t>1000</a:t>
+                      </a:r>
+                    </a:p>
+                  </a:txBody>
+                  <a:tcPr marL="9525" marR="9525" marT="9525" marB="0" anchor="b"/>
+                </a:tc>
+                <a:tc>
+                  <a:txBody>
+                    <a:bodyPr/>
+                    <a:lstStyle/>
+                    <a:p>
+                      <a:pPr algn="r" fontAlgn="b"/>
+                      <a:r>
+                        <a:rPr lang="en-SI" sz="1200" b="0" i="0" u="none" strike="noStrike">
+                          <a:solidFill>
+                            <a:srgbClr val="000000"/>
+                          </a:solidFill>
+                          <a:effectLst/>
+                          <a:latin typeface="Calibri" panose="020F0502020204030204" pitchFamily="34" charset="0"/>
+                        </a:rPr>
+                        <a:t>0,3</a:t>
+                      </a:r>
+                    </a:p>
+                  </a:txBody>
+                  <a:tcPr marL="9525" marR="9525" marT="9525" marB="0" anchor="b"/>
+                </a:tc>
+                <a:extLst>
+                  <a:ext uri="{0D108BD9-81ED-4DB2-BD59-A6C34878D82A}">
+                    <a16:rowId xmlns:a16="http://schemas.microsoft.com/office/drawing/2014/main" val="110857031"/>
+                  </a:ext>
+                </a:extLst>
+              </a:tr>
+              <a:tr h="370840">
+                <a:tc>
+                  <a:txBody>
+                    <a:bodyPr/>
+                    <a:lstStyle/>
+                    <a:p>
+                      <a:pPr algn="r" fontAlgn="b"/>
+                      <a:r>
+                        <a:rPr lang="en-SI" sz="1200" b="0" i="0" u="none" strike="noStrike">
+                          <a:solidFill>
+                            <a:srgbClr val="000000"/>
+                          </a:solidFill>
+                          <a:effectLst/>
+                          <a:latin typeface="Calibri" panose="020F0502020204030204" pitchFamily="34" charset="0"/>
+                        </a:rPr>
+                        <a:t>100</a:t>
+                      </a:r>
+                    </a:p>
+                  </a:txBody>
+                  <a:tcPr marL="9525" marR="9525" marT="9525" marB="0" anchor="b"/>
+                </a:tc>
+                <a:tc>
+                  <a:txBody>
+                    <a:bodyPr/>
+                    <a:lstStyle/>
+                    <a:p>
+                      <a:pPr algn="r" fontAlgn="b"/>
+                      <a:r>
+                        <a:rPr lang="en-SI" sz="1200" b="0" i="0" u="none" strike="noStrike">
+                          <a:solidFill>
+                            <a:srgbClr val="000000"/>
+                          </a:solidFill>
+                          <a:effectLst/>
+                          <a:latin typeface="Calibri" panose="020F0502020204030204" pitchFamily="34" charset="0"/>
+                        </a:rPr>
+                        <a:t>4,16</a:t>
+                      </a:r>
+                    </a:p>
+                  </a:txBody>
+                  <a:tcPr marL="9525" marR="9525" marT="9525" marB="0" anchor="b"/>
+                </a:tc>
+                <a:tc>
+                  <a:txBody>
+                    <a:bodyPr/>
+                    <a:lstStyle/>
+                    <a:p>
+                      <a:pPr algn="l" fontAlgn="b"/>
+                      <a:endParaRPr lang="en-SI" sz="1200" b="0" i="0" u="none" strike="noStrike">
+                        <a:solidFill>
+                          <a:srgbClr val="000000"/>
+                        </a:solidFill>
+                        <a:effectLst/>
+                        <a:latin typeface="Calibri" panose="020F0502020204030204" pitchFamily="34" charset="0"/>
+                      </a:endParaRPr>
+                    </a:p>
+                  </a:txBody>
+                  <a:tcPr marL="9525" marR="9525" marT="9525" marB="0" anchor="b"/>
+                </a:tc>
+                <a:tc>
+                  <a:txBody>
+                    <a:bodyPr/>
+                    <a:lstStyle/>
+                    <a:p>
+                      <a:pPr algn="r" fontAlgn="b"/>
+                      <a:r>
+                        <a:rPr lang="en-SI" sz="1200" b="0" i="0" u="none" strike="noStrike">
+                          <a:solidFill>
+                            <a:srgbClr val="000000"/>
+                          </a:solidFill>
+                          <a:effectLst/>
+                          <a:latin typeface="Calibri" panose="020F0502020204030204" pitchFamily="34" charset="0"/>
+                        </a:rPr>
+                        <a:t>100</a:t>
+                      </a:r>
+                    </a:p>
+                  </a:txBody>
+                  <a:tcPr marL="9525" marR="9525" marT="9525" marB="0" anchor="b"/>
+                </a:tc>
+                <a:tc>
+                  <a:txBody>
+                    <a:bodyPr/>
+                    <a:lstStyle/>
+                    <a:p>
+                      <a:pPr algn="r" fontAlgn="b"/>
+                      <a:r>
+                        <a:rPr lang="en-SI" sz="1200" b="0" i="0" u="none" strike="noStrike">
+                          <a:solidFill>
+                            <a:srgbClr val="000000"/>
+                          </a:solidFill>
+                          <a:effectLst/>
+                          <a:latin typeface="Calibri" panose="020F0502020204030204" pitchFamily="34" charset="0"/>
+                        </a:rPr>
+                        <a:t>0,48</a:t>
+                      </a:r>
+                    </a:p>
+                  </a:txBody>
+                  <a:tcPr marL="9525" marR="9525" marT="9525" marB="0" anchor="b"/>
+                </a:tc>
+                <a:tc>
+                  <a:txBody>
+                    <a:bodyPr/>
+                    <a:lstStyle/>
+                    <a:p>
+                      <a:pPr algn="l" fontAlgn="b"/>
+                      <a:endParaRPr lang="en-SI" sz="1200" b="0" i="0" u="none" strike="noStrike">
+                        <a:solidFill>
+                          <a:srgbClr val="000000"/>
+                        </a:solidFill>
+                        <a:effectLst/>
+                        <a:latin typeface="Calibri" panose="020F0502020204030204" pitchFamily="34" charset="0"/>
+                      </a:endParaRPr>
+                    </a:p>
+                  </a:txBody>
+                  <a:tcPr marL="9525" marR="9525" marT="9525" marB="0" anchor="b"/>
+                </a:tc>
+                <a:tc>
+                  <a:txBody>
+                    <a:bodyPr/>
+                    <a:lstStyle/>
+                    <a:p>
+                      <a:pPr algn="r" fontAlgn="b"/>
+                      <a:r>
+                        <a:rPr lang="en-SI" sz="1200" b="0" i="0" u="none" strike="noStrike">
+                          <a:solidFill>
+                            <a:srgbClr val="000000"/>
+                          </a:solidFill>
+                          <a:effectLst/>
+                          <a:latin typeface="Calibri" panose="020F0502020204030204" pitchFamily="34" charset="0"/>
+                        </a:rPr>
+                        <a:t>100</a:t>
+                      </a:r>
+                    </a:p>
+                  </a:txBody>
+                  <a:tcPr marL="9525" marR="9525" marT="9525" marB="0" anchor="b"/>
+                </a:tc>
+                <a:tc>
+                  <a:txBody>
+                    <a:bodyPr/>
+                    <a:lstStyle/>
+                    <a:p>
+                      <a:pPr algn="r" fontAlgn="b"/>
+                      <a:r>
+                        <a:rPr lang="en-SI" sz="1200" b="0" i="0" u="none" strike="noStrike">
+                          <a:solidFill>
+                            <a:srgbClr val="000000"/>
+                          </a:solidFill>
+                          <a:effectLst/>
+                          <a:latin typeface="Calibri" panose="020F0502020204030204" pitchFamily="34" charset="0"/>
+                        </a:rPr>
+                        <a:t>0,44</a:t>
+                      </a:r>
+                    </a:p>
+                  </a:txBody>
+                  <a:tcPr marL="9525" marR="9525" marT="9525" marB="0" anchor="b"/>
+                </a:tc>
+                <a:tc>
+                  <a:txBody>
+                    <a:bodyPr/>
+                    <a:lstStyle/>
+                    <a:p>
+                      <a:pPr algn="l" fontAlgn="b"/>
+                      <a:endParaRPr lang="en-SI" sz="1200" b="0" i="0" u="none" strike="noStrike">
+                        <a:solidFill>
+                          <a:srgbClr val="000000"/>
+                        </a:solidFill>
+                        <a:effectLst/>
+                        <a:latin typeface="Calibri" panose="020F0502020204030204" pitchFamily="34" charset="0"/>
+                      </a:endParaRPr>
+                    </a:p>
+                  </a:txBody>
+                  <a:tcPr marL="9525" marR="9525" marT="9525" marB="0" anchor="b"/>
+                </a:tc>
+                <a:tc>
+                  <a:txBody>
+                    <a:bodyPr/>
+                    <a:lstStyle/>
+                    <a:p>
+                      <a:pPr algn="r" fontAlgn="b"/>
+                      <a:r>
+                        <a:rPr lang="en-SI" sz="1200" b="0" i="0" u="none" strike="noStrike">
+                          <a:solidFill>
+                            <a:srgbClr val="000000"/>
+                          </a:solidFill>
+                          <a:effectLst/>
+                          <a:latin typeface="Calibri" panose="020F0502020204030204" pitchFamily="34" charset="0"/>
+                        </a:rPr>
+                        <a:t>100</a:t>
+                      </a:r>
+                    </a:p>
+                  </a:txBody>
+                  <a:tcPr marL="9525" marR="9525" marT="9525" marB="0" anchor="b"/>
+                </a:tc>
+                <a:tc>
+                  <a:txBody>
+                    <a:bodyPr/>
+                    <a:lstStyle/>
+                    <a:p>
+                      <a:pPr algn="r" fontAlgn="b"/>
+                      <a:r>
+                        <a:rPr lang="en-SI" sz="1200" b="0" i="0" u="none" strike="noStrike">
+                          <a:solidFill>
+                            <a:srgbClr val="000000"/>
+                          </a:solidFill>
+                          <a:effectLst/>
+                          <a:latin typeface="Calibri" panose="020F0502020204030204" pitchFamily="34" charset="0"/>
+                        </a:rPr>
+                        <a:t>0,09</a:t>
+                      </a:r>
+                    </a:p>
+                  </a:txBody>
+                  <a:tcPr marL="9525" marR="9525" marT="9525" marB="0" anchor="b"/>
+                </a:tc>
+                <a:tc>
+                  <a:txBody>
+                    <a:bodyPr/>
+                    <a:lstStyle/>
+                    <a:p>
+                      <a:pPr algn="l" fontAlgn="b"/>
+                      <a:endParaRPr lang="en-SI" sz="1200" b="0" i="0" u="none" strike="noStrike">
+                        <a:solidFill>
+                          <a:srgbClr val="000000"/>
+                        </a:solidFill>
+                        <a:effectLst/>
+                        <a:latin typeface="Calibri" panose="020F0502020204030204" pitchFamily="34" charset="0"/>
+                      </a:endParaRPr>
+                    </a:p>
+                  </a:txBody>
+                  <a:tcPr marL="9525" marR="9525" marT="9525" marB="0" anchor="b"/>
+                </a:tc>
+                <a:tc>
+                  <a:txBody>
+                    <a:bodyPr/>
+                    <a:lstStyle/>
+                    <a:p>
+                      <a:pPr algn="r" fontAlgn="b"/>
+                      <a:r>
+                        <a:rPr lang="en-SI" sz="1200" b="0" i="0" u="none" strike="noStrike">
+                          <a:solidFill>
+                            <a:srgbClr val="000000"/>
+                          </a:solidFill>
+                          <a:effectLst/>
+                          <a:latin typeface="Calibri" panose="020F0502020204030204" pitchFamily="34" charset="0"/>
+                        </a:rPr>
+                        <a:t>100</a:t>
+                      </a:r>
+                    </a:p>
+                  </a:txBody>
+                  <a:tcPr marL="9525" marR="9525" marT="9525" marB="0" anchor="b"/>
+                </a:tc>
+                <a:tc>
+                  <a:txBody>
+                    <a:bodyPr/>
+                    <a:lstStyle/>
+                    <a:p>
+                      <a:pPr algn="r" fontAlgn="b"/>
+                      <a:r>
+                        <a:rPr lang="en-SI" sz="1200" b="0" i="0" u="none" strike="noStrike">
+                          <a:solidFill>
+                            <a:srgbClr val="000000"/>
+                          </a:solidFill>
+                          <a:effectLst/>
+                          <a:latin typeface="Calibri" panose="020F0502020204030204" pitchFamily="34" charset="0"/>
+                        </a:rPr>
+                        <a:t>0,07</a:t>
+                      </a:r>
+                    </a:p>
+                  </a:txBody>
+                  <a:tcPr marL="9525" marR="9525" marT="9525" marB="0" anchor="b"/>
+                </a:tc>
+                <a:extLst>
+                  <a:ext uri="{0D108BD9-81ED-4DB2-BD59-A6C34878D82A}">
+                    <a16:rowId xmlns:a16="http://schemas.microsoft.com/office/drawing/2014/main" val="1750572691"/>
+                  </a:ext>
+                </a:extLst>
+              </a:tr>
+              <a:tr h="370840">
+                <a:tc>
+                  <a:txBody>
+                    <a:bodyPr/>
+                    <a:lstStyle/>
+                    <a:p>
+                      <a:pPr algn="r" fontAlgn="b"/>
+                      <a:r>
+                        <a:rPr lang="en-SI" sz="1200" b="0" i="0" u="none" strike="noStrike">
+                          <a:solidFill>
+                            <a:srgbClr val="000000"/>
+                          </a:solidFill>
+                          <a:effectLst/>
+                          <a:latin typeface="Calibri" panose="020F0502020204030204" pitchFamily="34" charset="0"/>
+                        </a:rPr>
+                        <a:t>10</a:t>
+                      </a:r>
+                    </a:p>
+                  </a:txBody>
+                  <a:tcPr marL="9525" marR="9525" marT="9525" marB="0" anchor="b"/>
+                </a:tc>
+                <a:tc>
+                  <a:txBody>
+                    <a:bodyPr/>
+                    <a:lstStyle/>
+                    <a:p>
+                      <a:pPr algn="r" fontAlgn="b"/>
+                      <a:r>
+                        <a:rPr lang="en-SI" sz="1200" b="0" i="0" u="none" strike="noStrike">
+                          <a:solidFill>
+                            <a:srgbClr val="000000"/>
+                          </a:solidFill>
+                          <a:effectLst/>
+                          <a:latin typeface="Calibri" panose="020F0502020204030204" pitchFamily="34" charset="0"/>
+                        </a:rPr>
+                        <a:t>0,38</a:t>
+                      </a:r>
+                    </a:p>
+                  </a:txBody>
+                  <a:tcPr marL="9525" marR="9525" marT="9525" marB="0" anchor="b"/>
+                </a:tc>
+                <a:tc>
+                  <a:txBody>
+                    <a:bodyPr/>
+                    <a:lstStyle/>
+                    <a:p>
+                      <a:pPr algn="l" fontAlgn="b"/>
+                      <a:r>
+                        <a:rPr lang="en-SI" sz="1200" b="0" i="0" u="none" strike="noStrike">
+                          <a:solidFill>
+                            <a:srgbClr val="000000"/>
+                          </a:solidFill>
+                          <a:effectLst/>
+                          <a:latin typeface="Calibri" panose="020F0502020204030204" pitchFamily="34" charset="0"/>
+                        </a:rPr>
+                        <a:t> </a:t>
+                      </a:r>
+                    </a:p>
+                  </a:txBody>
+                  <a:tcPr marL="9525" marR="9525" marT="9525" marB="0" anchor="b"/>
+                </a:tc>
+                <a:tc>
+                  <a:txBody>
+                    <a:bodyPr/>
+                    <a:lstStyle/>
+                    <a:p>
+                      <a:pPr algn="r" fontAlgn="b"/>
+                      <a:r>
+                        <a:rPr lang="en-SI" sz="1200" b="0" i="0" u="none" strike="noStrike">
+                          <a:solidFill>
+                            <a:srgbClr val="000000"/>
+                          </a:solidFill>
+                          <a:effectLst/>
+                          <a:latin typeface="Calibri" panose="020F0502020204030204" pitchFamily="34" charset="0"/>
+                        </a:rPr>
+                        <a:t>10</a:t>
+                      </a:r>
+                    </a:p>
+                  </a:txBody>
+                  <a:tcPr marL="9525" marR="9525" marT="9525" marB="0" anchor="b"/>
+                </a:tc>
+                <a:tc>
+                  <a:txBody>
+                    <a:bodyPr/>
+                    <a:lstStyle/>
+                    <a:p>
+                      <a:pPr algn="r" fontAlgn="b"/>
+                      <a:r>
+                        <a:rPr lang="en-SI" sz="1200" b="0" i="0" u="none" strike="noStrike">
+                          <a:solidFill>
+                            <a:srgbClr val="000000"/>
+                          </a:solidFill>
+                          <a:effectLst/>
+                          <a:latin typeface="Calibri" panose="020F0502020204030204" pitchFamily="34" charset="0"/>
+                        </a:rPr>
+                        <a:t>0,05</a:t>
+                      </a:r>
+                    </a:p>
+                  </a:txBody>
+                  <a:tcPr marL="9525" marR="9525" marT="9525" marB="0" anchor="b"/>
+                </a:tc>
+                <a:tc>
+                  <a:txBody>
+                    <a:bodyPr/>
+                    <a:lstStyle/>
+                    <a:p>
+                      <a:pPr algn="l" fontAlgn="b"/>
+                      <a:r>
+                        <a:rPr lang="en-SI" sz="1200" b="0" i="0" u="none" strike="noStrike">
+                          <a:solidFill>
+                            <a:srgbClr val="000000"/>
+                          </a:solidFill>
+                          <a:effectLst/>
+                          <a:latin typeface="Calibri" panose="020F0502020204030204" pitchFamily="34" charset="0"/>
+                        </a:rPr>
+                        <a:t> </a:t>
+                      </a:r>
+                    </a:p>
+                  </a:txBody>
+                  <a:tcPr marL="9525" marR="9525" marT="9525" marB="0" anchor="b"/>
+                </a:tc>
+                <a:tc>
+                  <a:txBody>
+                    <a:bodyPr/>
+                    <a:lstStyle/>
+                    <a:p>
+                      <a:pPr algn="r" fontAlgn="b"/>
+                      <a:r>
+                        <a:rPr lang="en-SI" sz="1200" b="0" i="0" u="none" strike="noStrike">
+                          <a:solidFill>
+                            <a:srgbClr val="000000"/>
+                          </a:solidFill>
+                          <a:effectLst/>
+                          <a:latin typeface="Calibri" panose="020F0502020204030204" pitchFamily="34" charset="0"/>
+                        </a:rPr>
+                        <a:t>10</a:t>
+                      </a:r>
+                    </a:p>
+                  </a:txBody>
+                  <a:tcPr marL="9525" marR="9525" marT="9525" marB="0" anchor="b"/>
+                </a:tc>
+                <a:tc>
+                  <a:txBody>
+                    <a:bodyPr/>
+                    <a:lstStyle/>
+                    <a:p>
+                      <a:pPr algn="r" fontAlgn="b"/>
+                      <a:r>
+                        <a:rPr lang="en-SI" sz="1200" b="0" i="0" u="none" strike="noStrike">
+                          <a:solidFill>
+                            <a:srgbClr val="000000"/>
+                          </a:solidFill>
+                          <a:effectLst/>
+                          <a:latin typeface="Calibri" panose="020F0502020204030204" pitchFamily="34" charset="0"/>
+                        </a:rPr>
+                        <a:t>0,38</a:t>
+                      </a:r>
+                    </a:p>
+                  </a:txBody>
+                  <a:tcPr marL="9525" marR="9525" marT="9525" marB="0" anchor="b"/>
+                </a:tc>
+                <a:tc>
+                  <a:txBody>
+                    <a:bodyPr/>
+                    <a:lstStyle/>
+                    <a:p>
+                      <a:pPr algn="l" fontAlgn="b"/>
+                      <a:r>
+                        <a:rPr lang="en-SI" sz="1200" b="0" i="0" u="none" strike="noStrike">
+                          <a:solidFill>
+                            <a:srgbClr val="000000"/>
+                          </a:solidFill>
+                          <a:effectLst/>
+                          <a:latin typeface="Calibri" panose="020F0502020204030204" pitchFamily="34" charset="0"/>
+                        </a:rPr>
+                        <a:t> </a:t>
+                      </a:r>
+                    </a:p>
+                  </a:txBody>
+                  <a:tcPr marL="9525" marR="9525" marT="9525" marB="0" anchor="b"/>
+                </a:tc>
+                <a:tc>
+                  <a:txBody>
+                    <a:bodyPr/>
+                    <a:lstStyle/>
+                    <a:p>
+                      <a:pPr algn="r" fontAlgn="b"/>
+                      <a:r>
+                        <a:rPr lang="en-SI" sz="1200" b="0" i="0" u="none" strike="noStrike">
+                          <a:solidFill>
+                            <a:srgbClr val="000000"/>
+                          </a:solidFill>
+                          <a:effectLst/>
+                          <a:latin typeface="Calibri" panose="020F0502020204030204" pitchFamily="34" charset="0"/>
+                        </a:rPr>
+                        <a:t>10</a:t>
+                      </a:r>
+                    </a:p>
+                  </a:txBody>
+                  <a:tcPr marL="9525" marR="9525" marT="9525" marB="0" anchor="b"/>
+                </a:tc>
+                <a:tc>
+                  <a:txBody>
+                    <a:bodyPr/>
+                    <a:lstStyle/>
+                    <a:p>
+                      <a:pPr algn="r" fontAlgn="b"/>
+                      <a:r>
+                        <a:rPr lang="en-SI" sz="1200" b="0" i="0" u="none" strike="noStrike">
+                          <a:solidFill>
+                            <a:srgbClr val="000000"/>
+                          </a:solidFill>
+                          <a:effectLst/>
+                          <a:latin typeface="Calibri" panose="020F0502020204030204" pitchFamily="34" charset="0"/>
+                        </a:rPr>
+                        <a:t>0,05</a:t>
+                      </a:r>
+                    </a:p>
+                  </a:txBody>
+                  <a:tcPr marL="9525" marR="9525" marT="9525" marB="0" anchor="b"/>
+                </a:tc>
+                <a:tc>
+                  <a:txBody>
+                    <a:bodyPr/>
+                    <a:lstStyle/>
+                    <a:p>
+                      <a:pPr algn="l" fontAlgn="b"/>
+                      <a:r>
+                        <a:rPr lang="en-SI" sz="1200" b="0" i="0" u="none" strike="noStrike">
+                          <a:solidFill>
+                            <a:srgbClr val="000000"/>
+                          </a:solidFill>
+                          <a:effectLst/>
+                          <a:latin typeface="Calibri" panose="020F0502020204030204" pitchFamily="34" charset="0"/>
+                        </a:rPr>
+                        <a:t> </a:t>
+                      </a:r>
+                    </a:p>
+                  </a:txBody>
+                  <a:tcPr marL="9525" marR="9525" marT="9525" marB="0" anchor="b"/>
+                </a:tc>
+                <a:tc>
+                  <a:txBody>
+                    <a:bodyPr/>
+                    <a:lstStyle/>
+                    <a:p>
+                      <a:pPr algn="r" fontAlgn="b"/>
+                      <a:r>
+                        <a:rPr lang="en-SI" sz="1200" b="0" i="0" u="none" strike="noStrike">
+                          <a:solidFill>
+                            <a:srgbClr val="000000"/>
+                          </a:solidFill>
+                          <a:effectLst/>
+                          <a:latin typeface="Calibri" panose="020F0502020204030204" pitchFamily="34" charset="0"/>
+                        </a:rPr>
+                        <a:t>10</a:t>
+                      </a:r>
+                    </a:p>
+                  </a:txBody>
+                  <a:tcPr marL="9525" marR="9525" marT="9525" marB="0" anchor="b"/>
+                </a:tc>
+                <a:tc>
+                  <a:txBody>
+                    <a:bodyPr/>
+                    <a:lstStyle/>
+                    <a:p>
+                      <a:pPr algn="r" fontAlgn="b"/>
+                      <a:r>
+                        <a:rPr lang="en-SI" sz="1200" b="0" i="0" u="none" strike="noStrike" dirty="0">
+                          <a:solidFill>
+                            <a:srgbClr val="000000"/>
+                          </a:solidFill>
+                          <a:effectLst/>
+                          <a:latin typeface="Calibri" panose="020F0502020204030204" pitchFamily="34" charset="0"/>
+                        </a:rPr>
+                        <a:t>0,04</a:t>
+                      </a:r>
+                    </a:p>
+                  </a:txBody>
+                  <a:tcPr marL="9525" marR="9525" marT="9525" marB="0" anchor="b"/>
+                </a:tc>
+                <a:extLst>
+                  <a:ext uri="{0D108BD9-81ED-4DB2-BD59-A6C34878D82A}">
+                    <a16:rowId xmlns:a16="http://schemas.microsoft.com/office/drawing/2014/main" val="3280639993"/>
+                  </a:ext>
+                </a:extLst>
+              </a:tr>
+            </a:tbl>
+          </a:graphicData>
+        </a:graphic>
+      </p:graphicFrame>
       <p:sp>
         <p:nvSpPr>
           <p:cNvPr id="4" name="Slide Number Placeholder 3">

--- a/presentation.pptx
+++ b/presentation.pptx
@@ -1605,7 +1605,7 @@
                   <c:v>263</c:v>
                 </c:pt>
                 <c:pt idx="1">
-                  <c:v>22711.599999999999</c:v>
+                  <c:v>227.6</c:v>
                 </c:pt>
                 <c:pt idx="2">
                   <c:v>220</c:v>
@@ -2229,37 +2229,7 @@
     </mc:Fallback>
   </mc:AlternateContent>
   <c:chart>
-    <c:title>
-      <c:overlay val="0"/>
-      <c:spPr>
-        <a:noFill/>
-        <a:ln>
-          <a:noFill/>
-        </a:ln>
-        <a:effectLst/>
-      </c:spPr>
-      <c:txPr>
-        <a:bodyPr rot="0" spcFirstLastPara="1" vertOverflow="ellipsis" vert="horz" wrap="square" anchor="ctr" anchorCtr="1"/>
-        <a:lstStyle/>
-        <a:p>
-          <a:pPr>
-            <a:defRPr sz="1862" b="0" i="0" u="none" strike="noStrike" kern="1200" spc="0" baseline="0">
-              <a:solidFill>
-                <a:schemeClr val="tx1">
-                  <a:lumMod val="65000"/>
-                  <a:lumOff val="35000"/>
-                </a:schemeClr>
-              </a:solidFill>
-              <a:latin typeface="+mn-lt"/>
-              <a:ea typeface="+mn-ea"/>
-              <a:cs typeface="+mn-cs"/>
-            </a:defRPr>
-          </a:pPr>
-          <a:endParaRPr lang="en-SI"/>
-        </a:p>
-      </c:txPr>
-    </c:title>
-    <c:autoTitleDeleted val="0"/>
+    <c:autoTitleDeleted val="1"/>
     <c:plotArea>
       <c:layout/>
       <c:lineChart>
@@ -2570,37 +2540,7 @@
     </mc:Fallback>
   </mc:AlternateContent>
   <c:chart>
-    <c:title>
-      <c:overlay val="0"/>
-      <c:spPr>
-        <a:noFill/>
-        <a:ln>
-          <a:noFill/>
-        </a:ln>
-        <a:effectLst/>
-      </c:spPr>
-      <c:txPr>
-        <a:bodyPr rot="0" spcFirstLastPara="1" vertOverflow="ellipsis" vert="horz" wrap="square" anchor="ctr" anchorCtr="1"/>
-        <a:lstStyle/>
-        <a:p>
-          <a:pPr>
-            <a:defRPr sz="1862" b="0" i="0" u="none" strike="noStrike" kern="1200" spc="0" baseline="0">
-              <a:solidFill>
-                <a:schemeClr val="tx1">
-                  <a:lumMod val="65000"/>
-                  <a:lumOff val="35000"/>
-                </a:schemeClr>
-              </a:solidFill>
-              <a:latin typeface="+mn-lt"/>
-              <a:ea typeface="+mn-ea"/>
-              <a:cs typeface="+mn-cs"/>
-            </a:defRPr>
-          </a:pPr>
-          <a:endParaRPr lang="en-SI"/>
-        </a:p>
-      </c:txPr>
-    </c:title>
-    <c:autoTitleDeleted val="0"/>
+    <c:autoTitleDeleted val="1"/>
     <c:plotArea>
       <c:layout/>
       <c:lineChart>
@@ -10552,14 +10492,14 @@
           </a:ln>
           <a:extLst>
             <a:ext uri="{909E8E84-426E-40dd-AFC4-6F175D3DCCD1}">
-              <a14:hiddenFill xmlns:a14="http://schemas.microsoft.com/office/drawing/2010/main" xmlns="">
+              <a14:hiddenFill xmlns="" xmlns:a14="http://schemas.microsoft.com/office/drawing/2010/main">
                 <a:solidFill>
                   <a:srgbClr val="FFFFFF"/>
                 </a:solidFill>
               </a14:hiddenFill>
             </a:ext>
             <a:ext uri="{91240B29-F687-4f45-9708-019B960494DF}">
-              <a14:hiddenLine xmlns:a14="http://schemas.microsoft.com/office/drawing/2010/main" xmlns="" w="9525">
+              <a14:hiddenLine xmlns="" xmlns:a14="http://schemas.microsoft.com/office/drawing/2010/main" w="9525">
                 <a:solidFill>
                   <a:srgbClr val="000000"/>
                 </a:solidFill>
@@ -11338,7 +11278,7 @@
             <p:ph idx="1"/>
             <p:extLst>
               <p:ext uri="{D42A27DB-BD31-4B8C-83A1-F6EECF244321}">
-                <p14:modId xmlns:p14="http://schemas.microsoft.com/office/powerpoint/2010/main" val="3145120679"/>
+                <p14:modId xmlns:p14="http://schemas.microsoft.com/office/powerpoint/2010/main" val="141331076"/>
               </p:ext>
             </p:extLst>
           </p:nvPr>
